--- a/S3-Variable coding.pptx
+++ b/S3-Variable coding.pptx
@@ -140,6 +140,43 @@
 </p:presentation>
 </file>
 
+<file path=ppt/revisionInfo.xml><?xml version="1.0" encoding="utf-8"?>
+<p1510:revInfo xmlns:a="http://schemas.openxmlformats.org/drawingml/2006/main" xmlns:r="http://schemas.openxmlformats.org/officeDocument/2006/relationships" xmlns:p1510="http://schemas.microsoft.com/office/powerpoint/2015/10/main">
+  <p1510:revLst>
+    <p1510:client id="{3044EFF5-60A0-BA4C-ABF7-897CFCD13DFE}" v="1" dt="2022-02-17T20:33:35.488"/>
+  </p1510:revLst>
+</p1510:revInfo>
+</file>
+
+<file path=ppt/changesInfos/changesInfo1.xml><?xml version="1.0" encoding="utf-8"?>
+<pc:chgInfo xmlns:a="http://schemas.openxmlformats.org/drawingml/2006/main" xmlns:r="http://schemas.openxmlformats.org/officeDocument/2006/relationships" xmlns:ac="http://schemas.microsoft.com/office/drawing/2013/main/command" xmlns:pc="http://schemas.microsoft.com/office/powerpoint/2013/main/command">
+  <pc:docChgLst>
+    <pc:chgData name="Xingkai Wu" userId="ff39b276-e29e-4ef7-851e-48539f5803f5" providerId="ADAL" clId="{3044EFF5-60A0-BA4C-ABF7-897CFCD13DFE}"/>
+    <pc:docChg chg="modSld">
+      <pc:chgData name="Xingkai Wu" userId="ff39b276-e29e-4ef7-851e-48539f5803f5" providerId="ADAL" clId="{3044EFF5-60A0-BA4C-ABF7-897CFCD13DFE}" dt="2022-02-17T20:33:38.899" v="2"/>
+      <pc:docMkLst>
+        <pc:docMk/>
+      </pc:docMkLst>
+      <pc:sldChg chg="addSp delSp modSp mod">
+        <pc:chgData name="Xingkai Wu" userId="ff39b276-e29e-4ef7-851e-48539f5803f5" providerId="ADAL" clId="{3044EFF5-60A0-BA4C-ABF7-897CFCD13DFE}" dt="2022-02-17T20:33:38.899" v="2"/>
+        <pc:sldMkLst>
+          <pc:docMk/>
+          <pc:sldMk cId="4162581747" sldId="455"/>
+        </pc:sldMkLst>
+        <pc:spChg chg="add del mod">
+          <ac:chgData name="Xingkai Wu" userId="ff39b276-e29e-4ef7-851e-48539f5803f5" providerId="ADAL" clId="{3044EFF5-60A0-BA4C-ABF7-897CFCD13DFE}" dt="2022-02-17T20:33:38.899" v="2"/>
+          <ac:spMkLst>
+            <pc:docMk/>
+            <pc:sldMk cId="4162581747" sldId="455"/>
+            <ac:spMk id="4" creationId="{A646CDD9-4DF6-864C-A0CF-9F91EA125837}"/>
+          </ac:spMkLst>
+        </pc:spChg>
+      </pc:sldChg>
+    </pc:docChg>
+  </pc:docChgLst>
+</pc:chgInfo>
+</file>
+
 <file path=ppt/notesMasters/notesMaster1.xml><?xml version="1.0" encoding="utf-8"?>
 <p:notesMaster xmlns:a="http://schemas.openxmlformats.org/drawingml/2006/main" xmlns:r="http://schemas.openxmlformats.org/officeDocument/2006/relationships" xmlns:p="http://schemas.openxmlformats.org/presentationml/2006/main">
   <p:cSld>
@@ -222,7 +259,7 @@
           <a:p>
             <a:fld id="{5AC605B7-4C12-45B7-8630-4807B88CCFAC}" type="datetimeFigureOut">
               <a:rPr lang="en-US" smtClean="0"/>
-              <a:t>11/25/2021</a:t>
+              <a:t>2/17/22</a:t>
             </a:fld>
             <a:endParaRPr lang="en-US"/>
           </a:p>
@@ -286,38 +323,37 @@
           <a:p>
             <a:pPr lvl="0"/>
             <a:r>
-              <a:rPr lang="en-US" smtClean="0"/>
+              <a:rPr lang="en-US"/>
               <a:t>Edit Master text styles</a:t>
             </a:r>
           </a:p>
           <a:p>
             <a:pPr lvl="1"/>
             <a:r>
-              <a:rPr lang="en-US" smtClean="0"/>
+              <a:rPr lang="en-US"/>
               <a:t>Second level</a:t>
             </a:r>
           </a:p>
           <a:p>
             <a:pPr lvl="2"/>
             <a:r>
-              <a:rPr lang="en-US" smtClean="0"/>
+              <a:rPr lang="en-US"/>
               <a:t>Third level</a:t>
             </a:r>
           </a:p>
           <a:p>
             <a:pPr lvl="3"/>
             <a:r>
-              <a:rPr lang="en-US" smtClean="0"/>
+              <a:rPr lang="en-US"/>
               <a:t>Fourth level</a:t>
             </a:r>
           </a:p>
           <a:p>
             <a:pPr lvl="4"/>
             <a:r>
-              <a:rPr lang="en-US" smtClean="0"/>
+              <a:rPr lang="en-US"/>
               <a:t>Fifth level</a:t>
             </a:r>
-            <a:endParaRPr lang="en-US"/>
           </a:p>
         </p:txBody>
       </p:sp>
@@ -716,7 +752,7 @@
           <a:p>
             <a:fld id="{BD4DBF81-E95E-4A76-A47C-EA481D1C8073}" type="datetimeFigureOut">
               <a:rPr lang="en-US" smtClean="0"/>
-              <a:t>11/25/2021</a:t>
+              <a:t>2/17/22</a:t>
             </a:fld>
             <a:endParaRPr lang="en-US" dirty="0"/>
           </a:p>
@@ -924,7 +960,7 @@
           <a:p>
             <a:fld id="{BD4DBF81-E95E-4A76-A47C-EA481D1C8073}" type="datetimeFigureOut">
               <a:rPr lang="en-US" smtClean="0"/>
-              <a:t>11/25/2021</a:t>
+              <a:t>2/17/22</a:t>
             </a:fld>
             <a:endParaRPr lang="en-US" dirty="0"/>
           </a:p>
@@ -1180,7 +1216,7 @@
           <a:p>
             <a:fld id="{BD4DBF81-E95E-4A76-A47C-EA481D1C8073}" type="datetimeFigureOut">
               <a:rPr lang="en-US" smtClean="0"/>
-              <a:t>11/25/2021</a:t>
+              <a:t>2/17/22</a:t>
             </a:fld>
             <a:endParaRPr lang="en-US" dirty="0"/>
           </a:p>
@@ -1354,7 +1390,7 @@
           <a:p>
             <a:fld id="{BD4DBF81-E95E-4A76-A47C-EA481D1C8073}" type="datetimeFigureOut">
               <a:rPr lang="en-US" smtClean="0"/>
-              <a:t>11/25/2021</a:t>
+              <a:t>2/17/22</a:t>
             </a:fld>
             <a:endParaRPr lang="en-US" dirty="0"/>
           </a:p>
@@ -1697,7 +1733,7 @@
           <a:p>
             <a:fld id="{BD4DBF81-E95E-4A76-A47C-EA481D1C8073}" type="datetimeFigureOut">
               <a:rPr lang="en-US" smtClean="0"/>
-              <a:t>11/25/2021</a:t>
+              <a:t>2/17/22</a:t>
             </a:fld>
             <a:endParaRPr lang="en-US" dirty="0"/>
           </a:p>
@@ -1972,7 +2008,7 @@
           <a:p>
             <a:fld id="{BD4DBF81-E95E-4A76-A47C-EA481D1C8073}" type="datetimeFigureOut">
               <a:rPr lang="en-US" smtClean="0"/>
-              <a:t>11/25/2021</a:t>
+              <a:t>2/17/22</a:t>
             </a:fld>
             <a:endParaRPr lang="en-US" dirty="0"/>
           </a:p>
@@ -2351,7 +2387,7 @@
           <a:p>
             <a:fld id="{BD4DBF81-E95E-4A76-A47C-EA481D1C8073}" type="datetimeFigureOut">
               <a:rPr lang="en-US" smtClean="0"/>
-              <a:t>11/25/2021</a:t>
+              <a:t>2/17/22</a:t>
             </a:fld>
             <a:endParaRPr lang="en-US" dirty="0"/>
           </a:p>
@@ -2469,7 +2505,7 @@
           <a:p>
             <a:fld id="{BD4DBF81-E95E-4A76-A47C-EA481D1C8073}" type="datetimeFigureOut">
               <a:rPr lang="en-US" smtClean="0"/>
-              <a:t>11/25/2021</a:t>
+              <a:t>2/17/22</a:t>
             </a:fld>
             <a:endParaRPr lang="en-US" dirty="0"/>
           </a:p>
@@ -2640,7 +2676,7 @@
           <a:p>
             <a:fld id="{BD4DBF81-E95E-4A76-A47C-EA481D1C8073}" type="datetimeFigureOut">
               <a:rPr lang="en-US" smtClean="0"/>
-              <a:t>11/25/2021</a:t>
+              <a:t>2/17/22</a:t>
             </a:fld>
             <a:endParaRPr lang="en-US" dirty="0"/>
           </a:p>
@@ -2994,7 +3030,7 @@
           <a:p>
             <a:fld id="{BD4DBF81-E95E-4A76-A47C-EA481D1C8073}" type="datetimeFigureOut">
               <a:rPr lang="en-US" smtClean="0"/>
-              <a:t>11/25/2021</a:t>
+              <a:t>2/17/22</a:t>
             </a:fld>
             <a:endParaRPr lang="en-US" dirty="0"/>
           </a:p>
@@ -3375,7 +3411,7 @@
           <a:p>
             <a:fld id="{BD4DBF81-E95E-4A76-A47C-EA481D1C8073}" type="datetimeFigureOut">
               <a:rPr lang="en-US" smtClean="0"/>
-              <a:t>11/25/2021</a:t>
+              <a:t>2/17/22</a:t>
             </a:fld>
             <a:endParaRPr lang="en-US" dirty="0"/>
           </a:p>
@@ -3662,7 +3698,7 @@
           <a:p>
             <a:fld id="{BD4DBF81-E95E-4A76-A47C-EA481D1C8073}" type="datetimeFigureOut">
               <a:rPr lang="en-US" smtClean="0"/>
-              <a:t>11/25/2021</a:t>
+              <a:t>2/17/22</a:t>
             </a:fld>
             <a:endParaRPr lang="en-US" dirty="0"/>
           </a:p>
@@ -4210,7 +4246,7 @@
           <a:p>
             <a:pPr algn="ctr"/>
             <a:r>
-              <a:rPr lang="en-US" sz="3200" spc="0" dirty="0" smtClean="0">
+              <a:rPr lang="en-US" sz="3200" spc="0" dirty="0">
                 <a:solidFill>
                   <a:srgbClr val="0070C0"/>
                 </a:solidFill>
@@ -4220,7 +4256,16 @@
               <a:t>MBAN 6400</a:t>
             </a:r>
             <a:br>
-              <a:rPr lang="en-US" sz="3200" spc="0" dirty="0" smtClean="0">
+              <a:rPr lang="en-US" sz="3200" spc="0" dirty="0">
+                <a:solidFill>
+                  <a:srgbClr val="0070C0"/>
+                </a:solidFill>
+                <a:latin typeface="Calibri" panose="020F0502020204030204" pitchFamily="34" charset="0"/>
+                <a:cs typeface="Calibri" panose="020F0502020204030204" pitchFamily="34" charset="0"/>
+              </a:rPr>
+            </a:br>
+            <a:br>
+              <a:rPr lang="en-US" sz="3200" spc="0" dirty="0">
                 <a:solidFill>
                   <a:srgbClr val="0070C0"/>
                 </a:solidFill>
@@ -4229,17 +4274,26 @@
               </a:rPr>
             </a:br>
             <a:r>
-              <a:rPr lang="en-US" sz="3200" spc="0" dirty="0" smtClean="0">
+              <a:rPr lang="en-US" sz="3200" spc="0" dirty="0">
                 <a:solidFill>
                   <a:srgbClr val="0070C0"/>
                 </a:solidFill>
                 <a:latin typeface="Calibri" panose="020F0502020204030204" pitchFamily="34" charset="0"/>
                 <a:cs typeface="Calibri" panose="020F0502020204030204" pitchFamily="34" charset="0"/>
               </a:rPr>
-              <a:t/>
+              <a:t>S3 – Variable Coding </a:t>
             </a:r>
             <a:br>
-              <a:rPr lang="en-US" sz="3200" spc="0" dirty="0" smtClean="0">
+              <a:rPr lang="en-US" sz="3200" spc="0" dirty="0">
+                <a:solidFill>
+                  <a:srgbClr val="0070C0"/>
+                </a:solidFill>
+                <a:latin typeface="Calibri" panose="020F0502020204030204" pitchFamily="34" charset="0"/>
+                <a:cs typeface="Calibri" panose="020F0502020204030204" pitchFamily="34" charset="0"/>
+              </a:rPr>
+            </a:br>
+            <a:br>
+              <a:rPr lang="en-US" sz="2400" spc="0" dirty="0">
                 <a:solidFill>
                   <a:srgbClr val="0070C0"/>
                 </a:solidFill>
@@ -4248,85 +4302,7 @@
               </a:rPr>
             </a:br>
             <a:r>
-              <a:rPr lang="en-US" sz="3200" spc="0" dirty="0" smtClean="0">
-                <a:solidFill>
-                  <a:srgbClr val="0070C0"/>
-                </a:solidFill>
-                <a:latin typeface="Calibri" panose="020F0502020204030204" pitchFamily="34" charset="0"/>
-                <a:cs typeface="Calibri" panose="020F0502020204030204" pitchFamily="34" charset="0"/>
-              </a:rPr>
-              <a:t>S3 </a:t>
-            </a:r>
-            <a:r>
-              <a:rPr lang="en-US" sz="3200" spc="0" dirty="0">
-                <a:solidFill>
-                  <a:srgbClr val="0070C0"/>
-                </a:solidFill>
-                <a:latin typeface="Calibri" panose="020F0502020204030204" pitchFamily="34" charset="0"/>
-                <a:cs typeface="Calibri" panose="020F0502020204030204" pitchFamily="34" charset="0"/>
-              </a:rPr>
-              <a:t>–</a:t>
-            </a:r>
-            <a:r>
-              <a:rPr lang="en-US" sz="3200" spc="0" dirty="0" smtClean="0">
-                <a:solidFill>
-                  <a:srgbClr val="0070C0"/>
-                </a:solidFill>
-                <a:latin typeface="Calibri" panose="020F0502020204030204" pitchFamily="34" charset="0"/>
-                <a:cs typeface="Calibri" panose="020F0502020204030204" pitchFamily="34" charset="0"/>
-              </a:rPr>
-              <a:t> </a:t>
-            </a:r>
-            <a:r>
-              <a:rPr lang="en-US" sz="3200" spc="0" dirty="0" smtClean="0">
-                <a:solidFill>
-                  <a:srgbClr val="0070C0"/>
-                </a:solidFill>
-                <a:latin typeface="Calibri" panose="020F0502020204030204" pitchFamily="34" charset="0"/>
-                <a:cs typeface="Calibri" panose="020F0502020204030204" pitchFamily="34" charset="0"/>
-              </a:rPr>
-              <a:t>Variable Coding </a:t>
-            </a:r>
-            <a:r>
-              <a:rPr lang="en-US" sz="3200" spc="0" dirty="0" smtClean="0">
-                <a:solidFill>
-                  <a:srgbClr val="0070C0"/>
-                </a:solidFill>
-                <a:latin typeface="Calibri" panose="020F0502020204030204" pitchFamily="34" charset="0"/>
-                <a:cs typeface="Calibri" panose="020F0502020204030204" pitchFamily="34" charset="0"/>
-              </a:rPr>
-              <a:t/>
-            </a:r>
-            <a:br>
-              <a:rPr lang="en-US" sz="3200" spc="0" dirty="0" smtClean="0">
-                <a:solidFill>
-                  <a:srgbClr val="0070C0"/>
-                </a:solidFill>
-                <a:latin typeface="Calibri" panose="020F0502020204030204" pitchFamily="34" charset="0"/>
-                <a:cs typeface="Calibri" panose="020F0502020204030204" pitchFamily="34" charset="0"/>
-              </a:rPr>
-            </a:br>
-            <a:r>
-              <a:rPr lang="en-US" sz="2400" spc="0" dirty="0" smtClean="0">
-                <a:solidFill>
-                  <a:srgbClr val="0070C0"/>
-                </a:solidFill>
-                <a:latin typeface="Calibri" panose="020F0502020204030204" pitchFamily="34" charset="0"/>
-                <a:cs typeface="Calibri" panose="020F0502020204030204" pitchFamily="34" charset="0"/>
-              </a:rPr>
-              <a:t/>
-            </a:r>
-            <a:br>
-              <a:rPr lang="en-US" sz="2400" spc="0" dirty="0" smtClean="0">
-                <a:solidFill>
-                  <a:srgbClr val="0070C0"/>
-                </a:solidFill>
-                <a:latin typeface="Calibri" panose="020F0502020204030204" pitchFamily="34" charset="0"/>
-                <a:cs typeface="Calibri" panose="020F0502020204030204" pitchFamily="34" charset="0"/>
-              </a:rPr>
-            </a:br>
-            <a:r>
-              <a:rPr lang="en-US" sz="2800" spc="0" dirty="0" smtClean="0">
+              <a:rPr lang="en-US" sz="2800" spc="0" dirty="0">
                 <a:solidFill>
                   <a:schemeClr val="tx1"/>
                 </a:solidFill>
@@ -4335,13 +4311,6 @@
               </a:rPr>
               <a:t>Hemant Sangwan</a:t>
             </a:r>
-            <a:endParaRPr lang="en-US" sz="2800" spc="0" dirty="0">
-              <a:solidFill>
-                <a:schemeClr val="tx1"/>
-              </a:solidFill>
-              <a:latin typeface="Calibri" panose="020F0502020204030204" pitchFamily="34" charset="0"/>
-              <a:cs typeface="Calibri" panose="020F0502020204030204" pitchFamily="34" charset="0"/>
-            </a:endParaRPr>
           </a:p>
         </p:txBody>
       </p:sp>
@@ -4355,13 +4324,6 @@
   <p:clrMapOvr>
     <a:masterClrMapping/>
   </p:clrMapOvr>
-  <p:timing>
-    <p:tnLst>
-      <p:par>
-        <p:cTn id="1" dur="indefinite" restart="never" nodeType="tmRoot"/>
-      </p:par>
-    </p:tnLst>
-  </p:timing>
 </p:sld>
 </file>
 
@@ -4407,25 +4369,8 @@
                 <a:latin typeface="Calibri" panose="020F0502020204030204" pitchFamily="34" charset="0"/>
                 <a:cs typeface="Calibri" panose="020F0502020204030204" pitchFamily="34" charset="0"/>
               </a:rPr>
-              <a:t>Dummy </a:t>
+              <a:t>Dummy coding rule </a:t>
             </a:r>
-            <a:r>
-              <a:rPr lang="en-US" sz="3200" spc="0" dirty="0" smtClean="0">
-                <a:solidFill>
-                  <a:srgbClr val="0070C0"/>
-                </a:solidFill>
-                <a:latin typeface="Calibri" panose="020F0502020204030204" pitchFamily="34" charset="0"/>
-                <a:cs typeface="Calibri" panose="020F0502020204030204" pitchFamily="34" charset="0"/>
-              </a:rPr>
-              <a:t>coding rule </a:t>
-            </a:r>
-            <a:endParaRPr lang="en-US" sz="3200" spc="0" dirty="0">
-              <a:solidFill>
-                <a:srgbClr val="0070C0"/>
-              </a:solidFill>
-              <a:latin typeface="Calibri" panose="020F0502020204030204" pitchFamily="34" charset="0"/>
-              <a:cs typeface="Calibri" panose="020F0502020204030204" pitchFamily="34" charset="0"/>
-            </a:endParaRPr>
           </a:p>
         </p:txBody>
       </p:sp>
@@ -4501,7 +4446,7 @@
               <a:t>g</a:t>
             </a:r>
             <a:r>
-              <a:rPr lang="en-US" sz="1800" baseline="-25000" dirty="0" err="1" smtClean="0">
+              <a:rPr lang="en-US" sz="1800" baseline="-25000" dirty="0" err="1">
                 <a:solidFill>
                   <a:schemeClr val="tx1"/>
                 </a:solidFill>
@@ -4511,16 +4456,6 @@
               <a:t>n</a:t>
             </a:r>
             <a:r>
-              <a:rPr lang="en-US" sz="1800" dirty="0" smtClean="0">
-                <a:solidFill>
-                  <a:schemeClr val="tx1"/>
-                </a:solidFill>
-                <a:latin typeface="Calibri" panose="020F0502020204030204" pitchFamily="34" charset="0"/>
-                <a:cs typeface="Calibri" panose="020F0502020204030204" pitchFamily="34" charset="0"/>
-              </a:rPr>
-              <a:t>(i) =</a:t>
-            </a:r>
-            <a:r>
               <a:rPr lang="en-US" sz="1800" dirty="0">
                 <a:solidFill>
                   <a:schemeClr val="tx1"/>
@@ -4528,25 +4463,8 @@
                 <a:latin typeface="Calibri" panose="020F0502020204030204" pitchFamily="34" charset="0"/>
                 <a:cs typeface="Calibri" panose="020F0502020204030204" pitchFamily="34" charset="0"/>
               </a:rPr>
-              <a:t>1 if n ∈ ith  </a:t>
+              <a:t>(i) =1 if n ∈ ith  level, i=low, medium, high</a:t>
             </a:r>
-            <a:r>
-              <a:rPr lang="en-US" sz="1800" dirty="0" smtClean="0">
-                <a:solidFill>
-                  <a:schemeClr val="tx1"/>
-                </a:solidFill>
-                <a:latin typeface="Calibri" panose="020F0502020204030204" pitchFamily="34" charset="0"/>
-                <a:cs typeface="Calibri" panose="020F0502020204030204" pitchFamily="34" charset="0"/>
-              </a:rPr>
-              <a:t>level, i=low, medium, high</a:t>
-            </a:r>
-            <a:endParaRPr lang="en-US" sz="1800" dirty="0">
-              <a:solidFill>
-                <a:schemeClr val="tx1"/>
-              </a:solidFill>
-              <a:latin typeface="Calibri" panose="020F0502020204030204" pitchFamily="34" charset="0"/>
-              <a:cs typeface="Calibri" panose="020F0502020204030204" pitchFamily="34" charset="0"/>
-            </a:endParaRPr>
           </a:p>
           <a:p>
             <a:pPr marL="1706865" lvl="3" indent="-365760">
@@ -4589,27 +4507,7 @@
                 <a:latin typeface="Calibri" panose="020F0502020204030204" pitchFamily="34" charset="0"/>
                 <a:cs typeface="Calibri" panose="020F0502020204030204" pitchFamily="34" charset="0"/>
               </a:rPr>
-              <a:t>(i</a:t>
-            </a:r>
-            <a:r>
-              <a:rPr lang="en-US" sz="1800" dirty="0" smtClean="0">
-                <a:solidFill>
-                  <a:schemeClr val="tx1"/>
-                </a:solidFill>
-                <a:latin typeface="Calibri" panose="020F0502020204030204" pitchFamily="34" charset="0"/>
-                <a:cs typeface="Calibri" panose="020F0502020204030204" pitchFamily="34" charset="0"/>
-              </a:rPr>
-              <a:t>) =</a:t>
-            </a:r>
-            <a:r>
-              <a:rPr lang="en-US" sz="1800" dirty="0">
-                <a:solidFill>
-                  <a:schemeClr val="tx1"/>
-                </a:solidFill>
-                <a:latin typeface="Calibri" panose="020F0502020204030204" pitchFamily="34" charset="0"/>
-                <a:cs typeface="Calibri" panose="020F0502020204030204" pitchFamily="34" charset="0"/>
-              </a:rPr>
-              <a:t>0 otherwise</a:t>
+              <a:t>(i) =0 otherwise</a:t>
             </a:r>
           </a:p>
           <a:p>
@@ -4646,27 +4544,7 @@
                 <a:latin typeface="Calibri" panose="020F0502020204030204" pitchFamily="34" charset="0"/>
                 <a:cs typeface="Calibri" panose="020F0502020204030204" pitchFamily="34" charset="0"/>
               </a:rPr>
-              <a:t>omitted </a:t>
-            </a:r>
-            <a:r>
-              <a:rPr lang="en-US" sz="2400" b="1" dirty="0" smtClean="0">
-                <a:solidFill>
-                  <a:srgbClr val="000000"/>
-                </a:solidFill>
-                <a:latin typeface="Calibri" panose="020F0502020204030204" pitchFamily="34" charset="0"/>
-                <a:cs typeface="Calibri" panose="020F0502020204030204" pitchFamily="34" charset="0"/>
-              </a:rPr>
-              <a:t>variable </a:t>
-            </a:r>
-            <a:r>
-              <a:rPr lang="en-US" sz="2400" dirty="0" smtClean="0">
-                <a:solidFill>
-                  <a:srgbClr val="000000"/>
-                </a:solidFill>
-                <a:latin typeface="Calibri" panose="020F0502020204030204" pitchFamily="34" charset="0"/>
-                <a:cs typeface="Calibri" panose="020F0502020204030204" pitchFamily="34" charset="0"/>
-              </a:rPr>
-              <a:t>(x2 low) </a:t>
+              <a:t>omitted variable </a:t>
             </a:r>
             <a:r>
               <a:rPr lang="en-US" sz="2400" dirty="0">
@@ -4676,7 +4554,7 @@
                 <a:latin typeface="Calibri" panose="020F0502020204030204" pitchFamily="34" charset="0"/>
                 <a:cs typeface="Calibri" panose="020F0502020204030204" pitchFamily="34" charset="0"/>
               </a:rPr>
-              <a:t>have zeros assigned on g-1 variables</a:t>
+              <a:t>(x2 low) have zeros assigned on g-1 variables</a:t>
             </a:r>
           </a:p>
           <a:p>
@@ -7132,13 +7010,6 @@
   <p:clrMapOvr>
     <a:masterClrMapping/>
   </p:clrMapOvr>
-  <p:timing>
-    <p:tnLst>
-      <p:par>
-        <p:cTn id="1" dur="indefinite" restart="never" nodeType="tmRoot"/>
-      </p:par>
-    </p:tnLst>
-  </p:timing>
 </p:sld>
 </file>
 
@@ -7177,7 +7048,7 @@
           <a:lstStyle/>
           <a:p>
             <a:r>
-              <a:rPr lang="en-US" sz="3200" spc="0" dirty="0" smtClean="0">
+              <a:rPr lang="en-US" sz="3200" spc="0" dirty="0">
                 <a:solidFill>
                   <a:srgbClr val="0070C0"/>
                 </a:solidFill>
@@ -7186,13 +7057,6 @@
               </a:rPr>
               <a:t>Interpretation of dummy coded coefficients</a:t>
             </a:r>
-            <a:endParaRPr lang="en-US" sz="3200" spc="0" dirty="0">
-              <a:solidFill>
-                <a:srgbClr val="0070C0"/>
-              </a:solidFill>
-              <a:latin typeface="Calibri" panose="020F0502020204030204" pitchFamily="34" charset="0"/>
-              <a:cs typeface="Calibri" panose="020F0502020204030204" pitchFamily="34" charset="0"/>
-            </a:endParaRPr>
           </a:p>
         </p:txBody>
       </p:sp>
@@ -7234,16 +7098,6 @@
               <a:buChar char="•"/>
             </a:pPr>
             <a:r>
-              <a:rPr lang="en-US" dirty="0" smtClean="0">
-                <a:solidFill>
-                  <a:srgbClr val="000000"/>
-                </a:solidFill>
-                <a:latin typeface="Calibri" panose="020F0502020204030204" pitchFamily="34" charset="0"/>
-                <a:cs typeface="Calibri" panose="020F0502020204030204" pitchFamily="34" charset="0"/>
-              </a:rPr>
-              <a:t>Y = a </a:t>
-            </a:r>
-            <a:r>
               <a:rPr lang="en-US" dirty="0">
                 <a:solidFill>
                   <a:srgbClr val="000000"/>
@@ -7251,20 +7105,10 @@
                 <a:latin typeface="Calibri" panose="020F0502020204030204" pitchFamily="34" charset="0"/>
                 <a:cs typeface="Calibri" panose="020F0502020204030204" pitchFamily="34" charset="0"/>
               </a:rPr>
-              <a:t>+ b1 </a:t>
+              <a:t>Y = a + b1 x2</a:t>
             </a:r>
             <a:r>
-              <a:rPr lang="en-US" dirty="0" smtClean="0">
-                <a:solidFill>
-                  <a:srgbClr val="000000"/>
-                </a:solidFill>
-                <a:latin typeface="Calibri" panose="020F0502020204030204" pitchFamily="34" charset="0"/>
-                <a:cs typeface="Calibri" panose="020F0502020204030204" pitchFamily="34" charset="0"/>
-              </a:rPr>
-              <a:t>x2</a:t>
-            </a:r>
-            <a:r>
-              <a:rPr lang="en-US" baseline="-25000" dirty="0" smtClean="0">
+              <a:rPr lang="en-US" baseline="-25000" dirty="0">
                 <a:solidFill>
                   <a:srgbClr val="000000"/>
                 </a:solidFill>
@@ -7281,20 +7125,10 @@
                 <a:latin typeface="Calibri" panose="020F0502020204030204" pitchFamily="34" charset="0"/>
                 <a:cs typeface="Calibri" panose="020F0502020204030204" pitchFamily="34" charset="0"/>
               </a:rPr>
-              <a:t>+ b2 </a:t>
+              <a:t>+ b2 x2</a:t>
             </a:r>
             <a:r>
-              <a:rPr lang="en-US" dirty="0" smtClean="0">
-                <a:solidFill>
-                  <a:srgbClr val="000000"/>
-                </a:solidFill>
-                <a:latin typeface="Calibri" panose="020F0502020204030204" pitchFamily="34" charset="0"/>
-                <a:cs typeface="Calibri" panose="020F0502020204030204" pitchFamily="34" charset="0"/>
-              </a:rPr>
-              <a:t>x2</a:t>
-            </a:r>
-            <a:r>
-              <a:rPr lang="en-US" baseline="-25000" dirty="0" smtClean="0">
+              <a:rPr lang="en-US" baseline="-25000" dirty="0">
                 <a:solidFill>
                   <a:srgbClr val="000000"/>
                 </a:solidFill>
@@ -7304,14 +7138,24 @@
               <a:t>high</a:t>
             </a:r>
             <a:r>
-              <a:rPr lang="en-US" dirty="0" smtClean="0">
+              <a:rPr lang="en-US" dirty="0">
                 <a:solidFill>
                   <a:srgbClr val="000000"/>
                 </a:solidFill>
                 <a:latin typeface="Calibri" panose="020F0502020204030204" pitchFamily="34" charset="0"/>
                 <a:cs typeface="Calibri" panose="020F0502020204030204" pitchFamily="34" charset="0"/>
               </a:rPr>
-              <a:t> </a:t>
+              <a:t> + e1  	note: x2 </a:t>
+            </a:r>
+            <a:r>
+              <a:rPr lang="en-US" baseline="-25000" dirty="0">
+                <a:solidFill>
+                  <a:srgbClr val="000000"/>
+                </a:solidFill>
+                <a:latin typeface="Calibri" panose="020F0502020204030204" pitchFamily="34" charset="0"/>
+                <a:cs typeface="Calibri" panose="020F0502020204030204" pitchFamily="34" charset="0"/>
+              </a:rPr>
+              <a:t>low</a:t>
             </a:r>
             <a:r>
               <a:rPr lang="en-US" dirty="0">
@@ -7321,67 +7165,7 @@
                 <a:latin typeface="Calibri" panose="020F0502020204030204" pitchFamily="34" charset="0"/>
                 <a:cs typeface="Calibri" panose="020F0502020204030204" pitchFamily="34" charset="0"/>
               </a:rPr>
-              <a:t>+ e1 </a:t>
-            </a:r>
-            <a:r>
-              <a:rPr lang="en-US" dirty="0" smtClean="0">
-                <a:solidFill>
-                  <a:srgbClr val="000000"/>
-                </a:solidFill>
-                <a:latin typeface="Calibri" panose="020F0502020204030204" pitchFamily="34" charset="0"/>
-                <a:cs typeface="Calibri" panose="020F0502020204030204" pitchFamily="34" charset="0"/>
-              </a:rPr>
-              <a:t> 	note</a:t>
-            </a:r>
-            <a:r>
-              <a:rPr lang="en-US" dirty="0">
-                <a:solidFill>
-                  <a:srgbClr val="000000"/>
-                </a:solidFill>
-                <a:latin typeface="Calibri" panose="020F0502020204030204" pitchFamily="34" charset="0"/>
-                <a:cs typeface="Calibri" panose="020F0502020204030204" pitchFamily="34" charset="0"/>
-              </a:rPr>
-              <a:t>: </a:t>
-            </a:r>
-            <a:r>
-              <a:rPr lang="en-US" dirty="0" smtClean="0">
-                <a:solidFill>
-                  <a:srgbClr val="000000"/>
-                </a:solidFill>
-                <a:latin typeface="Calibri" panose="020F0502020204030204" pitchFamily="34" charset="0"/>
-                <a:cs typeface="Calibri" panose="020F0502020204030204" pitchFamily="34" charset="0"/>
-              </a:rPr>
-              <a:t>x2 </a:t>
-            </a:r>
-            <a:r>
-              <a:rPr lang="en-US" baseline="-25000" dirty="0" smtClean="0">
-                <a:solidFill>
-                  <a:srgbClr val="000000"/>
-                </a:solidFill>
-                <a:latin typeface="Calibri" panose="020F0502020204030204" pitchFamily="34" charset="0"/>
-                <a:cs typeface="Calibri" panose="020F0502020204030204" pitchFamily="34" charset="0"/>
-              </a:rPr>
-              <a:t>low</a:t>
-            </a:r>
-            <a:r>
-              <a:rPr lang="en-US" dirty="0" smtClean="0">
-                <a:solidFill>
-                  <a:srgbClr val="000000"/>
-                </a:solidFill>
-                <a:latin typeface="Calibri" panose="020F0502020204030204" pitchFamily="34" charset="0"/>
-                <a:cs typeface="Calibri" panose="020F0502020204030204" pitchFamily="34" charset="0"/>
-              </a:rPr>
-              <a:t>  </a:t>
-            </a:r>
-            <a:r>
-              <a:rPr lang="en-US" dirty="0">
-                <a:solidFill>
-                  <a:srgbClr val="000000"/>
-                </a:solidFill>
-                <a:latin typeface="Calibri" panose="020F0502020204030204" pitchFamily="34" charset="0"/>
-                <a:cs typeface="Calibri" panose="020F0502020204030204" pitchFamily="34" charset="0"/>
-              </a:rPr>
-              <a:t>is omitted from the analysis</a:t>
+              <a:t>  is omitted from the analysis</a:t>
             </a:r>
           </a:p>
           <a:p>
@@ -7400,7 +7184,7 @@
               <a:buFont typeface="Arial" panose="020B0604020202020204" pitchFamily="34" charset="0"/>
               <a:buChar char="•"/>
             </a:pPr>
-            <a:endParaRPr lang="en-US" dirty="0" smtClean="0">
+            <a:endParaRPr lang="en-US" dirty="0">
               <a:solidFill>
                 <a:srgbClr val="000000"/>
               </a:solidFill>
@@ -7425,7 +7209,7 @@
               <a:buChar char="•"/>
             </a:pPr>
             <a:r>
-              <a:rPr lang="en-US" dirty="0" smtClean="0">
+              <a:rPr lang="en-US" dirty="0">
                 <a:solidFill>
                   <a:srgbClr val="000000"/>
                 </a:solidFill>
@@ -7434,13 +7218,6 @@
               </a:rPr>
               <a:t>Key results (think of proof)</a:t>
             </a:r>
-            <a:endParaRPr lang="en-US" dirty="0">
-              <a:solidFill>
-                <a:srgbClr val="000000"/>
-              </a:solidFill>
-              <a:latin typeface="Calibri" panose="020F0502020204030204" pitchFamily="34" charset="0"/>
-              <a:cs typeface="Calibri" panose="020F0502020204030204" pitchFamily="34" charset="0"/>
-            </a:endParaRPr>
           </a:p>
           <a:p>
             <a:pPr marL="1706865" lvl="3" indent="-365760">
@@ -7463,40 +7240,10 @@
                 <a:latin typeface="Calibri" panose="020F0502020204030204" pitchFamily="34" charset="0"/>
                 <a:cs typeface="Calibri" panose="020F0502020204030204" pitchFamily="34" charset="0"/>
               </a:rPr>
-              <a:t>Estimated intercept </a:t>
-            </a:r>
-            <a:r>
-              <a:rPr lang="en-US" sz="1600" dirty="0" smtClean="0">
-                <a:solidFill>
-                  <a:schemeClr val="tx1"/>
-                </a:solidFill>
-                <a:latin typeface="Calibri" panose="020F0502020204030204" pitchFamily="34" charset="0"/>
-                <a:cs typeface="Calibri" panose="020F0502020204030204" pitchFamily="34" charset="0"/>
-              </a:rPr>
-              <a:t>a =</a:t>
+              <a:t>Estimated intercept a = mean of y for the omitted variable, a= mean (y)</a:t>
             </a:r>
             <a:r>
               <a:rPr lang="en-US" sz="1600" dirty="0">
-                <a:solidFill>
-                  <a:schemeClr val="tx1"/>
-                </a:solidFill>
-                <a:latin typeface="Calibri" panose="020F0502020204030204" pitchFamily="34" charset="0"/>
-                <a:cs typeface="Calibri" panose="020F0502020204030204" pitchFamily="34" charset="0"/>
-              </a:rPr>
-              <a:t> mean of y for </a:t>
-            </a:r>
-            <a:r>
-              <a:rPr lang="en-US" sz="1600" dirty="0" smtClean="0">
-                <a:solidFill>
-                  <a:schemeClr val="tx1"/>
-                </a:solidFill>
-                <a:latin typeface="Calibri" panose="020F0502020204030204" pitchFamily="34" charset="0"/>
-                <a:cs typeface="Calibri" panose="020F0502020204030204" pitchFamily="34" charset="0"/>
-              </a:rPr>
-              <a:t>the omitted variable, a= mean (y)</a:t>
-            </a:r>
-            <a:r>
-              <a:rPr lang="en-US" sz="1600" dirty="0" smtClean="0">
                 <a:solidFill>
                   <a:srgbClr val="000000"/>
                 </a:solidFill>
@@ -7513,17 +7260,7 @@
                 <a:latin typeface="Calibri" panose="020F0502020204030204" pitchFamily="34" charset="0"/>
                 <a:cs typeface="Calibri" panose="020F0502020204030204" pitchFamily="34" charset="0"/>
               </a:rPr>
-              <a:t>x2 </a:t>
-            </a:r>
-            <a:r>
-              <a:rPr lang="en-US" sz="1600" baseline="-25000" dirty="0" smtClean="0">
-                <a:solidFill>
-                  <a:srgbClr val="000000"/>
-                </a:solidFill>
-                <a:latin typeface="Calibri" panose="020F0502020204030204" pitchFamily="34" charset="0"/>
-                <a:cs typeface="Calibri" panose="020F0502020204030204" pitchFamily="34" charset="0"/>
-              </a:rPr>
-              <a:t>low</a:t>
+              <a:t>x2 low</a:t>
             </a:r>
           </a:p>
           <a:p>
@@ -7540,7 +7277,7 @@
               <a:buChar char="o"/>
             </a:pPr>
             <a:r>
-              <a:rPr lang="en-US" sz="1600" dirty="0" smtClean="0">
+              <a:rPr lang="en-US" sz="1600" dirty="0">
                 <a:solidFill>
                   <a:srgbClr val="000000"/>
                 </a:solidFill>
@@ -7574,18 +7311,6 @@
               <a:t>x2 medium</a:t>
             </a:r>
             <a:r>
-              <a:rPr lang="en-US" sz="1600" dirty="0" smtClean="0">
-                <a:solidFill>
-                  <a:srgbClr val="000000"/>
-                </a:solidFill>
-                <a:latin typeface="Calibri" panose="020F0502020204030204" pitchFamily="34" charset="0"/>
-                <a:ea typeface="EB Garamond"/>
-                <a:cs typeface="Calibri" panose="020F0502020204030204" pitchFamily="34" charset="0"/>
-                <a:sym typeface="EB Garamond"/>
-              </a:rPr>
-              <a:t>) - mean </a:t>
-            </a:r>
-            <a:r>
               <a:rPr lang="en-US" sz="1600" dirty="0">
                 <a:solidFill>
                   <a:srgbClr val="000000"/>
@@ -7595,7 +7320,7 @@
                 <a:cs typeface="Calibri" panose="020F0502020204030204" pitchFamily="34" charset="0"/>
                 <a:sym typeface="EB Garamond"/>
               </a:rPr>
-              <a:t>(y</a:t>
+              <a:t>) - mean (y</a:t>
             </a:r>
             <a:r>
               <a:rPr lang="en-US" sz="1600" baseline="-25000" dirty="0">
@@ -7610,7 +7335,7 @@
               <a:t>x2 low</a:t>
             </a:r>
             <a:r>
-              <a:rPr lang="en-US" sz="1600" dirty="0" smtClean="0">
+              <a:rPr lang="en-US" sz="1600" dirty="0">
                 <a:solidFill>
                   <a:srgbClr val="000000"/>
                 </a:solidFill>
@@ -7636,16 +7361,6 @@
               <a:buChar char="o"/>
             </a:pPr>
             <a:r>
-              <a:rPr lang="en-US" sz="1600" dirty="0" smtClean="0">
-                <a:solidFill>
-                  <a:srgbClr val="000000"/>
-                </a:solidFill>
-                <a:latin typeface="Calibri" panose="020F0502020204030204" pitchFamily="34" charset="0"/>
-                <a:cs typeface="Calibri" panose="020F0502020204030204" pitchFamily="34" charset="0"/>
-              </a:rPr>
-              <a:t>b2 </a:t>
-            </a:r>
-            <a:r>
               <a:rPr lang="en-US" sz="1600" dirty="0">
                 <a:solidFill>
                   <a:srgbClr val="000000"/>
@@ -7653,7 +7368,7 @@
                 <a:latin typeface="Calibri" panose="020F0502020204030204" pitchFamily="34" charset="0"/>
                 <a:cs typeface="Calibri" panose="020F0502020204030204" pitchFamily="34" charset="0"/>
               </a:rPr>
-              <a:t>= </a:t>
+              <a:t>b2 = </a:t>
             </a:r>
             <a:r>
               <a:rPr lang="en-US" sz="1600" dirty="0">
@@ -7677,31 +7392,7 @@
                 <a:cs typeface="Calibri" panose="020F0502020204030204" pitchFamily="34" charset="0"/>
                 <a:sym typeface="EB Garamond"/>
               </a:rPr>
-              <a:t>x2 </a:t>
-            </a:r>
-            <a:r>
-              <a:rPr lang="en-US" sz="1600" baseline="-25000" dirty="0" smtClean="0">
-                <a:solidFill>
-                  <a:srgbClr val="000000"/>
-                </a:solidFill>
-                <a:latin typeface="Calibri" panose="020F0502020204030204" pitchFamily="34" charset="0"/>
-                <a:ea typeface="EB Garamond"/>
-                <a:cs typeface="Calibri" panose="020F0502020204030204" pitchFamily="34" charset="0"/>
-                <a:sym typeface="EB Garamond"/>
-              </a:rPr>
-              <a:t>high</a:t>
-            </a:r>
-            <a:r>
-              <a:rPr lang="en-US" sz="1600" dirty="0" smtClean="0">
-                <a:solidFill>
-                  <a:srgbClr val="000000"/>
-                </a:solidFill>
-                <a:latin typeface="Calibri" panose="020F0502020204030204" pitchFamily="34" charset="0"/>
-                <a:ea typeface="EB Garamond"/>
-                <a:cs typeface="Calibri" panose="020F0502020204030204" pitchFamily="34" charset="0"/>
-                <a:sym typeface="EB Garamond"/>
-              </a:rPr>
-              <a:t>) </a:t>
+              <a:t>x2 high</a:t>
             </a:r>
             <a:r>
               <a:rPr lang="en-US" sz="1600" dirty="0">
@@ -7713,7 +7404,7 @@
                 <a:cs typeface="Calibri" panose="020F0502020204030204" pitchFamily="34" charset="0"/>
                 <a:sym typeface="EB Garamond"/>
               </a:rPr>
-              <a:t>- mean (y</a:t>
+              <a:t>) - mean (y</a:t>
             </a:r>
             <a:r>
               <a:rPr lang="en-US" sz="1600" baseline="-25000" dirty="0">
@@ -7756,7 +7447,7 @@
               <a:buFont typeface="Arial" panose="020B0604020202020204" pitchFamily="34" charset="0"/>
               <a:buChar char="•"/>
             </a:pPr>
-            <a:endParaRPr lang="en-US" dirty="0" smtClean="0">
+            <a:endParaRPr lang="en-US" dirty="0">
               <a:solidFill>
                 <a:srgbClr val="000000"/>
               </a:solidFill>
@@ -7781,7 +7472,7 @@
               <a:buChar char="•"/>
             </a:pPr>
             <a:r>
-              <a:rPr lang="en-US" dirty="0" smtClean="0">
+              <a:rPr lang="en-US" dirty="0">
                 <a:solidFill>
                   <a:srgbClr val="000000"/>
                 </a:solidFill>
@@ -7790,13 +7481,6 @@
               </a:rPr>
               <a:t>Interpretation of results? </a:t>
             </a:r>
-            <a:endParaRPr lang="en-US" dirty="0">
-              <a:solidFill>
-                <a:srgbClr val="000000"/>
-              </a:solidFill>
-              <a:latin typeface="Calibri" panose="020F0502020204030204" pitchFamily="34" charset="0"/>
-              <a:cs typeface="Calibri" panose="020F0502020204030204" pitchFamily="34" charset="0"/>
-            </a:endParaRPr>
           </a:p>
         </p:txBody>
       </p:sp>
@@ -10227,13 +9911,6 @@
   <p:clrMapOvr>
     <a:masterClrMapping/>
   </p:clrMapOvr>
-  <p:timing>
-    <p:tnLst>
-      <p:par>
-        <p:cTn id="1" dur="indefinite" restart="never" nodeType="tmRoot"/>
-      </p:par>
-    </p:tnLst>
-  </p:timing>
 </p:sld>
 </file>
 
@@ -10272,7 +9949,7 @@
           <a:lstStyle/>
           <a:p>
             <a:r>
-              <a:rPr lang="en-US" sz="3200" spc="0" dirty="0" smtClean="0">
+              <a:rPr lang="en-US" sz="3200" spc="0" dirty="0">
                 <a:solidFill>
                   <a:srgbClr val="0070C0"/>
                 </a:solidFill>
@@ -10281,13 +9958,6 @@
               </a:rPr>
               <a:t>Hypothesis testing with dummy coded coefficients</a:t>
             </a:r>
-            <a:endParaRPr lang="en-US" sz="3200" spc="0" dirty="0">
-              <a:solidFill>
-                <a:srgbClr val="0070C0"/>
-              </a:solidFill>
-              <a:latin typeface="Calibri" panose="020F0502020204030204" pitchFamily="34" charset="0"/>
-              <a:cs typeface="Calibri" panose="020F0502020204030204" pitchFamily="34" charset="0"/>
-            </a:endParaRPr>
           </a:p>
         </p:txBody>
       </p:sp>
@@ -10329,16 +9999,6 @@
               <a:buChar char="•"/>
             </a:pPr>
             <a:r>
-              <a:rPr lang="en-US" dirty="0" smtClean="0">
-                <a:solidFill>
-                  <a:srgbClr val="000000"/>
-                </a:solidFill>
-                <a:latin typeface="Calibri" panose="020F0502020204030204" pitchFamily="34" charset="0"/>
-                <a:cs typeface="Calibri" panose="020F0502020204030204" pitchFamily="34" charset="0"/>
-              </a:rPr>
-              <a:t>Y = a </a:t>
-            </a:r>
-            <a:r>
               <a:rPr lang="en-US" dirty="0">
                 <a:solidFill>
                   <a:srgbClr val="000000"/>
@@ -10346,20 +10006,10 @@
                 <a:latin typeface="Calibri" panose="020F0502020204030204" pitchFamily="34" charset="0"/>
                 <a:cs typeface="Calibri" panose="020F0502020204030204" pitchFamily="34" charset="0"/>
               </a:rPr>
-              <a:t>+ b1 </a:t>
+              <a:t>Y = a + b1 x2</a:t>
             </a:r>
             <a:r>
-              <a:rPr lang="en-US" dirty="0" smtClean="0">
-                <a:solidFill>
-                  <a:srgbClr val="000000"/>
-                </a:solidFill>
-                <a:latin typeface="Calibri" panose="020F0502020204030204" pitchFamily="34" charset="0"/>
-                <a:cs typeface="Calibri" panose="020F0502020204030204" pitchFamily="34" charset="0"/>
-              </a:rPr>
-              <a:t>x2</a:t>
-            </a:r>
-            <a:r>
-              <a:rPr lang="en-US" baseline="-25000" dirty="0" smtClean="0">
+              <a:rPr lang="en-US" baseline="-25000" dirty="0">
                 <a:solidFill>
                   <a:srgbClr val="000000"/>
                 </a:solidFill>
@@ -10376,20 +10026,10 @@
                 <a:latin typeface="Calibri" panose="020F0502020204030204" pitchFamily="34" charset="0"/>
                 <a:cs typeface="Calibri" panose="020F0502020204030204" pitchFamily="34" charset="0"/>
               </a:rPr>
-              <a:t>+ b2 </a:t>
+              <a:t>+ b2 x2</a:t>
             </a:r>
             <a:r>
-              <a:rPr lang="en-US" dirty="0" smtClean="0">
-                <a:solidFill>
-                  <a:srgbClr val="000000"/>
-                </a:solidFill>
-                <a:latin typeface="Calibri" panose="020F0502020204030204" pitchFamily="34" charset="0"/>
-                <a:cs typeface="Calibri" panose="020F0502020204030204" pitchFamily="34" charset="0"/>
-              </a:rPr>
-              <a:t>x2</a:t>
-            </a:r>
-            <a:r>
-              <a:rPr lang="en-US" baseline="-25000" dirty="0" smtClean="0">
+              <a:rPr lang="en-US" baseline="-25000" dirty="0">
                 <a:solidFill>
                   <a:srgbClr val="000000"/>
                 </a:solidFill>
@@ -10399,14 +10039,24 @@
               <a:t>high</a:t>
             </a:r>
             <a:r>
-              <a:rPr lang="en-US" dirty="0" smtClean="0">
+              <a:rPr lang="en-US" dirty="0">
                 <a:solidFill>
                   <a:srgbClr val="000000"/>
                 </a:solidFill>
                 <a:latin typeface="Calibri" panose="020F0502020204030204" pitchFamily="34" charset="0"/>
                 <a:cs typeface="Calibri" panose="020F0502020204030204" pitchFamily="34" charset="0"/>
               </a:rPr>
-              <a:t> </a:t>
+              <a:t> + e1  	note: x2 </a:t>
+            </a:r>
+            <a:r>
+              <a:rPr lang="en-US" baseline="-25000" dirty="0">
+                <a:solidFill>
+                  <a:srgbClr val="000000"/>
+                </a:solidFill>
+                <a:latin typeface="Calibri" panose="020F0502020204030204" pitchFamily="34" charset="0"/>
+                <a:cs typeface="Calibri" panose="020F0502020204030204" pitchFamily="34" charset="0"/>
+              </a:rPr>
+              <a:t>low</a:t>
             </a:r>
             <a:r>
               <a:rPr lang="en-US" dirty="0">
@@ -10416,67 +10066,7 @@
                 <a:latin typeface="Calibri" panose="020F0502020204030204" pitchFamily="34" charset="0"/>
                 <a:cs typeface="Calibri" panose="020F0502020204030204" pitchFamily="34" charset="0"/>
               </a:rPr>
-              <a:t>+ e1 </a:t>
-            </a:r>
-            <a:r>
-              <a:rPr lang="en-US" dirty="0" smtClean="0">
-                <a:solidFill>
-                  <a:srgbClr val="000000"/>
-                </a:solidFill>
-                <a:latin typeface="Calibri" panose="020F0502020204030204" pitchFamily="34" charset="0"/>
-                <a:cs typeface="Calibri" panose="020F0502020204030204" pitchFamily="34" charset="0"/>
-              </a:rPr>
-              <a:t> 	note</a:t>
-            </a:r>
-            <a:r>
-              <a:rPr lang="en-US" dirty="0">
-                <a:solidFill>
-                  <a:srgbClr val="000000"/>
-                </a:solidFill>
-                <a:latin typeface="Calibri" panose="020F0502020204030204" pitchFamily="34" charset="0"/>
-                <a:cs typeface="Calibri" panose="020F0502020204030204" pitchFamily="34" charset="0"/>
-              </a:rPr>
-              <a:t>: </a:t>
-            </a:r>
-            <a:r>
-              <a:rPr lang="en-US" dirty="0" smtClean="0">
-                <a:solidFill>
-                  <a:srgbClr val="000000"/>
-                </a:solidFill>
-                <a:latin typeface="Calibri" panose="020F0502020204030204" pitchFamily="34" charset="0"/>
-                <a:cs typeface="Calibri" panose="020F0502020204030204" pitchFamily="34" charset="0"/>
-              </a:rPr>
-              <a:t>x2 </a:t>
-            </a:r>
-            <a:r>
-              <a:rPr lang="en-US" baseline="-25000" dirty="0" smtClean="0">
-                <a:solidFill>
-                  <a:srgbClr val="000000"/>
-                </a:solidFill>
-                <a:latin typeface="Calibri" panose="020F0502020204030204" pitchFamily="34" charset="0"/>
-                <a:cs typeface="Calibri" panose="020F0502020204030204" pitchFamily="34" charset="0"/>
-              </a:rPr>
-              <a:t>low</a:t>
-            </a:r>
-            <a:r>
-              <a:rPr lang="en-US" dirty="0" smtClean="0">
-                <a:solidFill>
-                  <a:srgbClr val="000000"/>
-                </a:solidFill>
-                <a:latin typeface="Calibri" panose="020F0502020204030204" pitchFamily="34" charset="0"/>
-                <a:cs typeface="Calibri" panose="020F0502020204030204" pitchFamily="34" charset="0"/>
-              </a:rPr>
-              <a:t> is </a:t>
-            </a:r>
-            <a:r>
-              <a:rPr lang="en-US" dirty="0">
-                <a:solidFill>
-                  <a:srgbClr val="000000"/>
-                </a:solidFill>
-                <a:latin typeface="Calibri" panose="020F0502020204030204" pitchFamily="34" charset="0"/>
-                <a:cs typeface="Calibri" panose="020F0502020204030204" pitchFamily="34" charset="0"/>
-              </a:rPr>
-              <a:t>omitted from the analysis</a:t>
+              <a:t> is omitted from the analysis</a:t>
             </a:r>
           </a:p>
           <a:p>
@@ -10495,7 +10085,7 @@
               <a:buFont typeface="Arial" panose="020B0604020202020204" pitchFamily="34" charset="0"/>
               <a:buChar char="•"/>
             </a:pPr>
-            <a:endParaRPr lang="en-US" dirty="0" smtClean="0">
+            <a:endParaRPr lang="en-US" dirty="0">
               <a:solidFill>
                 <a:srgbClr val="000000"/>
               </a:solidFill>
@@ -10520,7 +10110,7 @@
               <a:buChar char="•"/>
             </a:pPr>
             <a:r>
-              <a:rPr lang="en-US" dirty="0" smtClean="0">
+              <a:rPr lang="en-US" dirty="0">
                 <a:solidFill>
                   <a:srgbClr val="000000"/>
                 </a:solidFill>
@@ -10565,15 +10155,6 @@
               </a:rPr>
               <a:t>: b1=b2 </a:t>
             </a:r>
-            <a:endParaRPr lang="en" sz="1600" dirty="0" smtClean="0">
-              <a:solidFill>
-                <a:srgbClr val="000000"/>
-              </a:solidFill>
-              <a:latin typeface="Calibri" panose="020F0502020204030204" pitchFamily="34" charset="0"/>
-              <a:ea typeface="EB Garamond"/>
-              <a:cs typeface="Calibri" panose="020F0502020204030204" pitchFamily="34" charset="0"/>
-              <a:sym typeface="EB Garamond"/>
-            </a:endParaRPr>
           </a:p>
           <a:p>
             <a:pPr marL="914400" lvl="1" indent="-365760">
@@ -10591,7 +10172,7 @@
               <a:buFont typeface="Arial" panose="020B0604020202020204" pitchFamily="34" charset="0"/>
               <a:buChar char="•"/>
             </a:pPr>
-            <a:endParaRPr lang="en" dirty="0" smtClean="0">
+            <a:endParaRPr lang="en" dirty="0">
               <a:solidFill>
                 <a:srgbClr val="000000"/>
               </a:solidFill>
@@ -10618,18 +10199,6 @@
               <a:buChar char="•"/>
             </a:pPr>
             <a:r>
-              <a:rPr lang="en" dirty="0" smtClean="0">
-                <a:solidFill>
-                  <a:srgbClr val="000000"/>
-                </a:solidFill>
-                <a:latin typeface="Calibri" panose="020F0502020204030204" pitchFamily="34" charset="0"/>
-                <a:ea typeface="EB Garamond"/>
-                <a:cs typeface="Calibri" panose="020F0502020204030204" pitchFamily="34" charset="0"/>
-                <a:sym typeface="EB Garamond"/>
-              </a:rPr>
-              <a:t>Hint: what would happen if </a:t>
-            </a:r>
-            <a:r>
               <a:rPr lang="en" dirty="0">
                 <a:solidFill>
                   <a:srgbClr val="000000"/>
@@ -10639,7 +10208,7 @@
                 <a:cs typeface="Calibri" panose="020F0502020204030204" pitchFamily="34" charset="0"/>
                 <a:sym typeface="EB Garamond"/>
               </a:rPr>
-              <a:t>H</a:t>
+              <a:t>Hint: what would happen if H</a:t>
             </a:r>
             <a:r>
               <a:rPr lang="en" baseline="-25000" dirty="0">
@@ -10654,7 +10223,7 @@
               <a:t>0 </a:t>
             </a:r>
             <a:r>
-              <a:rPr lang="en-US" dirty="0" smtClean="0">
+              <a:rPr lang="en-US" dirty="0">
                 <a:solidFill>
                   <a:srgbClr val="000000"/>
                 </a:solidFill>
@@ -10681,16 +10250,6 @@
               <a:buChar char="o"/>
             </a:pPr>
             <a:r>
-              <a:rPr lang="en-US" sz="1600" dirty="0" smtClean="0">
-                <a:solidFill>
-                  <a:srgbClr val="000000"/>
-                </a:solidFill>
-                <a:latin typeface="Calibri" panose="020F0502020204030204" pitchFamily="34" charset="0"/>
-                <a:cs typeface="Calibri" panose="020F0502020204030204" pitchFamily="34" charset="0"/>
-              </a:rPr>
-              <a:t>Model 1: Y </a:t>
-            </a:r>
-            <a:r>
               <a:rPr lang="en-US" sz="1600" dirty="0">
                 <a:solidFill>
                   <a:srgbClr val="000000"/>
@@ -10698,20 +10257,10 @@
                 <a:latin typeface="Calibri" panose="020F0502020204030204" pitchFamily="34" charset="0"/>
                 <a:cs typeface="Calibri" panose="020F0502020204030204" pitchFamily="34" charset="0"/>
               </a:rPr>
-              <a:t>= a + </a:t>
+              <a:t>Model 1: Y = a + b (x2</a:t>
             </a:r>
             <a:r>
-              <a:rPr lang="en-US" sz="1600" dirty="0" smtClean="0">
-                <a:solidFill>
-                  <a:srgbClr val="000000"/>
-                </a:solidFill>
-                <a:latin typeface="Calibri" panose="020F0502020204030204" pitchFamily="34" charset="0"/>
-                <a:cs typeface="Calibri" panose="020F0502020204030204" pitchFamily="34" charset="0"/>
-              </a:rPr>
-              <a:t>b (x2</a:t>
-            </a:r>
-            <a:r>
-              <a:rPr lang="en-US" sz="1600" baseline="-25000" dirty="0" smtClean="0">
+              <a:rPr lang="en-US" sz="1600" baseline="-25000" dirty="0">
                 <a:solidFill>
                   <a:srgbClr val="000000"/>
                 </a:solidFill>
@@ -10728,20 +10277,10 @@
                 <a:latin typeface="Calibri" panose="020F0502020204030204" pitchFamily="34" charset="0"/>
                 <a:cs typeface="Calibri" panose="020F0502020204030204" pitchFamily="34" charset="0"/>
               </a:rPr>
-              <a:t>+ </a:t>
+              <a:t>+ x2</a:t>
             </a:r>
             <a:r>
-              <a:rPr lang="en-US" sz="1600" dirty="0" smtClean="0">
-                <a:solidFill>
-                  <a:srgbClr val="000000"/>
-                </a:solidFill>
-                <a:latin typeface="Calibri" panose="020F0502020204030204" pitchFamily="34" charset="0"/>
-                <a:cs typeface="Calibri" panose="020F0502020204030204" pitchFamily="34" charset="0"/>
-              </a:rPr>
-              <a:t>x2</a:t>
-            </a:r>
-            <a:r>
-              <a:rPr lang="en-US" sz="1600" baseline="-25000" dirty="0" smtClean="0">
+              <a:rPr lang="en-US" sz="1600" baseline="-25000" dirty="0">
                 <a:solidFill>
                   <a:srgbClr val="000000"/>
                 </a:solidFill>
@@ -10751,7 +10290,7 @@
               <a:t>high</a:t>
             </a:r>
             <a:r>
-              <a:rPr lang="en-US" sz="1600" dirty="0" smtClean="0">
+              <a:rPr lang="en-US" sz="1600" dirty="0">
                 <a:solidFill>
                   <a:srgbClr val="000000"/>
                 </a:solidFill>
@@ -10777,7 +10316,7 @@
               <a:buFont typeface="Courier New" panose="02070309020205020404" pitchFamily="49" charset="0"/>
               <a:buChar char="o"/>
             </a:pPr>
-            <a:endParaRPr lang="en-US" sz="1600" dirty="0" smtClean="0">
+            <a:endParaRPr lang="en-US" sz="1600" dirty="0">
               <a:solidFill>
                 <a:srgbClr val="000000"/>
               </a:solidFill>
@@ -10802,16 +10341,6 @@
               <a:buChar char="o"/>
             </a:pPr>
             <a:r>
-              <a:rPr lang="en-US" sz="1600" dirty="0" smtClean="0">
-                <a:solidFill>
-                  <a:srgbClr val="000000"/>
-                </a:solidFill>
-                <a:latin typeface="Calibri" panose="020F0502020204030204" pitchFamily="34" charset="0"/>
-                <a:cs typeface="Calibri" panose="020F0502020204030204" pitchFamily="34" charset="0"/>
-              </a:rPr>
-              <a:t>Model 2: Y </a:t>
-            </a:r>
-            <a:r>
               <a:rPr lang="en-US" sz="1600" dirty="0">
                 <a:solidFill>
                   <a:srgbClr val="000000"/>
@@ -10819,7 +10348,7 @@
                 <a:latin typeface="Calibri" panose="020F0502020204030204" pitchFamily="34" charset="0"/>
                 <a:cs typeface="Calibri" panose="020F0502020204030204" pitchFamily="34" charset="0"/>
               </a:rPr>
-              <a:t>= a + b1 x2</a:t>
+              <a:t>Model 2: Y = a + b1 x2</a:t>
             </a:r>
             <a:r>
               <a:rPr lang="en-US" sz="1600" baseline="-25000" dirty="0">
@@ -13315,13 +12844,6 @@
   <p:clrMapOvr>
     <a:masterClrMapping/>
   </p:clrMapOvr>
-  <p:timing>
-    <p:tnLst>
-      <p:par>
-        <p:cTn id="1" dur="indefinite" restart="never" nodeType="tmRoot"/>
-      </p:par>
-    </p:tnLst>
-  </p:timing>
 </p:sld>
 </file>
 
@@ -13360,7 +12882,7 @@
           <a:lstStyle/>
           <a:p>
             <a:r>
-              <a:rPr lang="en-US" sz="3200" spc="0" dirty="0" smtClean="0">
+              <a:rPr lang="en-US" sz="3200" spc="0" dirty="0">
                 <a:solidFill>
                   <a:srgbClr val="0070C0"/>
                 </a:solidFill>
@@ -13369,13 +12891,6 @@
               </a:rPr>
               <a:t>Effect coding </a:t>
             </a:r>
-            <a:endParaRPr lang="en-US" sz="3200" spc="0" dirty="0">
-              <a:solidFill>
-                <a:srgbClr val="0070C0"/>
-              </a:solidFill>
-              <a:latin typeface="Calibri" panose="020F0502020204030204" pitchFamily="34" charset="0"/>
-              <a:cs typeface="Calibri" panose="020F0502020204030204" pitchFamily="34" charset="0"/>
-            </a:endParaRPr>
           </a:p>
         </p:txBody>
       </p:sp>
@@ -13434,27 +12949,7 @@
                 <a:latin typeface="Calibri" panose="020F0502020204030204" pitchFamily="34" charset="0"/>
                 <a:cs typeface="Calibri" panose="020F0502020204030204" pitchFamily="34" charset="0"/>
               </a:rPr>
-              <a:t> representation of </a:t>
-            </a:r>
-            <a:r>
-              <a:rPr lang="en-US" sz="2400" dirty="0" smtClean="0">
-                <a:solidFill>
-                  <a:srgbClr val="000000"/>
-                </a:solidFill>
-                <a:latin typeface="Calibri" panose="020F0502020204030204" pitchFamily="34" charset="0"/>
-                <a:cs typeface="Calibri" panose="020F0502020204030204" pitchFamily="34" charset="0"/>
-              </a:rPr>
-              <a:t>categorical (nominal) and </a:t>
-            </a:r>
-            <a:r>
-              <a:rPr lang="en-US" sz="2400" dirty="0">
-                <a:solidFill>
-                  <a:srgbClr val="000000"/>
-                </a:solidFill>
-                <a:latin typeface="Calibri" panose="020F0502020204030204" pitchFamily="34" charset="0"/>
-                <a:cs typeface="Calibri" panose="020F0502020204030204" pitchFamily="34" charset="0"/>
-              </a:rPr>
-              <a:t>ordinal variables</a:t>
+              <a:t> representation of categorical (nominal) and ordinal variables</a:t>
             </a:r>
           </a:p>
           <a:p>
@@ -13478,27 +12973,7 @@
                 <a:latin typeface="Calibri" panose="020F0502020204030204" pitchFamily="34" charset="0"/>
                 <a:cs typeface="Calibri" panose="020F0502020204030204" pitchFamily="34" charset="0"/>
               </a:rPr>
-              <a:t>x2 is converted into interval scale, i.e., interval of </a:t>
-            </a:r>
-            <a:r>
-              <a:rPr lang="en-US" sz="1800" dirty="0" smtClean="0">
-                <a:solidFill>
-                  <a:schemeClr val="tx1"/>
-                </a:solidFill>
-                <a:latin typeface="Calibri" panose="020F0502020204030204" pitchFamily="34" charset="0"/>
-                <a:cs typeface="Calibri" panose="020F0502020204030204" pitchFamily="34" charset="0"/>
-              </a:rPr>
-              <a:t>-1 </a:t>
-            </a:r>
-            <a:r>
-              <a:rPr lang="en-US" sz="1800" dirty="0">
-                <a:solidFill>
-                  <a:schemeClr val="tx1"/>
-                </a:solidFill>
-                <a:latin typeface="Calibri" panose="020F0502020204030204" pitchFamily="34" charset="0"/>
-                <a:cs typeface="Calibri" panose="020F0502020204030204" pitchFamily="34" charset="0"/>
-              </a:rPr>
-              <a:t>to 1</a:t>
+              <a:t>x2 is converted into interval scale, i.e., interval of -1 to 1</a:t>
             </a:r>
           </a:p>
           <a:p>
@@ -13522,45 +12997,8 @@
                 <a:latin typeface="Calibri" panose="020F0502020204030204" pitchFamily="34" charset="0"/>
                 <a:cs typeface="Calibri" panose="020F0502020204030204" pitchFamily="34" charset="0"/>
               </a:rPr>
-              <a:t>g categories, g-1 </a:t>
+              <a:t>g categories, g-1 effect coded variables. g=3 for x2 variable</a:t>
             </a:r>
-            <a:r>
-              <a:rPr lang="en-US" sz="1800" dirty="0" smtClean="0">
-                <a:solidFill>
-                  <a:schemeClr val="tx1"/>
-                </a:solidFill>
-                <a:latin typeface="Calibri" panose="020F0502020204030204" pitchFamily="34" charset="0"/>
-                <a:cs typeface="Calibri" panose="020F0502020204030204" pitchFamily="34" charset="0"/>
-              </a:rPr>
-              <a:t>effect coded variables</a:t>
-            </a:r>
-            <a:r>
-              <a:rPr lang="en-US" sz="1800" dirty="0">
-                <a:solidFill>
-                  <a:schemeClr val="tx1"/>
-                </a:solidFill>
-                <a:latin typeface="Calibri" panose="020F0502020204030204" pitchFamily="34" charset="0"/>
-                <a:cs typeface="Calibri" panose="020F0502020204030204" pitchFamily="34" charset="0"/>
-              </a:rPr>
-              <a:t>. g=3 for </a:t>
-            </a:r>
-            <a:r>
-              <a:rPr lang="en-US" sz="1800" dirty="0" smtClean="0">
-                <a:solidFill>
-                  <a:schemeClr val="tx1"/>
-                </a:solidFill>
-                <a:latin typeface="Calibri" panose="020F0502020204030204" pitchFamily="34" charset="0"/>
-                <a:cs typeface="Calibri" panose="020F0502020204030204" pitchFamily="34" charset="0"/>
-              </a:rPr>
-              <a:t>x2 variable</a:t>
-            </a:r>
-            <a:endParaRPr lang="en-US" sz="1800" dirty="0">
-              <a:solidFill>
-                <a:schemeClr val="tx1"/>
-              </a:solidFill>
-              <a:latin typeface="Calibri" panose="020F0502020204030204" pitchFamily="34" charset="0"/>
-              <a:cs typeface="Calibri" panose="020F0502020204030204" pitchFamily="34" charset="0"/>
-            </a:endParaRPr>
           </a:p>
         </p:txBody>
       </p:sp>
@@ -13578,7 +13016,7 @@
         </p:nvGraphicFramePr>
         <p:xfrm>
           <a:off x="2758440" y="3444073"/>
-          <a:ext cx="5806500" cy="2049932"/>
+          <a:ext cx="5806500" cy="2033486"/>
         </p:xfrm>
         <a:graphic>
           <a:graphicData uri="http://schemas.openxmlformats.org/drawingml/2006/table">
@@ -15985,13 +15423,6 @@
   <p:clrMapOvr>
     <a:masterClrMapping/>
   </p:clrMapOvr>
-  <p:timing>
-    <p:tnLst>
-      <p:par>
-        <p:cTn id="1" dur="indefinite" restart="never" nodeType="tmRoot"/>
-      </p:par>
-    </p:tnLst>
-  </p:timing>
 </p:sld>
 </file>
 
@@ -16030,7 +15461,7 @@
           <a:lstStyle/>
           <a:p>
             <a:r>
-              <a:rPr lang="en-US" sz="3200" spc="0" dirty="0" smtClean="0">
+              <a:rPr lang="en-US" sz="3200" spc="0" dirty="0">
                 <a:solidFill>
                   <a:srgbClr val="0070C0"/>
                 </a:solidFill>
@@ -16039,13 +15470,6 @@
               </a:rPr>
               <a:t>Effect coding rule </a:t>
             </a:r>
-            <a:endParaRPr lang="en-US" sz="3200" spc="0" dirty="0">
-              <a:solidFill>
-                <a:srgbClr val="0070C0"/>
-              </a:solidFill>
-              <a:latin typeface="Calibri" panose="020F0502020204030204" pitchFamily="34" charset="0"/>
-              <a:cs typeface="Calibri" panose="020F0502020204030204" pitchFamily="34" charset="0"/>
-            </a:endParaRPr>
           </a:p>
         </p:txBody>
       </p:sp>
@@ -16121,77 +15545,6 @@
               <a:t>g</a:t>
             </a:r>
             <a:r>
-              <a:rPr lang="en-US" sz="1800" baseline="-25000" dirty="0" err="1" smtClean="0">
-                <a:solidFill>
-                  <a:schemeClr val="tx1"/>
-                </a:solidFill>
-                <a:latin typeface="Calibri" panose="020F0502020204030204" pitchFamily="34" charset="0"/>
-                <a:cs typeface="Calibri" panose="020F0502020204030204" pitchFamily="34" charset="0"/>
-              </a:rPr>
-              <a:t>n</a:t>
-            </a:r>
-            <a:r>
-              <a:rPr lang="en-US" sz="1800" dirty="0" smtClean="0">
-                <a:solidFill>
-                  <a:schemeClr val="tx1"/>
-                </a:solidFill>
-                <a:latin typeface="Calibri" panose="020F0502020204030204" pitchFamily="34" charset="0"/>
-                <a:cs typeface="Calibri" panose="020F0502020204030204" pitchFamily="34" charset="0"/>
-              </a:rPr>
-              <a:t>(i) =</a:t>
-            </a:r>
-            <a:r>
-              <a:rPr lang="en-US" sz="1800" dirty="0">
-                <a:solidFill>
-                  <a:schemeClr val="tx1"/>
-                </a:solidFill>
-                <a:latin typeface="Calibri" panose="020F0502020204030204" pitchFamily="34" charset="0"/>
-                <a:cs typeface="Calibri" panose="020F0502020204030204" pitchFamily="34" charset="0"/>
-              </a:rPr>
-              <a:t>1 if n ∈ </a:t>
-            </a:r>
-            <a:r>
-              <a:rPr lang="en-US" sz="1800" dirty="0" smtClean="0">
-                <a:solidFill>
-                  <a:schemeClr val="tx1"/>
-                </a:solidFill>
-                <a:latin typeface="Calibri" panose="020F0502020204030204" pitchFamily="34" charset="0"/>
-                <a:cs typeface="Calibri" panose="020F0502020204030204" pitchFamily="34" charset="0"/>
-              </a:rPr>
-              <a:t>ith, i &lt; g  level, i=low, medium, high</a:t>
-            </a:r>
-            <a:endParaRPr lang="en-US" sz="1800" dirty="0">
-              <a:solidFill>
-                <a:schemeClr val="tx1"/>
-              </a:solidFill>
-              <a:latin typeface="Calibri" panose="020F0502020204030204" pitchFamily="34" charset="0"/>
-              <a:cs typeface="Calibri" panose="020F0502020204030204" pitchFamily="34" charset="0"/>
-            </a:endParaRPr>
-          </a:p>
-          <a:p>
-            <a:pPr marL="1706865" lvl="3" indent="-365760">
-              <a:lnSpc>
-                <a:spcPct val="100000"/>
-              </a:lnSpc>
-              <a:spcBef>
-                <a:spcPts val="0"/>
-              </a:spcBef>
-              <a:buClrTx/>
-              <a:buSzPct val="80000"/>
-              <a:buFont typeface="Courier New" panose="02070309020205020404" pitchFamily="49" charset="0"/>
-              <a:buChar char="o"/>
-            </a:pPr>
-            <a:r>
-              <a:rPr lang="en-US" sz="1800" dirty="0" err="1">
-                <a:solidFill>
-                  <a:schemeClr val="tx1"/>
-                </a:solidFill>
-                <a:latin typeface="Calibri" panose="020F0502020204030204" pitchFamily="34" charset="0"/>
-                <a:cs typeface="Calibri" panose="020F0502020204030204" pitchFamily="34" charset="0"/>
-              </a:rPr>
-              <a:t>g</a:t>
-            </a:r>
-            <a:r>
               <a:rPr lang="en-US" sz="1800" baseline="-25000" dirty="0" err="1">
                 <a:solidFill>
                   <a:schemeClr val="tx1"/>
@@ -16209,67 +15562,7 @@
                 <a:latin typeface="Calibri" panose="020F0502020204030204" pitchFamily="34" charset="0"/>
                 <a:cs typeface="Calibri" panose="020F0502020204030204" pitchFamily="34" charset="0"/>
               </a:rPr>
-              <a:t>(i</a:t>
-            </a:r>
-            <a:r>
-              <a:rPr lang="en-US" sz="1800" dirty="0" smtClean="0">
-                <a:solidFill>
-                  <a:schemeClr val="tx1"/>
-                </a:solidFill>
-                <a:latin typeface="Calibri" panose="020F0502020204030204" pitchFamily="34" charset="0"/>
-                <a:cs typeface="Calibri" panose="020F0502020204030204" pitchFamily="34" charset="0"/>
-              </a:rPr>
-              <a:t>) =</a:t>
-            </a:r>
-            <a:r>
-              <a:rPr lang="en-US" sz="1800" dirty="0">
-                <a:solidFill>
-                  <a:schemeClr val="tx1"/>
-                </a:solidFill>
-                <a:latin typeface="Calibri" panose="020F0502020204030204" pitchFamily="34" charset="0"/>
-                <a:cs typeface="Calibri" panose="020F0502020204030204" pitchFamily="34" charset="0"/>
-              </a:rPr>
-              <a:t>0 </a:t>
-            </a:r>
-            <a:r>
-              <a:rPr lang="en-US" sz="1800" dirty="0">
-                <a:solidFill>
-                  <a:schemeClr val="tx1"/>
-                </a:solidFill>
-                <a:latin typeface="Calibri" panose="020F0502020204030204" pitchFamily="34" charset="0"/>
-                <a:cs typeface="Calibri" panose="020F0502020204030204" pitchFamily="34" charset="0"/>
-              </a:rPr>
-              <a:t>if n∉ ith level AND n∉ </a:t>
-            </a:r>
-            <a:r>
-              <a:rPr lang="en-US" sz="1800" dirty="0" smtClean="0">
-                <a:solidFill>
-                  <a:schemeClr val="tx1"/>
-                </a:solidFill>
-                <a:latin typeface="Calibri" panose="020F0502020204030204" pitchFamily="34" charset="0"/>
-                <a:cs typeface="Calibri" panose="020F0502020204030204" pitchFamily="34" charset="0"/>
-              </a:rPr>
-              <a:t>gth level </a:t>
-            </a:r>
-            <a:r>
-              <a:rPr lang="en-US" sz="1800" dirty="0">
-                <a:solidFill>
-                  <a:schemeClr val="tx1"/>
-                </a:solidFill>
-                <a:latin typeface="Calibri" panose="020F0502020204030204" pitchFamily="34" charset="0"/>
-                <a:cs typeface="Calibri" panose="020F0502020204030204" pitchFamily="34" charset="0"/>
-              </a:rPr>
-              <a:t>(omitted group</a:t>
-            </a:r>
-            <a:r>
-              <a:rPr lang="en-US" sz="1800" dirty="0" smtClean="0">
-                <a:solidFill>
-                  <a:schemeClr val="tx1"/>
-                </a:solidFill>
-                <a:latin typeface="Calibri" panose="020F0502020204030204" pitchFamily="34" charset="0"/>
-                <a:cs typeface="Calibri" panose="020F0502020204030204" pitchFamily="34" charset="0"/>
-              </a:rPr>
-              <a:t>)</a:t>
+              <a:t>(i) =1 if n ∈ ith, i &lt; g  level, i=low, medium, high</a:t>
             </a:r>
           </a:p>
           <a:p>
@@ -16313,17 +15606,7 @@
                 <a:latin typeface="Calibri" panose="020F0502020204030204" pitchFamily="34" charset="0"/>
                 <a:cs typeface="Calibri" panose="020F0502020204030204" pitchFamily="34" charset="0"/>
               </a:rPr>
-              <a:t>(i) </a:t>
-            </a:r>
-            <a:r>
-              <a:rPr lang="en-US" sz="1800" dirty="0" smtClean="0">
-                <a:solidFill>
-                  <a:schemeClr val="tx1"/>
-                </a:solidFill>
-                <a:latin typeface="Calibri" panose="020F0502020204030204" pitchFamily="34" charset="0"/>
-                <a:cs typeface="Calibri" panose="020F0502020204030204" pitchFamily="34" charset="0"/>
-              </a:rPr>
-              <a:t>=-1 otherwise </a:t>
+              <a:t>(i) =0 if n∉ ith level AND n∉ gth level (omitted group)</a:t>
             </a:r>
           </a:p>
           <a:p>
@@ -16340,14 +15623,68 @@
               <a:buChar char="o"/>
             </a:pPr>
             <a:r>
-              <a:rPr lang="en-US" sz="1800" dirty="0" smtClean="0">
+              <a:rPr lang="en-US" sz="1800" dirty="0" err="1">
+                <a:solidFill>
+                  <a:schemeClr val="tx1"/>
+                </a:solidFill>
+                <a:latin typeface="Calibri" panose="020F0502020204030204" pitchFamily="34" charset="0"/>
+                <a:cs typeface="Calibri" panose="020F0502020204030204" pitchFamily="34" charset="0"/>
+              </a:rPr>
+              <a:t>g</a:t>
+            </a:r>
+            <a:r>
+              <a:rPr lang="en-US" sz="1800" baseline="-25000" dirty="0" err="1">
+                <a:solidFill>
+                  <a:schemeClr val="tx1"/>
+                </a:solidFill>
+                <a:latin typeface="Calibri" panose="020F0502020204030204" pitchFamily="34" charset="0"/>
+                <a:cs typeface="Calibri" panose="020F0502020204030204" pitchFamily="34" charset="0"/>
+              </a:rPr>
+              <a:t>n</a:t>
+            </a:r>
+            <a:r>
+              <a:rPr lang="en-US" sz="1800" dirty="0">
+                <a:solidFill>
+                  <a:schemeClr val="tx1"/>
+                </a:solidFill>
+                <a:latin typeface="Calibri" panose="020F0502020204030204" pitchFamily="34" charset="0"/>
+                <a:cs typeface="Calibri" panose="020F0502020204030204" pitchFamily="34" charset="0"/>
+              </a:rPr>
+              <a:t>(i) =-1 otherwise </a:t>
+            </a:r>
+          </a:p>
+          <a:p>
+            <a:pPr marL="1706865" lvl="3" indent="-365760">
+              <a:lnSpc>
+                <a:spcPct val="100000"/>
+              </a:lnSpc>
+              <a:spcBef>
+                <a:spcPts val="0"/>
+              </a:spcBef>
+              <a:buClrTx/>
+              <a:buSzPct val="80000"/>
+              <a:buFont typeface="Courier New" panose="02070309020205020404" pitchFamily="49" charset="0"/>
+              <a:buChar char="o"/>
+            </a:pPr>
+            <a:r>
+              <a:rPr lang="en-US" sz="1800" dirty="0">
                 <a:solidFill>
                   <a:srgbClr val="000000"/>
                 </a:solidFill>
                 <a:latin typeface="Calibri" panose="020F0502020204030204" pitchFamily="34" charset="0"/>
                 <a:cs typeface="Calibri" panose="020F0502020204030204" pitchFamily="34" charset="0"/>
               </a:rPr>
-              <a:t>Cases </a:t>
+              <a:t>Cases (or observation) belonging to the </a:t>
+            </a:r>
+            <a:r>
+              <a:rPr lang="en-US" sz="1800" b="1" dirty="0">
+                <a:solidFill>
+                  <a:srgbClr val="000000"/>
+                </a:solidFill>
+                <a:latin typeface="Calibri" panose="020F0502020204030204" pitchFamily="34" charset="0"/>
+                <a:cs typeface="Calibri" panose="020F0502020204030204" pitchFamily="34" charset="0"/>
+              </a:rPr>
+              <a:t>omitted variable </a:t>
             </a:r>
             <a:r>
               <a:rPr lang="en-US" sz="1800" dirty="0">
@@ -16357,65 +15694,8 @@
                 <a:latin typeface="Calibri" panose="020F0502020204030204" pitchFamily="34" charset="0"/>
                 <a:cs typeface="Calibri" panose="020F0502020204030204" pitchFamily="34" charset="0"/>
               </a:rPr>
-              <a:t>(or observation) belonging to the </a:t>
+              <a:t>(x2 low) have -1 assigned</a:t>
             </a:r>
-            <a:r>
-              <a:rPr lang="en-US" sz="1800" b="1" dirty="0">
-                <a:solidFill>
-                  <a:srgbClr val="000000"/>
-                </a:solidFill>
-                <a:latin typeface="Calibri" panose="020F0502020204030204" pitchFamily="34" charset="0"/>
-                <a:cs typeface="Calibri" panose="020F0502020204030204" pitchFamily="34" charset="0"/>
-              </a:rPr>
-              <a:t>omitted </a:t>
-            </a:r>
-            <a:r>
-              <a:rPr lang="en-US" sz="1800" b="1" dirty="0" smtClean="0">
-                <a:solidFill>
-                  <a:srgbClr val="000000"/>
-                </a:solidFill>
-                <a:latin typeface="Calibri" panose="020F0502020204030204" pitchFamily="34" charset="0"/>
-                <a:cs typeface="Calibri" panose="020F0502020204030204" pitchFamily="34" charset="0"/>
-              </a:rPr>
-              <a:t>variable </a:t>
-            </a:r>
-            <a:r>
-              <a:rPr lang="en-US" sz="1800" dirty="0" smtClean="0">
-                <a:solidFill>
-                  <a:srgbClr val="000000"/>
-                </a:solidFill>
-                <a:latin typeface="Calibri" panose="020F0502020204030204" pitchFamily="34" charset="0"/>
-                <a:cs typeface="Calibri" panose="020F0502020204030204" pitchFamily="34" charset="0"/>
-              </a:rPr>
-              <a:t>(x2 low) </a:t>
-            </a:r>
-            <a:r>
-              <a:rPr lang="en-US" sz="1800" dirty="0">
-                <a:solidFill>
-                  <a:srgbClr val="000000"/>
-                </a:solidFill>
-                <a:latin typeface="Calibri" panose="020F0502020204030204" pitchFamily="34" charset="0"/>
-                <a:cs typeface="Calibri" panose="020F0502020204030204" pitchFamily="34" charset="0"/>
-              </a:rPr>
-              <a:t>have </a:t>
-            </a:r>
-            <a:r>
-              <a:rPr lang="en-US" sz="1800" dirty="0" smtClean="0">
-                <a:solidFill>
-                  <a:srgbClr val="000000"/>
-                </a:solidFill>
-                <a:latin typeface="Calibri" panose="020F0502020204030204" pitchFamily="34" charset="0"/>
-                <a:cs typeface="Calibri" panose="020F0502020204030204" pitchFamily="34" charset="0"/>
-              </a:rPr>
-              <a:t>-1 assigned</a:t>
-            </a:r>
-            <a:endParaRPr lang="en-US" sz="1800" dirty="0">
-              <a:solidFill>
-                <a:srgbClr val="000000"/>
-              </a:solidFill>
-              <a:latin typeface="Calibri" panose="020F0502020204030204" pitchFamily="34" charset="0"/>
-              <a:cs typeface="Calibri" panose="020F0502020204030204" pitchFamily="34" charset="0"/>
-            </a:endParaRPr>
           </a:p>
           <a:p>
             <a:pPr marL="914400" lvl="1" indent="-365760">
@@ -17308,7 +16588,7 @@
                         <a:buNone/>
                       </a:pPr>
                       <a:r>
-                        <a:rPr lang="en" sz="1400" dirty="0" smtClean="0">
+                        <a:rPr lang="en" sz="1400" dirty="0">
                           <a:latin typeface="Calibri" panose="020F0502020204030204" pitchFamily="34" charset="0"/>
                           <a:ea typeface="EB Garamond"/>
                           <a:cs typeface="Calibri" panose="020F0502020204030204" pitchFamily="34" charset="0"/>
@@ -17753,7 +17033,7 @@
                         <a:buNone/>
                       </a:pPr>
                       <a:r>
-                        <a:rPr lang="en" sz="1400" dirty="0" smtClean="0">
+                        <a:rPr lang="en" sz="1400" dirty="0">
                           <a:latin typeface="Calibri" panose="020F0502020204030204" pitchFamily="34" charset="0"/>
                           <a:ea typeface="EB Garamond"/>
                           <a:cs typeface="Calibri" panose="020F0502020204030204" pitchFamily="34" charset="0"/>
@@ -18198,7 +17478,7 @@
                         <a:buNone/>
                       </a:pPr>
                       <a:r>
-                        <a:rPr lang="en-US" sz="1400" dirty="0" smtClean="0">
+                        <a:rPr lang="en-US" sz="1400" dirty="0">
                           <a:latin typeface="Calibri" panose="020F0502020204030204" pitchFamily="34" charset="0"/>
                           <a:ea typeface="EB Garamond"/>
                           <a:cs typeface="Calibri" panose="020F0502020204030204" pitchFamily="34" charset="0"/>
@@ -18643,7 +17923,7 @@
                         <a:buNone/>
                       </a:pPr>
                       <a:r>
-                        <a:rPr lang="en" sz="1400" dirty="0" smtClean="0">
+                        <a:rPr lang="en" sz="1400" dirty="0">
                           <a:latin typeface="Calibri" panose="020F0502020204030204" pitchFamily="34" charset="0"/>
                           <a:ea typeface="EB Garamond"/>
                           <a:cs typeface="Calibri" panose="020F0502020204030204" pitchFamily="34" charset="0"/>
@@ -18716,7 +17996,7 @@
                         <a:buNone/>
                       </a:pPr>
                       <a:r>
-                        <a:rPr lang="en" sz="1400" dirty="0" smtClean="0">
+                        <a:rPr lang="en" sz="1400" dirty="0">
                           <a:latin typeface="Calibri" panose="020F0502020204030204" pitchFamily="34" charset="0"/>
                           <a:ea typeface="EB Garamond"/>
                           <a:cs typeface="Calibri" panose="020F0502020204030204" pitchFamily="34" charset="0"/>
@@ -18792,7 +18072,7 @@
                         <a:buNone/>
                       </a:pPr>
                       <a:r>
-                        <a:rPr lang="en" sz="1400" dirty="0" smtClean="0">
+                        <a:rPr lang="en" sz="1400" dirty="0">
                           <a:latin typeface="Calibri" panose="020F0502020204030204" pitchFamily="34" charset="0"/>
                           <a:ea typeface="EB Garamond"/>
                           <a:cs typeface="Calibri" panose="020F0502020204030204" pitchFamily="34" charset="0"/>
@@ -18870,13 +18150,6 @@
   <p:clrMapOvr>
     <a:masterClrMapping/>
   </p:clrMapOvr>
-  <p:timing>
-    <p:tnLst>
-      <p:par>
-        <p:cTn id="1" dur="indefinite" restart="never" nodeType="tmRoot"/>
-      </p:par>
-    </p:tnLst>
-  </p:timing>
 </p:sld>
 </file>
 
@@ -18915,7 +18188,7 @@
           <a:lstStyle/>
           <a:p>
             <a:r>
-              <a:rPr lang="en-US" sz="3200" spc="0" dirty="0" smtClean="0">
+              <a:rPr lang="en-US" sz="3200" spc="0" dirty="0">
                 <a:solidFill>
                   <a:srgbClr val="0070C0"/>
                 </a:solidFill>
@@ -18924,13 +18197,6 @@
               </a:rPr>
               <a:t>Interpretation of effect coded coefficients</a:t>
             </a:r>
-            <a:endParaRPr lang="en-US" sz="3200" spc="0" dirty="0">
-              <a:solidFill>
-                <a:srgbClr val="0070C0"/>
-              </a:solidFill>
-              <a:latin typeface="Calibri" panose="020F0502020204030204" pitchFamily="34" charset="0"/>
-              <a:cs typeface="Calibri" panose="020F0502020204030204" pitchFamily="34" charset="0"/>
-            </a:endParaRPr>
           </a:p>
         </p:txBody>
       </p:sp>
@@ -18972,16 +18238,6 @@
               <a:buChar char="•"/>
             </a:pPr>
             <a:r>
-              <a:rPr lang="en-US" dirty="0" smtClean="0">
-                <a:solidFill>
-                  <a:srgbClr val="000000"/>
-                </a:solidFill>
-                <a:latin typeface="Calibri" panose="020F0502020204030204" pitchFamily="34" charset="0"/>
-                <a:cs typeface="Calibri" panose="020F0502020204030204" pitchFamily="34" charset="0"/>
-              </a:rPr>
-              <a:t>Y = a </a:t>
-            </a:r>
-            <a:r>
               <a:rPr lang="en-US" dirty="0">
                 <a:solidFill>
                   <a:srgbClr val="000000"/>
@@ -18989,20 +18245,10 @@
                 <a:latin typeface="Calibri" panose="020F0502020204030204" pitchFamily="34" charset="0"/>
                 <a:cs typeface="Calibri" panose="020F0502020204030204" pitchFamily="34" charset="0"/>
               </a:rPr>
-              <a:t>+ b1 </a:t>
+              <a:t>Y = a + b1 x2</a:t>
             </a:r>
             <a:r>
-              <a:rPr lang="en-US" dirty="0" smtClean="0">
-                <a:solidFill>
-                  <a:srgbClr val="000000"/>
-                </a:solidFill>
-                <a:latin typeface="Calibri" panose="020F0502020204030204" pitchFamily="34" charset="0"/>
-                <a:cs typeface="Calibri" panose="020F0502020204030204" pitchFamily="34" charset="0"/>
-              </a:rPr>
-              <a:t>x2</a:t>
-            </a:r>
-            <a:r>
-              <a:rPr lang="en-US" baseline="-25000" dirty="0" smtClean="0">
+              <a:rPr lang="en-US" baseline="-25000" dirty="0">
                 <a:solidFill>
                   <a:srgbClr val="000000"/>
                 </a:solidFill>
@@ -19019,20 +18265,10 @@
                 <a:latin typeface="Calibri" panose="020F0502020204030204" pitchFamily="34" charset="0"/>
                 <a:cs typeface="Calibri" panose="020F0502020204030204" pitchFamily="34" charset="0"/>
               </a:rPr>
-              <a:t>+ b2 </a:t>
+              <a:t>+ b2 x2</a:t>
             </a:r>
             <a:r>
-              <a:rPr lang="en-US" dirty="0" smtClean="0">
-                <a:solidFill>
-                  <a:srgbClr val="000000"/>
-                </a:solidFill>
-                <a:latin typeface="Calibri" panose="020F0502020204030204" pitchFamily="34" charset="0"/>
-                <a:cs typeface="Calibri" panose="020F0502020204030204" pitchFamily="34" charset="0"/>
-              </a:rPr>
-              <a:t>x2</a:t>
-            </a:r>
-            <a:r>
-              <a:rPr lang="en-US" baseline="-25000" dirty="0" smtClean="0">
+              <a:rPr lang="en-US" baseline="-25000" dirty="0">
                 <a:solidFill>
                   <a:srgbClr val="000000"/>
                 </a:solidFill>
@@ -19042,14 +18278,24 @@
               <a:t>high</a:t>
             </a:r>
             <a:r>
-              <a:rPr lang="en-US" dirty="0" smtClean="0">
+              <a:rPr lang="en-US" dirty="0">
                 <a:solidFill>
                   <a:srgbClr val="000000"/>
                 </a:solidFill>
                 <a:latin typeface="Calibri" panose="020F0502020204030204" pitchFamily="34" charset="0"/>
                 <a:cs typeface="Calibri" panose="020F0502020204030204" pitchFamily="34" charset="0"/>
               </a:rPr>
-              <a:t> </a:t>
+              <a:t> + e1  	note: x2 </a:t>
+            </a:r>
+            <a:r>
+              <a:rPr lang="en-US" baseline="-25000" dirty="0">
+                <a:solidFill>
+                  <a:srgbClr val="000000"/>
+                </a:solidFill>
+                <a:latin typeface="Calibri" panose="020F0502020204030204" pitchFamily="34" charset="0"/>
+                <a:cs typeface="Calibri" panose="020F0502020204030204" pitchFamily="34" charset="0"/>
+              </a:rPr>
+              <a:t>low</a:t>
             </a:r>
             <a:r>
               <a:rPr lang="en-US" dirty="0">
@@ -19059,67 +18305,7 @@
                 <a:latin typeface="Calibri" panose="020F0502020204030204" pitchFamily="34" charset="0"/>
                 <a:cs typeface="Calibri" panose="020F0502020204030204" pitchFamily="34" charset="0"/>
               </a:rPr>
-              <a:t>+ e1 </a:t>
-            </a:r>
-            <a:r>
-              <a:rPr lang="en-US" dirty="0" smtClean="0">
-                <a:solidFill>
-                  <a:srgbClr val="000000"/>
-                </a:solidFill>
-                <a:latin typeface="Calibri" panose="020F0502020204030204" pitchFamily="34" charset="0"/>
-                <a:cs typeface="Calibri" panose="020F0502020204030204" pitchFamily="34" charset="0"/>
-              </a:rPr>
-              <a:t> 	note</a:t>
-            </a:r>
-            <a:r>
-              <a:rPr lang="en-US" dirty="0">
-                <a:solidFill>
-                  <a:srgbClr val="000000"/>
-                </a:solidFill>
-                <a:latin typeface="Calibri" panose="020F0502020204030204" pitchFamily="34" charset="0"/>
-                <a:cs typeface="Calibri" panose="020F0502020204030204" pitchFamily="34" charset="0"/>
-              </a:rPr>
-              <a:t>: </a:t>
-            </a:r>
-            <a:r>
-              <a:rPr lang="en-US" dirty="0" smtClean="0">
-                <a:solidFill>
-                  <a:srgbClr val="000000"/>
-                </a:solidFill>
-                <a:latin typeface="Calibri" panose="020F0502020204030204" pitchFamily="34" charset="0"/>
-                <a:cs typeface="Calibri" panose="020F0502020204030204" pitchFamily="34" charset="0"/>
-              </a:rPr>
-              <a:t>x2 </a:t>
-            </a:r>
-            <a:r>
-              <a:rPr lang="en-US" baseline="-25000" dirty="0" smtClean="0">
-                <a:solidFill>
-                  <a:srgbClr val="000000"/>
-                </a:solidFill>
-                <a:latin typeface="Calibri" panose="020F0502020204030204" pitchFamily="34" charset="0"/>
-                <a:cs typeface="Calibri" panose="020F0502020204030204" pitchFamily="34" charset="0"/>
-              </a:rPr>
-              <a:t>low</a:t>
-            </a:r>
-            <a:r>
-              <a:rPr lang="en-US" dirty="0" smtClean="0">
-                <a:solidFill>
-                  <a:srgbClr val="000000"/>
-                </a:solidFill>
-                <a:latin typeface="Calibri" panose="020F0502020204030204" pitchFamily="34" charset="0"/>
-                <a:cs typeface="Calibri" panose="020F0502020204030204" pitchFamily="34" charset="0"/>
-              </a:rPr>
-              <a:t>  </a:t>
-            </a:r>
-            <a:r>
-              <a:rPr lang="en-US" dirty="0">
-                <a:solidFill>
-                  <a:srgbClr val="000000"/>
-                </a:solidFill>
-                <a:latin typeface="Calibri" panose="020F0502020204030204" pitchFamily="34" charset="0"/>
-                <a:cs typeface="Calibri" panose="020F0502020204030204" pitchFamily="34" charset="0"/>
-              </a:rPr>
-              <a:t>is omitted from the analysis</a:t>
+              <a:t>  is omitted from the analysis</a:t>
             </a:r>
           </a:p>
           <a:p>
@@ -19138,7 +18324,7 @@
               <a:buFont typeface="Arial" panose="020B0604020202020204" pitchFamily="34" charset="0"/>
               <a:buChar char="•"/>
             </a:pPr>
-            <a:endParaRPr lang="en-US" dirty="0" smtClean="0">
+            <a:endParaRPr lang="en-US" dirty="0">
               <a:solidFill>
                 <a:srgbClr val="000000"/>
               </a:solidFill>
@@ -19163,7 +18349,7 @@
               <a:buChar char="•"/>
             </a:pPr>
             <a:r>
-              <a:rPr lang="en-US" dirty="0" smtClean="0">
+              <a:rPr lang="en-US" dirty="0">
                 <a:solidFill>
                   <a:srgbClr val="000000"/>
                 </a:solidFill>
@@ -19172,13 +18358,6 @@
               </a:rPr>
               <a:t>Key results (think of proof)</a:t>
             </a:r>
-            <a:endParaRPr lang="en-US" dirty="0">
-              <a:solidFill>
-                <a:srgbClr val="000000"/>
-              </a:solidFill>
-              <a:latin typeface="Calibri" panose="020F0502020204030204" pitchFamily="34" charset="0"/>
-              <a:cs typeface="Calibri" panose="020F0502020204030204" pitchFamily="34" charset="0"/>
-            </a:endParaRPr>
           </a:p>
           <a:p>
             <a:pPr marL="1706865" lvl="3" indent="-365760">
@@ -19201,17 +18380,17 @@
                 <a:latin typeface="Calibri" panose="020F0502020204030204" pitchFamily="34" charset="0"/>
                 <a:cs typeface="Calibri" panose="020F0502020204030204" pitchFamily="34" charset="0"/>
               </a:rPr>
-              <a:t>Estimated intercept </a:t>
+              <a:t>Estimated intercept a = </a:t>
             </a:r>
             <a:r>
-              <a:rPr lang="en-US" sz="1600" dirty="0" smtClean="0">
+              <a:rPr lang="en-US" sz="1600" b="1" dirty="0">
                 <a:solidFill>
                   <a:schemeClr val="tx1"/>
                 </a:solidFill>
                 <a:latin typeface="Calibri" panose="020F0502020204030204" pitchFamily="34" charset="0"/>
                 <a:cs typeface="Calibri" panose="020F0502020204030204" pitchFamily="34" charset="0"/>
               </a:rPr>
-              <a:t>a =</a:t>
+              <a:t>grand mean </a:t>
             </a:r>
             <a:r>
               <a:rPr lang="en-US" sz="1600" dirty="0">
@@ -19221,30 +18400,10 @@
                 <a:latin typeface="Calibri" panose="020F0502020204030204" pitchFamily="34" charset="0"/>
                 <a:cs typeface="Calibri" panose="020F0502020204030204" pitchFamily="34" charset="0"/>
               </a:rPr>
-              <a:t> </a:t>
-            </a:r>
-            <a:r>
-              <a:rPr lang="en-US" sz="1600" b="1" dirty="0" smtClean="0">
-                <a:solidFill>
-                  <a:schemeClr val="tx1"/>
-                </a:solidFill>
-                <a:latin typeface="Calibri" panose="020F0502020204030204" pitchFamily="34" charset="0"/>
-                <a:cs typeface="Calibri" panose="020F0502020204030204" pitchFamily="34" charset="0"/>
-              </a:rPr>
-              <a:t>grand mean </a:t>
-            </a:r>
-            <a:r>
-              <a:rPr lang="en-US" sz="1600" dirty="0" smtClean="0">
-                <a:solidFill>
-                  <a:schemeClr val="tx1"/>
-                </a:solidFill>
-                <a:latin typeface="Calibri" panose="020F0502020204030204" pitchFamily="34" charset="0"/>
-                <a:cs typeface="Calibri" panose="020F0502020204030204" pitchFamily="34" charset="0"/>
-              </a:rPr>
               <a:t>or </a:t>
             </a:r>
             <a:r>
-              <a:rPr lang="en-US" sz="1600" b="1" dirty="0" smtClean="0">
+              <a:rPr lang="en-US" sz="1600" b="1" dirty="0">
                 <a:solidFill>
                   <a:schemeClr val="tx1"/>
                 </a:solidFill>
@@ -19254,7 +18413,7 @@
               <a:t>mean of means </a:t>
             </a:r>
             <a:r>
-              <a:rPr lang="en-US" sz="1600" dirty="0" smtClean="0">
+              <a:rPr lang="en-US" sz="1600" dirty="0">
                 <a:solidFill>
                   <a:schemeClr val="tx1"/>
                 </a:solidFill>
@@ -19264,7 +18423,7 @@
               <a:t>(</a:t>
             </a:r>
             <a:r>
-              <a:rPr lang="en-US" sz="1200" dirty="0" smtClean="0">
+              <a:rPr lang="en-US" sz="1200" dirty="0">
                 <a:solidFill>
                   <a:schemeClr val="tx1"/>
                 </a:solidFill>
@@ -19274,7 +18433,7 @@
               <a:t>if sample size is equal across groups</a:t>
             </a:r>
             <a:r>
-              <a:rPr lang="en-US" sz="1600" dirty="0" smtClean="0">
+              <a:rPr lang="en-US" sz="1600" dirty="0">
                 <a:solidFill>
                   <a:schemeClr val="tx1"/>
                 </a:solidFill>
@@ -19298,7 +18457,7 @@
               <a:buChar char="§"/>
             </a:pPr>
             <a:r>
-              <a:rPr lang="en-US" sz="1600" dirty="0" smtClean="0">
+              <a:rPr lang="en-US" sz="1600" dirty="0">
                 <a:solidFill>
                   <a:schemeClr val="tx1"/>
                 </a:solidFill>
@@ -19307,7 +18466,7 @@
               </a:rPr>
               <a:t>a= mean (y)</a:t>
             </a:r>
-            <a:endParaRPr lang="en-US" sz="1600" baseline="-25000" dirty="0" smtClean="0">
+            <a:endParaRPr lang="en-US" sz="1600" baseline="-25000" dirty="0">
               <a:solidFill>
                 <a:srgbClr val="000000"/>
               </a:solidFill>
@@ -19329,7 +18488,7 @@
               <a:buChar char="o"/>
             </a:pPr>
             <a:r>
-              <a:rPr lang="en-US" sz="1600" dirty="0" smtClean="0">
+              <a:rPr lang="en-US" sz="1600" dirty="0">
                 <a:solidFill>
                   <a:srgbClr val="000000"/>
                 </a:solidFill>
@@ -19363,18 +18522,6 @@
               <a:t>x2 medium</a:t>
             </a:r>
             <a:r>
-              <a:rPr lang="en-US" sz="1600" dirty="0" smtClean="0">
-                <a:solidFill>
-                  <a:srgbClr val="000000"/>
-                </a:solidFill>
-                <a:latin typeface="Calibri" panose="020F0502020204030204" pitchFamily="34" charset="0"/>
-                <a:ea typeface="EB Garamond"/>
-                <a:cs typeface="Calibri" panose="020F0502020204030204" pitchFamily="34" charset="0"/>
-                <a:sym typeface="EB Garamond"/>
-              </a:rPr>
-              <a:t>) - mean </a:t>
-            </a:r>
-            <a:r>
               <a:rPr lang="en-US" sz="1600" dirty="0">
                 <a:solidFill>
                   <a:srgbClr val="000000"/>
@@ -19384,22 +18531,10 @@
                 <a:cs typeface="Calibri" panose="020F0502020204030204" pitchFamily="34" charset="0"/>
                 <a:sym typeface="EB Garamond"/>
               </a:rPr>
-              <a:t>(</a:t>
+              <a:t>) - mean (y) = </a:t>
             </a:r>
             <a:r>
-              <a:rPr lang="en-US" sz="1600" dirty="0" smtClean="0">
-                <a:solidFill>
-                  <a:srgbClr val="000000"/>
-                </a:solidFill>
-                <a:latin typeface="Calibri" panose="020F0502020204030204" pitchFamily="34" charset="0"/>
-                <a:ea typeface="EB Garamond"/>
-                <a:cs typeface="Calibri" panose="020F0502020204030204" pitchFamily="34" charset="0"/>
-                <a:sym typeface="EB Garamond"/>
-              </a:rPr>
-              <a:t>y) = </a:t>
-            </a:r>
-            <a:r>
-              <a:rPr lang="en-US" sz="1600" b="1" dirty="0" smtClean="0">
+              <a:rPr lang="en-US" sz="1600" b="1" dirty="0">
                 <a:solidFill>
                   <a:srgbClr val="000000"/>
                 </a:solidFill>
@@ -19411,7 +18546,7 @@
               <a:t>deviation</a:t>
             </a:r>
             <a:r>
-              <a:rPr lang="en-US" sz="1600" dirty="0" smtClean="0">
+              <a:rPr lang="en-US" sz="1600" dirty="0">
                 <a:solidFill>
                   <a:srgbClr val="000000"/>
                 </a:solidFill>
@@ -19437,16 +18572,6 @@
               <a:buChar char="o"/>
             </a:pPr>
             <a:r>
-              <a:rPr lang="en-US" sz="1600" dirty="0" smtClean="0">
-                <a:solidFill>
-                  <a:srgbClr val="000000"/>
-                </a:solidFill>
-                <a:latin typeface="Calibri" panose="020F0502020204030204" pitchFamily="34" charset="0"/>
-                <a:cs typeface="Calibri" panose="020F0502020204030204" pitchFamily="34" charset="0"/>
-              </a:rPr>
-              <a:t>b2 </a:t>
-            </a:r>
-            <a:r>
               <a:rPr lang="en-US" sz="1600" dirty="0">
                 <a:solidFill>
                   <a:srgbClr val="000000"/>
@@ -19454,7 +18579,7 @@
                 <a:latin typeface="Calibri" panose="020F0502020204030204" pitchFamily="34" charset="0"/>
                 <a:cs typeface="Calibri" panose="020F0502020204030204" pitchFamily="34" charset="0"/>
               </a:rPr>
-              <a:t>= </a:t>
+              <a:t>b2 = </a:t>
             </a:r>
             <a:r>
               <a:rPr lang="en-US" sz="1600" dirty="0">
@@ -19478,31 +18603,7 @@
                 <a:cs typeface="Calibri" panose="020F0502020204030204" pitchFamily="34" charset="0"/>
                 <a:sym typeface="EB Garamond"/>
               </a:rPr>
-              <a:t>x2 </a:t>
-            </a:r>
-            <a:r>
-              <a:rPr lang="en-US" sz="1600" baseline="-25000" dirty="0" smtClean="0">
-                <a:solidFill>
-                  <a:srgbClr val="000000"/>
-                </a:solidFill>
-                <a:latin typeface="Calibri" panose="020F0502020204030204" pitchFamily="34" charset="0"/>
-                <a:ea typeface="EB Garamond"/>
-                <a:cs typeface="Calibri" panose="020F0502020204030204" pitchFamily="34" charset="0"/>
-                <a:sym typeface="EB Garamond"/>
-              </a:rPr>
-              <a:t>high</a:t>
-            </a:r>
-            <a:r>
-              <a:rPr lang="en-US" sz="1600" dirty="0" smtClean="0">
-                <a:solidFill>
-                  <a:srgbClr val="000000"/>
-                </a:solidFill>
-                <a:latin typeface="Calibri" panose="020F0502020204030204" pitchFamily="34" charset="0"/>
-                <a:ea typeface="EB Garamond"/>
-                <a:cs typeface="Calibri" panose="020F0502020204030204" pitchFamily="34" charset="0"/>
-                <a:sym typeface="EB Garamond"/>
-              </a:rPr>
-              <a:t>) </a:t>
+              <a:t>x2 high</a:t>
             </a:r>
             <a:r>
               <a:rPr lang="en-US" sz="1600" dirty="0">
@@ -19514,29 +18615,8 @@
                 <a:cs typeface="Calibri" panose="020F0502020204030204" pitchFamily="34" charset="0"/>
                 <a:sym typeface="EB Garamond"/>
               </a:rPr>
-              <a:t>- mean (</a:t>
+              <a:t>) - mean (y) = deviation from grand mean</a:t>
             </a:r>
-            <a:r>
-              <a:rPr lang="en-US" sz="1600" dirty="0" smtClean="0">
-                <a:solidFill>
-                  <a:srgbClr val="000000"/>
-                </a:solidFill>
-                <a:latin typeface="Calibri" panose="020F0502020204030204" pitchFamily="34" charset="0"/>
-                <a:ea typeface="EB Garamond"/>
-                <a:cs typeface="Calibri" panose="020F0502020204030204" pitchFamily="34" charset="0"/>
-                <a:sym typeface="EB Garamond"/>
-              </a:rPr>
-              <a:t>y) = deviation from grand mean</a:t>
-            </a:r>
-            <a:endParaRPr lang="en-US" sz="1600" dirty="0">
-              <a:solidFill>
-                <a:srgbClr val="000000"/>
-              </a:solidFill>
-              <a:latin typeface="Calibri" panose="020F0502020204030204" pitchFamily="34" charset="0"/>
-              <a:ea typeface="EB Garamond"/>
-              <a:cs typeface="Calibri" panose="020F0502020204030204" pitchFamily="34" charset="0"/>
-              <a:sym typeface="EB Garamond"/>
-            </a:endParaRPr>
           </a:p>
           <a:p>
             <a:pPr marL="914400" lvl="1" indent="-365760">
@@ -19555,7 +18635,7 @@
               <a:buChar char="•"/>
             </a:pPr>
             <a:r>
-              <a:rPr lang="en-US" dirty="0" smtClean="0">
+              <a:rPr lang="en-US" dirty="0">
                 <a:solidFill>
                   <a:srgbClr val="000000"/>
                 </a:solidFill>
@@ -19564,13 +18644,6 @@
               </a:rPr>
               <a:t>Interpretation of results? </a:t>
             </a:r>
-            <a:endParaRPr lang="en-US" dirty="0">
-              <a:solidFill>
-                <a:srgbClr val="000000"/>
-              </a:solidFill>
-              <a:latin typeface="Calibri" panose="020F0502020204030204" pitchFamily="34" charset="0"/>
-              <a:cs typeface="Calibri" panose="020F0502020204030204" pitchFamily="34" charset="0"/>
-            </a:endParaRPr>
           </a:p>
         </p:txBody>
       </p:sp>
@@ -20439,7 +19512,7 @@
                         <a:buNone/>
                       </a:pPr>
                       <a:r>
-                        <a:rPr lang="en" sz="1400" dirty="0" smtClean="0">
+                        <a:rPr lang="en" sz="1400" dirty="0">
                           <a:latin typeface="Calibri" panose="020F0502020204030204" pitchFamily="34" charset="0"/>
                           <a:ea typeface="EB Garamond"/>
                           <a:cs typeface="Calibri" panose="020F0502020204030204" pitchFamily="34" charset="0"/>
@@ -20884,7 +19957,7 @@
                         <a:buNone/>
                       </a:pPr>
                       <a:r>
-                        <a:rPr lang="en" sz="1400" dirty="0" smtClean="0">
+                        <a:rPr lang="en" sz="1400" dirty="0">
                           <a:latin typeface="Calibri" panose="020F0502020204030204" pitchFamily="34" charset="0"/>
                           <a:ea typeface="EB Garamond"/>
                           <a:cs typeface="Calibri" panose="020F0502020204030204" pitchFamily="34" charset="0"/>
@@ -21329,7 +20402,7 @@
                         <a:buNone/>
                       </a:pPr>
                       <a:r>
-                        <a:rPr lang="en-US" sz="1400" dirty="0" smtClean="0">
+                        <a:rPr lang="en-US" sz="1400" dirty="0">
                           <a:latin typeface="Calibri" panose="020F0502020204030204" pitchFamily="34" charset="0"/>
                           <a:ea typeface="EB Garamond"/>
                           <a:cs typeface="Calibri" panose="020F0502020204030204" pitchFamily="34" charset="0"/>
@@ -21774,7 +20847,7 @@
                         <a:buNone/>
                       </a:pPr>
                       <a:r>
-                        <a:rPr lang="en" sz="1400" dirty="0" smtClean="0">
+                        <a:rPr lang="en" sz="1400" dirty="0">
                           <a:latin typeface="Calibri" panose="020F0502020204030204" pitchFamily="34" charset="0"/>
                           <a:ea typeface="EB Garamond"/>
                           <a:cs typeface="Calibri" panose="020F0502020204030204" pitchFamily="34" charset="0"/>
@@ -21847,7 +20920,7 @@
                         <a:buNone/>
                       </a:pPr>
                       <a:r>
-                        <a:rPr lang="en" sz="1400" dirty="0" smtClean="0">
+                        <a:rPr lang="en" sz="1400" dirty="0">
                           <a:latin typeface="Calibri" panose="020F0502020204030204" pitchFamily="34" charset="0"/>
                           <a:ea typeface="EB Garamond"/>
                           <a:cs typeface="Calibri" panose="020F0502020204030204" pitchFamily="34" charset="0"/>
@@ -21923,7 +20996,7 @@
                         <a:buNone/>
                       </a:pPr>
                       <a:r>
-                        <a:rPr lang="en" sz="1400" dirty="0" smtClean="0">
+                        <a:rPr lang="en" sz="1400" dirty="0">
                           <a:latin typeface="Calibri" panose="020F0502020204030204" pitchFamily="34" charset="0"/>
                           <a:ea typeface="EB Garamond"/>
                           <a:cs typeface="Calibri" panose="020F0502020204030204" pitchFamily="34" charset="0"/>
@@ -22001,13 +21074,6 @@
   <p:clrMapOvr>
     <a:masterClrMapping/>
   </p:clrMapOvr>
-  <p:timing>
-    <p:tnLst>
-      <p:par>
-        <p:cTn id="1" dur="indefinite" restart="never" nodeType="tmRoot"/>
-      </p:par>
-    </p:tnLst>
-  </p:timing>
 </p:sld>
 </file>
 
@@ -22046,7 +21112,7 @@
           <a:lstStyle/>
           <a:p>
             <a:r>
-              <a:rPr lang="en-US" sz="3200" spc="0" dirty="0" smtClean="0">
+              <a:rPr lang="en-US" sz="3200" spc="0" dirty="0">
                 <a:solidFill>
                   <a:srgbClr val="0070C0"/>
                 </a:solidFill>
@@ -22055,13 +21121,6 @@
               </a:rPr>
               <a:t>Interpretation of effect coded coefficients</a:t>
             </a:r>
-            <a:endParaRPr lang="en-US" sz="3200" spc="0" dirty="0">
-              <a:solidFill>
-                <a:srgbClr val="0070C0"/>
-              </a:solidFill>
-              <a:latin typeface="Calibri" panose="020F0502020204030204" pitchFamily="34" charset="0"/>
-              <a:cs typeface="Calibri" panose="020F0502020204030204" pitchFamily="34" charset="0"/>
-            </a:endParaRPr>
           </a:p>
         </p:txBody>
       </p:sp>
@@ -22174,16 +21233,6 @@
               <a:buChar char="•"/>
             </a:pPr>
             <a:r>
-              <a:rPr lang="en-US" dirty="0" smtClean="0">
-                <a:solidFill>
-                  <a:schemeClr val="tx1"/>
-                </a:solidFill>
-                <a:latin typeface="Calibri" panose="020F0502020204030204" pitchFamily="34" charset="0"/>
-                <a:cs typeface="Calibri" panose="020F0502020204030204" pitchFamily="34" charset="0"/>
-              </a:rPr>
-              <a:t>Treatment effect=deviation of mean of the group from the grand </a:t>
-            </a:r>
-            <a:r>
               <a:rPr lang="en-US" dirty="0">
                 <a:solidFill>
                   <a:schemeClr val="tx1"/>
@@ -22191,7 +21240,7 @@
                 <a:latin typeface="Calibri" panose="020F0502020204030204" pitchFamily="34" charset="0"/>
                 <a:cs typeface="Calibri" panose="020F0502020204030204" pitchFamily="34" charset="0"/>
               </a:rPr>
-              <a:t>mean, </a:t>
+              <a:t>Treatment effect=deviation of mean of the group from the grand mean, </a:t>
             </a:r>
             <a:r>
               <a:rPr lang="en-US" sz="1400" dirty="0">
@@ -22201,29 +21250,7 @@
                 <a:latin typeface="Calibri" panose="020F0502020204030204" pitchFamily="34" charset="0"/>
                 <a:cs typeface="Calibri" panose="020F0502020204030204" pitchFamily="34" charset="0"/>
               </a:rPr>
-              <a:t>i.e., </a:t>
-            </a:r>
-            <a:r>
-              <a:rPr lang="en-US" sz="1400" dirty="0" smtClean="0">
-                <a:solidFill>
-                  <a:schemeClr val="tx1"/>
-                </a:solidFill>
-                <a:latin typeface="Calibri" panose="020F0502020204030204" pitchFamily="34" charset="0"/>
-                <a:cs typeface="Calibri" panose="020F0502020204030204" pitchFamily="34" charset="0"/>
-              </a:rPr>
-              <a:t>b1=</a:t>
-            </a:r>
-            <a:r>
-              <a:rPr lang="en-US" sz="1400" dirty="0" smtClean="0">
-                <a:solidFill>
-                  <a:schemeClr val="tx1"/>
-                </a:solidFill>
-                <a:latin typeface="Calibri" panose="020F0502020204030204" pitchFamily="34" charset="0"/>
-                <a:ea typeface="EB Garamond"/>
-                <a:cs typeface="Calibri" panose="020F0502020204030204" pitchFamily="34" charset="0"/>
-                <a:sym typeface="EB Garamond"/>
-              </a:rPr>
-              <a:t>mean </a:t>
+              <a:t>i.e., b1=</a:t>
             </a:r>
             <a:r>
               <a:rPr lang="en-US" sz="1400" dirty="0">
@@ -22235,7 +21262,7 @@
                 <a:cs typeface="Calibri" panose="020F0502020204030204" pitchFamily="34" charset="0"/>
                 <a:sym typeface="EB Garamond"/>
               </a:rPr>
-              <a:t>(y</a:t>
+              <a:t>mean (y</a:t>
             </a:r>
             <a:r>
               <a:rPr lang="en-US" sz="1400" baseline="-25000" dirty="0">
@@ -23136,7 +22163,7 @@
                         <a:buNone/>
                       </a:pPr>
                       <a:r>
-                        <a:rPr lang="en" sz="1400" dirty="0" smtClean="0">
+                        <a:rPr lang="en" sz="1400" dirty="0">
                           <a:latin typeface="Calibri" panose="020F0502020204030204" pitchFamily="34" charset="0"/>
                           <a:ea typeface="EB Garamond"/>
                           <a:cs typeface="Calibri" panose="020F0502020204030204" pitchFamily="34" charset="0"/>
@@ -23581,7 +22608,7 @@
                         <a:buNone/>
                       </a:pPr>
                       <a:r>
-                        <a:rPr lang="en" sz="1400" dirty="0" smtClean="0">
+                        <a:rPr lang="en" sz="1400" dirty="0">
                           <a:latin typeface="Calibri" panose="020F0502020204030204" pitchFamily="34" charset="0"/>
                           <a:ea typeface="EB Garamond"/>
                           <a:cs typeface="Calibri" panose="020F0502020204030204" pitchFamily="34" charset="0"/>
@@ -24026,7 +23053,7 @@
                         <a:buNone/>
                       </a:pPr>
                       <a:r>
-                        <a:rPr lang="en-US" sz="1400" dirty="0" smtClean="0">
+                        <a:rPr lang="en-US" sz="1400" dirty="0">
                           <a:latin typeface="Calibri" panose="020F0502020204030204" pitchFamily="34" charset="0"/>
                           <a:ea typeface="EB Garamond"/>
                           <a:cs typeface="Calibri" panose="020F0502020204030204" pitchFamily="34" charset="0"/>
@@ -24471,7 +23498,7 @@
                         <a:buNone/>
                       </a:pPr>
                       <a:r>
-                        <a:rPr lang="en" sz="1400" dirty="0" smtClean="0">
+                        <a:rPr lang="en" sz="1400" dirty="0">
                           <a:latin typeface="Calibri" panose="020F0502020204030204" pitchFamily="34" charset="0"/>
                           <a:ea typeface="EB Garamond"/>
                           <a:cs typeface="Calibri" panose="020F0502020204030204" pitchFamily="34" charset="0"/>
@@ -24544,7 +23571,7 @@
                         <a:buNone/>
                       </a:pPr>
                       <a:r>
-                        <a:rPr lang="en" sz="1400" dirty="0" smtClean="0">
+                        <a:rPr lang="en" sz="1400" dirty="0">
                           <a:latin typeface="Calibri" panose="020F0502020204030204" pitchFamily="34" charset="0"/>
                           <a:ea typeface="EB Garamond"/>
                           <a:cs typeface="Calibri" panose="020F0502020204030204" pitchFamily="34" charset="0"/>
@@ -24620,7 +23647,7 @@
                         <a:buNone/>
                       </a:pPr>
                       <a:r>
-                        <a:rPr lang="en" sz="1400" dirty="0" smtClean="0">
+                        <a:rPr lang="en" sz="1400" dirty="0">
                           <a:latin typeface="Calibri" panose="020F0502020204030204" pitchFamily="34" charset="0"/>
                           <a:ea typeface="EB Garamond"/>
                           <a:cs typeface="Calibri" panose="020F0502020204030204" pitchFamily="34" charset="0"/>
@@ -24698,13 +23725,6 @@
   <p:clrMapOvr>
     <a:masterClrMapping/>
   </p:clrMapOvr>
-  <p:timing>
-    <p:tnLst>
-      <p:par>
-        <p:cTn id="1" dur="indefinite" restart="never" nodeType="tmRoot"/>
-      </p:par>
-    </p:tnLst>
-  </p:timing>
 </p:sld>
 </file>
 
@@ -24743,7 +23763,7 @@
           <a:lstStyle/>
           <a:p>
             <a:r>
-              <a:rPr lang="en-US" sz="3200" spc="0" dirty="0" smtClean="0">
+              <a:rPr lang="en-US" sz="3200" spc="0" dirty="0">
                 <a:solidFill>
                   <a:srgbClr val="0070C0"/>
                 </a:solidFill>
@@ -24752,13 +23772,6 @@
               </a:rPr>
               <a:t>Hypothesis testing with effect coded coefficients</a:t>
             </a:r>
-            <a:endParaRPr lang="en-US" sz="3200" spc="0" dirty="0">
-              <a:solidFill>
-                <a:srgbClr val="0070C0"/>
-              </a:solidFill>
-              <a:latin typeface="Calibri" panose="020F0502020204030204" pitchFamily="34" charset="0"/>
-              <a:cs typeface="Calibri" panose="020F0502020204030204" pitchFamily="34" charset="0"/>
-            </a:endParaRPr>
           </a:p>
         </p:txBody>
       </p:sp>
@@ -24800,16 +23813,6 @@
               <a:buChar char="•"/>
             </a:pPr>
             <a:r>
-              <a:rPr lang="en-US" dirty="0" smtClean="0">
-                <a:solidFill>
-                  <a:srgbClr val="000000"/>
-                </a:solidFill>
-                <a:latin typeface="Calibri" panose="020F0502020204030204" pitchFamily="34" charset="0"/>
-                <a:cs typeface="Calibri" panose="020F0502020204030204" pitchFamily="34" charset="0"/>
-              </a:rPr>
-              <a:t>Y = a </a:t>
-            </a:r>
-            <a:r>
               <a:rPr lang="en-US" dirty="0">
                 <a:solidFill>
                   <a:srgbClr val="000000"/>
@@ -24817,20 +23820,10 @@
                 <a:latin typeface="Calibri" panose="020F0502020204030204" pitchFamily="34" charset="0"/>
                 <a:cs typeface="Calibri" panose="020F0502020204030204" pitchFamily="34" charset="0"/>
               </a:rPr>
-              <a:t>+ b1 </a:t>
+              <a:t>Y = a + b1 x2</a:t>
             </a:r>
             <a:r>
-              <a:rPr lang="en-US" dirty="0" smtClean="0">
-                <a:solidFill>
-                  <a:srgbClr val="000000"/>
-                </a:solidFill>
-                <a:latin typeface="Calibri" panose="020F0502020204030204" pitchFamily="34" charset="0"/>
-                <a:cs typeface="Calibri" panose="020F0502020204030204" pitchFamily="34" charset="0"/>
-              </a:rPr>
-              <a:t>x2</a:t>
-            </a:r>
-            <a:r>
-              <a:rPr lang="en-US" baseline="-25000" dirty="0" smtClean="0">
+              <a:rPr lang="en-US" baseline="-25000" dirty="0">
                 <a:solidFill>
                   <a:srgbClr val="000000"/>
                 </a:solidFill>
@@ -24847,20 +23840,10 @@
                 <a:latin typeface="Calibri" panose="020F0502020204030204" pitchFamily="34" charset="0"/>
                 <a:cs typeface="Calibri" panose="020F0502020204030204" pitchFamily="34" charset="0"/>
               </a:rPr>
-              <a:t>+ b2 </a:t>
+              <a:t>+ b2 x2</a:t>
             </a:r>
             <a:r>
-              <a:rPr lang="en-US" dirty="0" smtClean="0">
-                <a:solidFill>
-                  <a:srgbClr val="000000"/>
-                </a:solidFill>
-                <a:latin typeface="Calibri" panose="020F0502020204030204" pitchFamily="34" charset="0"/>
-                <a:cs typeface="Calibri" panose="020F0502020204030204" pitchFamily="34" charset="0"/>
-              </a:rPr>
-              <a:t>x2</a:t>
-            </a:r>
-            <a:r>
-              <a:rPr lang="en-US" baseline="-25000" dirty="0" smtClean="0">
+              <a:rPr lang="en-US" baseline="-25000" dirty="0">
                 <a:solidFill>
                   <a:srgbClr val="000000"/>
                 </a:solidFill>
@@ -24870,14 +23853,24 @@
               <a:t>high</a:t>
             </a:r>
             <a:r>
-              <a:rPr lang="en-US" dirty="0" smtClean="0">
+              <a:rPr lang="en-US" dirty="0">
                 <a:solidFill>
                   <a:srgbClr val="000000"/>
                 </a:solidFill>
                 <a:latin typeface="Calibri" panose="020F0502020204030204" pitchFamily="34" charset="0"/>
                 <a:cs typeface="Calibri" panose="020F0502020204030204" pitchFamily="34" charset="0"/>
               </a:rPr>
-              <a:t> </a:t>
+              <a:t> + e1  	note: x2 </a:t>
+            </a:r>
+            <a:r>
+              <a:rPr lang="en-US" baseline="-25000" dirty="0">
+                <a:solidFill>
+                  <a:srgbClr val="000000"/>
+                </a:solidFill>
+                <a:latin typeface="Calibri" panose="020F0502020204030204" pitchFamily="34" charset="0"/>
+                <a:cs typeface="Calibri" panose="020F0502020204030204" pitchFamily="34" charset="0"/>
+              </a:rPr>
+              <a:t>low</a:t>
             </a:r>
             <a:r>
               <a:rPr lang="en-US" dirty="0">
@@ -24887,67 +23880,7 @@
                 <a:latin typeface="Calibri" panose="020F0502020204030204" pitchFamily="34" charset="0"/>
                 <a:cs typeface="Calibri" panose="020F0502020204030204" pitchFamily="34" charset="0"/>
               </a:rPr>
-              <a:t>+ e1 </a:t>
-            </a:r>
-            <a:r>
-              <a:rPr lang="en-US" dirty="0" smtClean="0">
-                <a:solidFill>
-                  <a:srgbClr val="000000"/>
-                </a:solidFill>
-                <a:latin typeface="Calibri" panose="020F0502020204030204" pitchFamily="34" charset="0"/>
-                <a:cs typeface="Calibri" panose="020F0502020204030204" pitchFamily="34" charset="0"/>
-              </a:rPr>
-              <a:t> 	note</a:t>
-            </a:r>
-            <a:r>
-              <a:rPr lang="en-US" dirty="0">
-                <a:solidFill>
-                  <a:srgbClr val="000000"/>
-                </a:solidFill>
-                <a:latin typeface="Calibri" panose="020F0502020204030204" pitchFamily="34" charset="0"/>
-                <a:cs typeface="Calibri" panose="020F0502020204030204" pitchFamily="34" charset="0"/>
-              </a:rPr>
-              <a:t>: </a:t>
-            </a:r>
-            <a:r>
-              <a:rPr lang="en-US" dirty="0" smtClean="0">
-                <a:solidFill>
-                  <a:srgbClr val="000000"/>
-                </a:solidFill>
-                <a:latin typeface="Calibri" panose="020F0502020204030204" pitchFamily="34" charset="0"/>
-                <a:cs typeface="Calibri" panose="020F0502020204030204" pitchFamily="34" charset="0"/>
-              </a:rPr>
-              <a:t>x2 </a:t>
-            </a:r>
-            <a:r>
-              <a:rPr lang="en-US" baseline="-25000" dirty="0" smtClean="0">
-                <a:solidFill>
-                  <a:srgbClr val="000000"/>
-                </a:solidFill>
-                <a:latin typeface="Calibri" panose="020F0502020204030204" pitchFamily="34" charset="0"/>
-                <a:cs typeface="Calibri" panose="020F0502020204030204" pitchFamily="34" charset="0"/>
-              </a:rPr>
-              <a:t>low</a:t>
-            </a:r>
-            <a:r>
-              <a:rPr lang="en-US" dirty="0" smtClean="0">
-                <a:solidFill>
-                  <a:srgbClr val="000000"/>
-                </a:solidFill>
-                <a:latin typeface="Calibri" panose="020F0502020204030204" pitchFamily="34" charset="0"/>
-                <a:cs typeface="Calibri" panose="020F0502020204030204" pitchFamily="34" charset="0"/>
-              </a:rPr>
-              <a:t> is </a:t>
-            </a:r>
-            <a:r>
-              <a:rPr lang="en-US" dirty="0">
-                <a:solidFill>
-                  <a:srgbClr val="000000"/>
-                </a:solidFill>
-                <a:latin typeface="Calibri" panose="020F0502020204030204" pitchFamily="34" charset="0"/>
-                <a:cs typeface="Calibri" panose="020F0502020204030204" pitchFamily="34" charset="0"/>
-              </a:rPr>
-              <a:t>omitted from the analysis</a:t>
+              <a:t> is omitted from the analysis</a:t>
             </a:r>
           </a:p>
           <a:p>
@@ -24966,7 +23899,7 @@
               <a:buFont typeface="Arial" panose="020B0604020202020204" pitchFamily="34" charset="0"/>
               <a:buChar char="•"/>
             </a:pPr>
-            <a:endParaRPr lang="en-US" dirty="0" smtClean="0">
+            <a:endParaRPr lang="en-US" dirty="0">
               <a:solidFill>
                 <a:srgbClr val="000000"/>
               </a:solidFill>
@@ -24991,7 +23924,7 @@
               <a:buChar char="•"/>
             </a:pPr>
             <a:r>
-              <a:rPr lang="en-US" dirty="0" smtClean="0">
+              <a:rPr lang="en-US" dirty="0">
                 <a:solidFill>
                   <a:srgbClr val="000000"/>
                 </a:solidFill>
@@ -25036,15 +23969,6 @@
               </a:rPr>
               <a:t>: b1=b2 </a:t>
             </a:r>
-            <a:endParaRPr lang="en" sz="1600" dirty="0" smtClean="0">
-              <a:solidFill>
-                <a:srgbClr val="000000"/>
-              </a:solidFill>
-              <a:latin typeface="Calibri" panose="020F0502020204030204" pitchFamily="34" charset="0"/>
-              <a:ea typeface="EB Garamond"/>
-              <a:cs typeface="Calibri" panose="020F0502020204030204" pitchFamily="34" charset="0"/>
-              <a:sym typeface="EB Garamond"/>
-            </a:endParaRPr>
           </a:p>
           <a:p>
             <a:pPr marL="914400" lvl="1" indent="-365760">
@@ -25062,7 +23986,7 @@
               <a:buFont typeface="Arial" panose="020B0604020202020204" pitchFamily="34" charset="0"/>
               <a:buChar char="•"/>
             </a:pPr>
-            <a:endParaRPr lang="en" dirty="0" smtClean="0">
+            <a:endParaRPr lang="en" dirty="0">
               <a:solidFill>
                 <a:srgbClr val="000000"/>
               </a:solidFill>
@@ -25089,18 +24013,6 @@
               <a:buChar char="•"/>
             </a:pPr>
             <a:r>
-              <a:rPr lang="en" dirty="0" smtClean="0">
-                <a:solidFill>
-                  <a:srgbClr val="000000"/>
-                </a:solidFill>
-                <a:latin typeface="Calibri" panose="020F0502020204030204" pitchFamily="34" charset="0"/>
-                <a:ea typeface="EB Garamond"/>
-                <a:cs typeface="Calibri" panose="020F0502020204030204" pitchFamily="34" charset="0"/>
-                <a:sym typeface="EB Garamond"/>
-              </a:rPr>
-              <a:t>Hint: what would happen if </a:t>
-            </a:r>
-            <a:r>
               <a:rPr lang="en" dirty="0">
                 <a:solidFill>
                   <a:srgbClr val="000000"/>
@@ -25110,7 +24022,7 @@
                 <a:cs typeface="Calibri" panose="020F0502020204030204" pitchFamily="34" charset="0"/>
                 <a:sym typeface="EB Garamond"/>
               </a:rPr>
-              <a:t>H</a:t>
+              <a:t>Hint: what would happen if H</a:t>
             </a:r>
             <a:r>
               <a:rPr lang="en" baseline="-25000" dirty="0">
@@ -25125,7 +24037,7 @@
               <a:t>0 </a:t>
             </a:r>
             <a:r>
-              <a:rPr lang="en-US" dirty="0" smtClean="0">
+              <a:rPr lang="en-US" dirty="0">
                 <a:solidFill>
                   <a:srgbClr val="000000"/>
                 </a:solidFill>
@@ -25152,16 +24064,6 @@
               <a:buChar char="o"/>
             </a:pPr>
             <a:r>
-              <a:rPr lang="en-US" sz="1600" dirty="0" smtClean="0">
-                <a:solidFill>
-                  <a:srgbClr val="000000"/>
-                </a:solidFill>
-                <a:latin typeface="Calibri" panose="020F0502020204030204" pitchFamily="34" charset="0"/>
-                <a:cs typeface="Calibri" panose="020F0502020204030204" pitchFamily="34" charset="0"/>
-              </a:rPr>
-              <a:t>Model 1: Y </a:t>
-            </a:r>
-            <a:r>
               <a:rPr lang="en-US" sz="1600" dirty="0">
                 <a:solidFill>
                   <a:srgbClr val="000000"/>
@@ -25169,20 +24071,10 @@
                 <a:latin typeface="Calibri" panose="020F0502020204030204" pitchFamily="34" charset="0"/>
                 <a:cs typeface="Calibri" panose="020F0502020204030204" pitchFamily="34" charset="0"/>
               </a:rPr>
-              <a:t>= a + </a:t>
+              <a:t>Model 1: Y = a + b (x2</a:t>
             </a:r>
             <a:r>
-              <a:rPr lang="en-US" sz="1600" dirty="0" smtClean="0">
-                <a:solidFill>
-                  <a:srgbClr val="000000"/>
-                </a:solidFill>
-                <a:latin typeface="Calibri" panose="020F0502020204030204" pitchFamily="34" charset="0"/>
-                <a:cs typeface="Calibri" panose="020F0502020204030204" pitchFamily="34" charset="0"/>
-              </a:rPr>
-              <a:t>b (x2</a:t>
-            </a:r>
-            <a:r>
-              <a:rPr lang="en-US" sz="1600" baseline="-25000" dirty="0" smtClean="0">
+              <a:rPr lang="en-US" sz="1600" baseline="-25000" dirty="0">
                 <a:solidFill>
                   <a:srgbClr val="000000"/>
                 </a:solidFill>
@@ -25199,20 +24091,10 @@
                 <a:latin typeface="Calibri" panose="020F0502020204030204" pitchFamily="34" charset="0"/>
                 <a:cs typeface="Calibri" panose="020F0502020204030204" pitchFamily="34" charset="0"/>
               </a:rPr>
-              <a:t>+ </a:t>
+              <a:t>+ x2</a:t>
             </a:r>
             <a:r>
-              <a:rPr lang="en-US" sz="1600" dirty="0" smtClean="0">
-                <a:solidFill>
-                  <a:srgbClr val="000000"/>
-                </a:solidFill>
-                <a:latin typeface="Calibri" panose="020F0502020204030204" pitchFamily="34" charset="0"/>
-                <a:cs typeface="Calibri" panose="020F0502020204030204" pitchFamily="34" charset="0"/>
-              </a:rPr>
-              <a:t>x2</a:t>
-            </a:r>
-            <a:r>
-              <a:rPr lang="en-US" sz="1600" baseline="-25000" dirty="0" smtClean="0">
+              <a:rPr lang="en-US" sz="1600" baseline="-25000" dirty="0">
                 <a:solidFill>
                   <a:srgbClr val="000000"/>
                 </a:solidFill>
@@ -25222,7 +24104,7 @@
               <a:t>high</a:t>
             </a:r>
             <a:r>
-              <a:rPr lang="en-US" sz="1600" dirty="0" smtClean="0">
+              <a:rPr lang="en-US" sz="1600" dirty="0">
                 <a:solidFill>
                   <a:srgbClr val="000000"/>
                 </a:solidFill>
@@ -25248,7 +24130,7 @@
               <a:buFont typeface="Courier New" panose="02070309020205020404" pitchFamily="49" charset="0"/>
               <a:buChar char="o"/>
             </a:pPr>
-            <a:endParaRPr lang="en-US" sz="1600" dirty="0" smtClean="0">
+            <a:endParaRPr lang="en-US" sz="1600" dirty="0">
               <a:solidFill>
                 <a:srgbClr val="000000"/>
               </a:solidFill>
@@ -25273,16 +24155,6 @@
               <a:buChar char="o"/>
             </a:pPr>
             <a:r>
-              <a:rPr lang="en-US" sz="1600" dirty="0" smtClean="0">
-                <a:solidFill>
-                  <a:srgbClr val="000000"/>
-                </a:solidFill>
-                <a:latin typeface="Calibri" panose="020F0502020204030204" pitchFamily="34" charset="0"/>
-                <a:cs typeface="Calibri" panose="020F0502020204030204" pitchFamily="34" charset="0"/>
-              </a:rPr>
-              <a:t>Model 2: Y </a:t>
-            </a:r>
-            <a:r>
               <a:rPr lang="en-US" sz="1600" dirty="0">
                 <a:solidFill>
                   <a:srgbClr val="000000"/>
@@ -25290,7 +24162,7 @@
                 <a:latin typeface="Calibri" panose="020F0502020204030204" pitchFamily="34" charset="0"/>
                 <a:cs typeface="Calibri" panose="020F0502020204030204" pitchFamily="34" charset="0"/>
               </a:rPr>
-              <a:t>= a + b1 x2</a:t>
+              <a:t>Model 2: Y = a + b1 x2</a:t>
             </a:r>
             <a:r>
               <a:rPr lang="en-US" sz="1600" baseline="-25000" dirty="0">
@@ -26224,7 +25096,7 @@
                         <a:buNone/>
                       </a:pPr>
                       <a:r>
-                        <a:rPr lang="en" sz="1400" dirty="0" smtClean="0">
+                        <a:rPr lang="en" sz="1400" dirty="0">
                           <a:latin typeface="Calibri" panose="020F0502020204030204" pitchFamily="34" charset="0"/>
                           <a:ea typeface="EB Garamond"/>
                           <a:cs typeface="Calibri" panose="020F0502020204030204" pitchFamily="34" charset="0"/>
@@ -26669,7 +25541,7 @@
                         <a:buNone/>
                       </a:pPr>
                       <a:r>
-                        <a:rPr lang="en" sz="1400" dirty="0" smtClean="0">
+                        <a:rPr lang="en" sz="1400" dirty="0">
                           <a:latin typeface="Calibri" panose="020F0502020204030204" pitchFamily="34" charset="0"/>
                           <a:ea typeface="EB Garamond"/>
                           <a:cs typeface="Calibri" panose="020F0502020204030204" pitchFamily="34" charset="0"/>
@@ -27114,7 +25986,7 @@
                         <a:buNone/>
                       </a:pPr>
                       <a:r>
-                        <a:rPr lang="en-US" sz="1400" dirty="0" smtClean="0">
+                        <a:rPr lang="en-US" sz="1400" dirty="0">
                           <a:latin typeface="Calibri" panose="020F0502020204030204" pitchFamily="34" charset="0"/>
                           <a:ea typeface="EB Garamond"/>
                           <a:cs typeface="Calibri" panose="020F0502020204030204" pitchFamily="34" charset="0"/>
@@ -27559,7 +26431,7 @@
                         <a:buNone/>
                       </a:pPr>
                       <a:r>
-                        <a:rPr lang="en" sz="1400" dirty="0" smtClean="0">
+                        <a:rPr lang="en" sz="1400" dirty="0">
                           <a:latin typeface="Calibri" panose="020F0502020204030204" pitchFamily="34" charset="0"/>
                           <a:ea typeface="EB Garamond"/>
                           <a:cs typeface="Calibri" panose="020F0502020204030204" pitchFamily="34" charset="0"/>
@@ -27632,7 +26504,7 @@
                         <a:buNone/>
                       </a:pPr>
                       <a:r>
-                        <a:rPr lang="en" sz="1400" dirty="0" smtClean="0">
+                        <a:rPr lang="en" sz="1400" dirty="0">
                           <a:latin typeface="Calibri" panose="020F0502020204030204" pitchFamily="34" charset="0"/>
                           <a:ea typeface="EB Garamond"/>
                           <a:cs typeface="Calibri" panose="020F0502020204030204" pitchFamily="34" charset="0"/>
@@ -27708,7 +26580,7 @@
                         <a:buNone/>
                       </a:pPr>
                       <a:r>
-                        <a:rPr lang="en" sz="1400" dirty="0" smtClean="0">
+                        <a:rPr lang="en" sz="1400" dirty="0">
                           <a:latin typeface="Calibri" panose="020F0502020204030204" pitchFamily="34" charset="0"/>
                           <a:ea typeface="EB Garamond"/>
                           <a:cs typeface="Calibri" panose="020F0502020204030204" pitchFamily="34" charset="0"/>
@@ -27786,13 +26658,6 @@
   <p:clrMapOvr>
     <a:masterClrMapping/>
   </p:clrMapOvr>
-  <p:timing>
-    <p:tnLst>
-      <p:par>
-        <p:cTn id="1" dur="indefinite" restart="never" nodeType="tmRoot"/>
-      </p:par>
-    </p:tnLst>
-  </p:timing>
 </p:sld>
 </file>
 
@@ -27831,7 +26696,7 @@
           <a:lstStyle/>
           <a:p>
             <a:r>
-              <a:rPr lang="en-US" sz="3200" spc="0" dirty="0" smtClean="0">
+              <a:rPr lang="en-US" sz="3200" spc="0" dirty="0">
                 <a:solidFill>
                   <a:srgbClr val="0070C0"/>
                 </a:solidFill>
@@ -27888,7 +26753,7 @@
               <a:buChar char="•"/>
             </a:pPr>
             <a:r>
-              <a:rPr lang="en-US" sz="2000" dirty="0" smtClean="0">
+              <a:rPr lang="en-US" sz="2000" dirty="0">
                 <a:solidFill>
                   <a:srgbClr val="000000"/>
                 </a:solidFill>
@@ -27898,7 +26763,7 @@
               <a:t>What are </a:t>
             </a:r>
             <a:r>
-              <a:rPr lang="en-US" sz="2000" b="1" dirty="0" smtClean="0">
+              <a:rPr lang="en-US" sz="2000" b="1" dirty="0">
                 <a:solidFill>
                   <a:srgbClr val="000000"/>
                 </a:solidFill>
@@ -27959,7 +26824,7 @@
               <a:buChar char="•"/>
             </a:pPr>
             <a:r>
-              <a:rPr lang="en-US" sz="2000" dirty="0" smtClean="0">
+              <a:rPr lang="en-US" sz="2000" dirty="0">
                 <a:solidFill>
                   <a:srgbClr val="000000"/>
                 </a:solidFill>
@@ -27981,13 +26846,6 @@
   <p:clrMapOvr>
     <a:masterClrMapping/>
   </p:clrMapOvr>
-  <p:timing>
-    <p:tnLst>
-      <p:par>
-        <p:cTn id="1" dur="indefinite" restart="never" nodeType="tmRoot"/>
-      </p:par>
-    </p:tnLst>
-  </p:timing>
 </p:sld>
 </file>
 
@@ -28026,7 +26884,7 @@
           <a:lstStyle/>
           <a:p>
             <a:r>
-              <a:rPr lang="en-US" sz="3200" spc="0" dirty="0" smtClean="0">
+              <a:rPr lang="en-US" sz="3200" spc="0" dirty="0">
                 <a:solidFill>
                   <a:srgbClr val="0070C0"/>
                 </a:solidFill>
@@ -28083,7 +26941,7 @@
               <a:buChar char="•"/>
             </a:pPr>
             <a:r>
-              <a:rPr lang="en-US" sz="2400" b="1" dirty="0" smtClean="0">
+              <a:rPr lang="en-US" sz="2400" b="1" dirty="0">
                 <a:solidFill>
                   <a:srgbClr val="000000"/>
                 </a:solidFill>
@@ -28094,17 +26952,6 @@
               <a:t>Contrast coding </a:t>
             </a:r>
             <a:r>
-              <a:rPr lang="en-US" sz="2400" dirty="0" smtClean="0">
-                <a:solidFill>
-                  <a:srgbClr val="000000"/>
-                </a:solidFill>
-                <a:latin typeface="Calibri" panose="020F0502020204030204" pitchFamily="34" charset="0"/>
-                <a:cs typeface="Calibri" panose="020F0502020204030204" pitchFamily="34" charset="0"/>
-                <a:sym typeface="EB Garamond"/>
-              </a:rPr>
-              <a:t>is </a:t>
-            </a:r>
-            <a:r>
               <a:rPr lang="en-US" sz="2400" dirty="0">
                 <a:solidFill>
                   <a:srgbClr val="000000"/>
@@ -28113,7 +26960,7 @@
                 <a:cs typeface="Calibri" panose="020F0502020204030204" pitchFamily="34" charset="0"/>
                 <a:sym typeface="EB Garamond"/>
               </a:rPr>
-              <a:t>a weighted linear combination (L) of g means expressed in the form:</a:t>
+              <a:t>is a weighted linear combination (L) of g means expressed in the form:</a:t>
             </a:r>
           </a:p>
           <a:p>
@@ -28333,17 +27180,6 @@
               <a:buChar char="o"/>
             </a:pPr>
             <a:r>
-              <a:rPr lang="en-US" sz="1800" dirty="0" smtClean="0">
-                <a:solidFill>
-                  <a:schemeClr val="tx1"/>
-                </a:solidFill>
-                <a:latin typeface="Calibri" panose="020F0502020204030204" pitchFamily="34" charset="0"/>
-                <a:cs typeface="Calibri" panose="020F0502020204030204" pitchFamily="34" charset="0"/>
-                <a:sym typeface="EB Garamond"/>
-              </a:rPr>
-              <a:t>In </a:t>
-            </a:r>
-            <a:r>
               <a:rPr lang="en-US" sz="1800" dirty="0">
                 <a:solidFill>
                   <a:schemeClr val="tx1"/>
@@ -28352,40 +27188,7 @@
                 <a:cs typeface="Calibri" panose="020F0502020204030204" pitchFamily="34" charset="0"/>
                 <a:sym typeface="EB Garamond"/>
               </a:rPr>
-              <a:t>most instances, the weights, ci , i= 1 to g, </a:t>
-            </a:r>
-            <a:r>
-              <a:rPr lang="en-US" sz="1800" dirty="0" smtClean="0">
-                <a:solidFill>
-                  <a:schemeClr val="tx1"/>
-                </a:solidFill>
-                <a:latin typeface="Calibri" panose="020F0502020204030204" pitchFamily="34" charset="0"/>
-                <a:cs typeface="Calibri" panose="020F0502020204030204" pitchFamily="34" charset="0"/>
-                <a:sym typeface="EB Garamond"/>
-              </a:rPr>
-              <a:t>take </a:t>
-            </a:r>
-            <a:r>
-              <a:rPr lang="en-US" sz="1800" dirty="0">
-                <a:solidFill>
-                  <a:schemeClr val="tx1"/>
-                </a:solidFill>
-                <a:latin typeface="Calibri" panose="020F0502020204030204" pitchFamily="34" charset="0"/>
-                <a:cs typeface="Calibri" panose="020F0502020204030204" pitchFamily="34" charset="0"/>
-                <a:sym typeface="EB Garamond"/>
-              </a:rPr>
-              <a:t>on only two values (one positive and one negative), such that the sum of the c(i )=</a:t>
-            </a:r>
-            <a:r>
-              <a:rPr lang="en-US" sz="1800" dirty="0" smtClean="0">
-                <a:solidFill>
-                  <a:schemeClr val="tx1"/>
-                </a:solidFill>
-                <a:latin typeface="Calibri" panose="020F0502020204030204" pitchFamily="34" charset="0"/>
-                <a:cs typeface="Calibri" panose="020F0502020204030204" pitchFamily="34" charset="0"/>
-                <a:sym typeface="EB Garamond"/>
-              </a:rPr>
-              <a:t>0 </a:t>
+              <a:t>In most instances, the weights, ci , i= 1 to g, take on only two values (one positive and one negative), such that the sum of the c(i )=0 </a:t>
             </a:r>
           </a:p>
           <a:p>
@@ -28402,7 +27205,7 @@
               <a:buChar char="o"/>
             </a:pPr>
             <a:r>
-              <a:rPr lang="en-US" sz="1800" dirty="0" smtClean="0">
+              <a:rPr lang="en-US" sz="1800" dirty="0">
                 <a:solidFill>
                   <a:srgbClr val="000000"/>
                 </a:solidFill>
@@ -28414,7 +27217,7 @@
               <a:t>c</a:t>
             </a:r>
             <a:r>
-              <a:rPr lang="en-US" sz="1800" baseline="-25000" dirty="0" smtClean="0">
+              <a:rPr lang="en-US" sz="1800" baseline="-25000" dirty="0">
                 <a:solidFill>
                   <a:srgbClr val="000000"/>
                 </a:solidFill>
@@ -28426,18 +27229,6 @@
               <a:t>i</a:t>
             </a:r>
             <a:r>
-              <a:rPr lang="en-US" sz="1800" dirty="0" smtClean="0">
-                <a:solidFill>
-                  <a:srgbClr val="000000"/>
-                </a:solidFill>
-                <a:latin typeface="Calibri" panose="020F0502020204030204" pitchFamily="34" charset="0"/>
-                <a:ea typeface="EB Garamond"/>
-                <a:cs typeface="Calibri" panose="020F0502020204030204" pitchFamily="34" charset="0"/>
-                <a:sym typeface="EB Garamond"/>
-              </a:rPr>
-              <a:t> </a:t>
-            </a:r>
-            <a:r>
               <a:rPr lang="en-US" sz="1800" dirty="0">
                 <a:solidFill>
                   <a:srgbClr val="000000"/>
@@ -28447,19 +27238,7 @@
                 <a:cs typeface="Calibri" panose="020F0502020204030204" pitchFamily="34" charset="0"/>
                 <a:sym typeface="EB Garamond"/>
               </a:rPr>
-              <a:t>could be integers or </a:t>
-            </a:r>
-            <a:r>
-              <a:rPr lang="en-US" sz="1800" dirty="0" smtClean="0">
-                <a:solidFill>
-                  <a:srgbClr val="000000"/>
-                </a:solidFill>
-                <a:latin typeface="Calibri" panose="020F0502020204030204" pitchFamily="34" charset="0"/>
-                <a:ea typeface="EB Garamond"/>
-                <a:cs typeface="Calibri" panose="020F0502020204030204" pitchFamily="34" charset="0"/>
-                <a:sym typeface="EB Garamond"/>
-              </a:rPr>
-              <a:t>fractions </a:t>
+              <a:t> could be integers or fractions </a:t>
             </a:r>
           </a:p>
           <a:p>
@@ -28476,18 +27255,6 @@
               <a:buChar char="o"/>
             </a:pPr>
             <a:r>
-              <a:rPr lang="en-US" sz="1800" dirty="0" smtClean="0">
-                <a:solidFill>
-                  <a:srgbClr val="000000"/>
-                </a:solidFill>
-                <a:latin typeface="Calibri" panose="020F0502020204030204" pitchFamily="34" charset="0"/>
-                <a:ea typeface="EB Garamond"/>
-                <a:cs typeface="Calibri" panose="020F0502020204030204" pitchFamily="34" charset="0"/>
-                <a:sym typeface="EB Garamond"/>
-              </a:rPr>
-              <a:t>By </a:t>
-            </a:r>
-            <a:r>
               <a:rPr lang="en-US" sz="1800" dirty="0">
                 <a:solidFill>
                   <a:srgbClr val="000000"/>
@@ -28497,7 +27264,7 @@
                 <a:cs typeface="Calibri" panose="020F0502020204030204" pitchFamily="34" charset="0"/>
                 <a:sym typeface="EB Garamond"/>
               </a:rPr>
-              <a:t>using two values, two subsets of the original g groups are compared to one another</a:t>
+              <a:t>By using two values, two subsets of the original g groups are compared to one another</a:t>
             </a:r>
           </a:p>
           <a:p>
@@ -28564,7 +27331,7 @@
               <a:buFont typeface="Arial" panose="020B0604020202020204" pitchFamily="34" charset="0"/>
               <a:buChar char="•"/>
             </a:pPr>
-            <a:endParaRPr lang="en-US" sz="2400" dirty="0" smtClean="0">
+            <a:endParaRPr lang="en-US" sz="2400" dirty="0">
               <a:solidFill>
                 <a:srgbClr val="000000"/>
               </a:solidFill>
@@ -28590,17 +27357,6 @@
               <a:buChar char="•"/>
             </a:pPr>
             <a:r>
-              <a:rPr lang="en-US" sz="2400" dirty="0" smtClean="0">
-                <a:solidFill>
-                  <a:srgbClr val="000000"/>
-                </a:solidFill>
-                <a:latin typeface="Calibri" panose="020F0502020204030204" pitchFamily="34" charset="0"/>
-                <a:cs typeface="Calibri" panose="020F0502020204030204" pitchFamily="34" charset="0"/>
-                <a:sym typeface="EB Garamond"/>
-              </a:rPr>
-              <a:t>By </a:t>
-            </a:r>
-            <a:r>
               <a:rPr lang="en-US" sz="2400" dirty="0">
                 <a:solidFill>
                   <a:srgbClr val="000000"/>
@@ -28609,27 +27365,8 @@
                 <a:cs typeface="Calibri" panose="020F0502020204030204" pitchFamily="34" charset="0"/>
                 <a:sym typeface="EB Garamond"/>
               </a:rPr>
-              <a:t>using these fractions, the contrast represents the difference between the unweighted means of the groups comprising the two </a:t>
+              <a:t>By using these fractions, the contrast represents the difference between the unweighted means of the groups comprising the two subsets</a:t>
             </a:r>
-            <a:r>
-              <a:rPr lang="en-US" sz="2400" dirty="0">
-                <a:solidFill>
-                  <a:srgbClr val="000000"/>
-                </a:solidFill>
-                <a:latin typeface="Calibri" panose="020F0502020204030204" pitchFamily="34" charset="0"/>
-                <a:cs typeface="Calibri" panose="020F0502020204030204" pitchFamily="34" charset="0"/>
-                <a:sym typeface="EB Garamond"/>
-              </a:rPr>
-              <a:t>subsets</a:t>
-            </a:r>
-            <a:endParaRPr lang="en-US" sz="2400" dirty="0">
-              <a:solidFill>
-                <a:srgbClr val="000000"/>
-              </a:solidFill>
-              <a:latin typeface="Calibri" panose="020F0502020204030204" pitchFamily="34" charset="0"/>
-              <a:cs typeface="Calibri" panose="020F0502020204030204" pitchFamily="34" charset="0"/>
-              <a:sym typeface="EB Garamond"/>
-            </a:endParaRPr>
           </a:p>
         </p:txBody>
       </p:sp>
@@ -28643,13 +27380,6 @@
   <p:clrMapOvr>
     <a:masterClrMapping/>
   </p:clrMapOvr>
-  <p:timing>
-    <p:tnLst>
-      <p:par>
-        <p:cTn id="1" dur="indefinite" restart="never" nodeType="tmRoot"/>
-      </p:par>
-    </p:tnLst>
-  </p:timing>
 </p:sld>
 </file>
 
@@ -28695,25 +27425,8 @@
                 <a:latin typeface="Calibri" panose="020F0502020204030204" pitchFamily="34" charset="0"/>
                 <a:cs typeface="Calibri" panose="020F0502020204030204" pitchFamily="34" charset="0"/>
               </a:rPr>
-              <a:t>Agenda – </a:t>
+              <a:t>Agenda – Variable coding</a:t>
             </a:r>
-            <a:r>
-              <a:rPr lang="en-US" sz="3200" spc="0" dirty="0" smtClean="0">
-                <a:solidFill>
-                  <a:srgbClr val="0070C0"/>
-                </a:solidFill>
-                <a:latin typeface="Calibri" panose="020F0502020204030204" pitchFamily="34" charset="0"/>
-                <a:cs typeface="Calibri" panose="020F0502020204030204" pitchFamily="34" charset="0"/>
-              </a:rPr>
-              <a:t>Variable coding</a:t>
-            </a:r>
-            <a:endParaRPr lang="en-US" sz="3200" spc="0" dirty="0">
-              <a:solidFill>
-                <a:srgbClr val="0070C0"/>
-              </a:solidFill>
-              <a:latin typeface="Calibri" panose="020F0502020204030204" pitchFamily="34" charset="0"/>
-              <a:cs typeface="Calibri" panose="020F0502020204030204" pitchFamily="34" charset="0"/>
-            </a:endParaRPr>
           </a:p>
         </p:txBody>
       </p:sp>
@@ -28816,27 +27529,7 @@
                 <a:latin typeface="Calibri" panose="020F0502020204030204" pitchFamily="34" charset="0"/>
                 <a:cs typeface="Calibri" panose="020F0502020204030204" pitchFamily="34" charset="0"/>
               </a:rPr>
-              <a:t>Variable </a:t>
-            </a:r>
-            <a:r>
-              <a:rPr lang="en-US" sz="2400" dirty="0" smtClean="0">
-                <a:solidFill>
-                  <a:schemeClr val="tx1"/>
-                </a:solidFill>
-                <a:latin typeface="Calibri" panose="020F0502020204030204" pitchFamily="34" charset="0"/>
-                <a:cs typeface="Calibri" panose="020F0502020204030204" pitchFamily="34" charset="0"/>
-              </a:rPr>
-              <a:t>coding – Dummy</a:t>
-            </a:r>
-            <a:r>
-              <a:rPr lang="en-US" sz="2400" dirty="0">
-                <a:solidFill>
-                  <a:schemeClr val="tx1"/>
-                </a:solidFill>
-                <a:latin typeface="Calibri" panose="020F0502020204030204" pitchFamily="34" charset="0"/>
-                <a:cs typeface="Calibri" panose="020F0502020204030204" pitchFamily="34" charset="0"/>
-              </a:rPr>
-              <a:t>, effect, and orthogonal coding</a:t>
+              <a:t>Variable coding – Dummy, effect, and orthogonal coding</a:t>
             </a:r>
           </a:p>
           <a:p>
@@ -28856,7 +27549,7 @@
               <a:buChar char="•"/>
             </a:pPr>
             <a:r>
-              <a:rPr lang="en-US" sz="2400" dirty="0" smtClean="0">
+              <a:rPr lang="en-US" sz="2400" dirty="0">
                 <a:solidFill>
                   <a:schemeClr val="tx1"/>
                 </a:solidFill>
@@ -28883,7 +27576,7 @@
               <a:buChar char="•"/>
             </a:pPr>
             <a:r>
-              <a:rPr lang="en-US" sz="2400" dirty="0" smtClean="0">
+              <a:rPr lang="en-US" sz="2400" dirty="0">
                 <a:solidFill>
                   <a:schemeClr val="tx1"/>
                 </a:solidFill>
@@ -28893,7 +27586,7 @@
               <a:t>Limitations of coding </a:t>
             </a:r>
             <a:r>
-              <a:rPr lang="en-US" sz="2400" smtClean="0">
+              <a:rPr lang="en-US" sz="2400">
                 <a:solidFill>
                   <a:schemeClr val="tx1"/>
                 </a:solidFill>
@@ -28902,7 +27595,7 @@
               </a:rPr>
               <a:t>methods </a:t>
             </a:r>
-            <a:endParaRPr lang="en-US" sz="2400" dirty="0" smtClean="0">
+            <a:endParaRPr lang="en-US" sz="2400" dirty="0">
               <a:solidFill>
                 <a:schemeClr val="tx1"/>
               </a:solidFill>
@@ -28922,13 +27615,6 @@
   <p:clrMapOvr>
     <a:masterClrMapping/>
   </p:clrMapOvr>
-  <p:timing>
-    <p:tnLst>
-      <p:par>
-        <p:cTn id="1" dur="indefinite" restart="never" nodeType="tmRoot"/>
-      </p:par>
-    </p:tnLst>
-  </p:timing>
 </p:sld>
 </file>
 
@@ -28967,7 +27653,7 @@
           <a:lstStyle/>
           <a:p>
             <a:r>
-              <a:rPr lang="en-US" sz="3200" spc="0" dirty="0" smtClean="0">
+              <a:rPr lang="en-US" sz="3200" spc="0" dirty="0">
                 <a:solidFill>
                   <a:srgbClr val="0070C0"/>
                 </a:solidFill>
@@ -29032,29 +27718,7 @@
                 <a:cs typeface="Calibri" panose="020F0502020204030204" pitchFamily="34" charset="0"/>
                 <a:sym typeface="EB Garamond"/>
               </a:rPr>
-              <a:t>Orthogonal </a:t>
-            </a:r>
-            <a:r>
-              <a:rPr lang="en-US" sz="2400" dirty="0" smtClean="0">
-                <a:solidFill>
-                  <a:srgbClr val="000000"/>
-                </a:solidFill>
-                <a:latin typeface="Calibri" panose="020F0502020204030204" pitchFamily="34" charset="0"/>
-                <a:cs typeface="Calibri" panose="020F0502020204030204" pitchFamily="34" charset="0"/>
-                <a:sym typeface="EB Garamond"/>
-              </a:rPr>
-              <a:t>coding is a special form of contrast coding, in </a:t>
-            </a:r>
-            <a:r>
-              <a:rPr lang="en-US" sz="2400" dirty="0">
-                <a:solidFill>
-                  <a:srgbClr val="000000"/>
-                </a:solidFill>
-                <a:latin typeface="Calibri" panose="020F0502020204030204" pitchFamily="34" charset="0"/>
-                <a:cs typeface="Calibri" panose="020F0502020204030204" pitchFamily="34" charset="0"/>
-                <a:sym typeface="EB Garamond"/>
-              </a:rPr>
-              <a:t>which the products of the weights for the two contrasts sum to zero</a:t>
+              <a:t>Orthogonal coding is a special form of contrast coding, in which the products of the weights for the two contrasts sum to zero</a:t>
             </a:r>
           </a:p>
           <a:p>
@@ -29071,7 +27735,7 @@
               <a:buChar char="o"/>
             </a:pPr>
             <a:r>
-              <a:rPr lang="en-US" sz="1800" dirty="0" err="1" smtClean="0">
+              <a:rPr lang="en-US" sz="1800" dirty="0" err="1">
                 <a:solidFill>
                   <a:srgbClr val="000000"/>
                 </a:solidFill>
@@ -29092,79 +27756,7 @@
                 <a:cs typeface="Calibri" panose="020F0502020204030204" pitchFamily="34" charset="0"/>
                 <a:sym typeface="EB Garamond"/>
               </a:rPr>
-              <a:t>=(</a:t>
-            </a:r>
-            <a:r>
-              <a:rPr lang="en-US" sz="1800" dirty="0" smtClean="0">
-                <a:solidFill>
-                  <a:srgbClr val="000000"/>
-                </a:solidFill>
-                <a:latin typeface="Calibri" panose="020F0502020204030204" pitchFamily="34" charset="0"/>
-                <a:ea typeface="EB Garamond"/>
-                <a:cs typeface="Calibri" panose="020F0502020204030204" pitchFamily="34" charset="0"/>
-                <a:sym typeface="EB Garamond"/>
-              </a:rPr>
-              <a:t>1 x-1</a:t>
-            </a:r>
-            <a:r>
-              <a:rPr lang="en-US" sz="1800" dirty="0">
-                <a:solidFill>
-                  <a:srgbClr val="000000"/>
-                </a:solidFill>
-                <a:latin typeface="Calibri" panose="020F0502020204030204" pitchFamily="34" charset="0"/>
-                <a:ea typeface="EB Garamond"/>
-                <a:cs typeface="Calibri" panose="020F0502020204030204" pitchFamily="34" charset="0"/>
-                <a:sym typeface="EB Garamond"/>
-              </a:rPr>
-              <a:t>)+(1 x 0) + (0 </a:t>
-            </a:r>
-            <a:r>
-              <a:rPr lang="en-US" sz="1800" dirty="0" smtClean="0">
-                <a:solidFill>
-                  <a:srgbClr val="000000"/>
-                </a:solidFill>
-                <a:latin typeface="Calibri" panose="020F0502020204030204" pitchFamily="34" charset="0"/>
-                <a:ea typeface="EB Garamond"/>
-                <a:cs typeface="Calibri" panose="020F0502020204030204" pitchFamily="34" charset="0"/>
-                <a:sym typeface="EB Garamond"/>
-              </a:rPr>
-              <a:t>x 1</a:t>
-            </a:r>
-            <a:r>
-              <a:rPr lang="en-US" sz="1800" dirty="0">
-                <a:solidFill>
-                  <a:srgbClr val="000000"/>
-                </a:solidFill>
-                <a:latin typeface="Calibri" panose="020F0502020204030204" pitchFamily="34" charset="0"/>
-                <a:ea typeface="EB Garamond"/>
-                <a:cs typeface="Calibri" panose="020F0502020204030204" pitchFamily="34" charset="0"/>
-                <a:sym typeface="EB Garamond"/>
-              </a:rPr>
-              <a:t>) + (-1 </a:t>
-            </a:r>
-            <a:r>
-              <a:rPr lang="en-US" sz="1800" dirty="0" smtClean="0">
-                <a:solidFill>
-                  <a:srgbClr val="000000"/>
-                </a:solidFill>
-                <a:latin typeface="Calibri" panose="020F0502020204030204" pitchFamily="34" charset="0"/>
-                <a:ea typeface="EB Garamond"/>
-                <a:cs typeface="Calibri" panose="020F0502020204030204" pitchFamily="34" charset="0"/>
-                <a:sym typeface="EB Garamond"/>
-              </a:rPr>
-              <a:t>x 1</a:t>
-            </a:r>
-            <a:r>
-              <a:rPr lang="en-US" sz="1800" dirty="0">
-                <a:solidFill>
-                  <a:srgbClr val="000000"/>
-                </a:solidFill>
-                <a:latin typeface="Calibri" panose="020F0502020204030204" pitchFamily="34" charset="0"/>
-                <a:ea typeface="EB Garamond"/>
-                <a:cs typeface="Calibri" panose="020F0502020204030204" pitchFamily="34" charset="0"/>
-                <a:sym typeface="EB Garamond"/>
-              </a:rPr>
-              <a:t>)+(½  x ½ )+(1 x -¼ )=-1+0+0+1+¼-¼= 0</a:t>
+              <a:t>=(1 x-1)+(1 x 0) + (0 x 1) + (-1 x 1)+(½  x ½ )+(1 x -¼ )=-1+0+0+1+¼-¼= 0</a:t>
             </a:r>
           </a:p>
           <a:p>
@@ -31435,13 +30027,6 @@
   <p:clrMapOvr>
     <a:masterClrMapping/>
   </p:clrMapOvr>
-  <p:timing>
-    <p:tnLst>
-      <p:par>
-        <p:cTn id="1" dur="indefinite" restart="never" nodeType="tmRoot"/>
-      </p:par>
-    </p:tnLst>
-  </p:timing>
 </p:sld>
 </file>
 
@@ -31480,7 +30065,7 @@
           <a:lstStyle/>
           <a:p>
             <a:r>
-              <a:rPr lang="en-US" sz="3200" spc="0" dirty="0" smtClean="0">
+              <a:rPr lang="en-US" sz="3200" spc="0" dirty="0">
                 <a:solidFill>
                   <a:srgbClr val="0070C0"/>
                 </a:solidFill>
@@ -31739,27 +30324,8 @@
                 <a:cs typeface="Calibri" panose="020F0502020204030204" pitchFamily="34" charset="0"/>
                 <a:sym typeface="EB Garamond"/>
               </a:rPr>
-              <a:t>When the fractional coding scheme is used, regression coefficients represent the difference between the unweighted means of the groups forming the two </a:t>
+              <a:t>When the fractional coding scheme is used, regression coefficients represent the difference between the unweighted means of the groups forming the two subsets</a:t>
             </a:r>
-            <a:r>
-              <a:rPr lang="en-US" sz="2000" dirty="0" smtClean="0">
-                <a:solidFill>
-                  <a:srgbClr val="000000"/>
-                </a:solidFill>
-                <a:latin typeface="Calibri" panose="020F0502020204030204" pitchFamily="34" charset="0"/>
-                <a:cs typeface="Calibri" panose="020F0502020204030204" pitchFamily="34" charset="0"/>
-                <a:sym typeface="EB Garamond"/>
-              </a:rPr>
-              <a:t>subsets</a:t>
-            </a:r>
-            <a:endParaRPr lang="en-US" sz="2000" dirty="0">
-              <a:solidFill>
-                <a:srgbClr val="000000"/>
-              </a:solidFill>
-              <a:latin typeface="Calibri" panose="020F0502020204030204" pitchFamily="34" charset="0"/>
-              <a:cs typeface="Calibri" panose="020F0502020204030204" pitchFamily="34" charset="0"/>
-              <a:sym typeface="EB Garamond"/>
-            </a:endParaRPr>
           </a:p>
         </p:txBody>
       </p:sp>
@@ -31773,13 +30339,6 @@
   <p:clrMapOvr>
     <a:masterClrMapping/>
   </p:clrMapOvr>
-  <p:timing>
-    <p:tnLst>
-      <p:par>
-        <p:cTn id="1" dur="indefinite" restart="never" nodeType="tmRoot"/>
-      </p:par>
-    </p:tnLst>
-  </p:timing>
 </p:sld>
 </file>
 
@@ -31818,7 +30377,7 @@
           <a:lstStyle/>
           <a:p>
             <a:r>
-              <a:rPr lang="en-US" sz="3200" spc="0" dirty="0" smtClean="0">
+              <a:rPr lang="en-US" sz="3200" spc="0" dirty="0">
                 <a:solidFill>
                   <a:srgbClr val="0070C0"/>
                 </a:solidFill>
@@ -32066,27 +30625,8 @@
                 <a:cs typeface="Calibri" panose="020F0502020204030204" pitchFamily="34" charset="0"/>
                 <a:sym typeface="EB Garamond"/>
               </a:rPr>
-              <a:t>of </a:t>
+              <a:t>of means</a:t>
             </a:r>
-            <a:r>
-              <a:rPr lang="en-US" sz="2400" dirty="0" smtClean="0">
-                <a:solidFill>
-                  <a:srgbClr val="000000"/>
-                </a:solidFill>
-                <a:latin typeface="Calibri" panose="020F0502020204030204" pitchFamily="34" charset="0"/>
-                <a:cs typeface="Calibri" panose="020F0502020204030204" pitchFamily="34" charset="0"/>
-                <a:sym typeface="EB Garamond"/>
-              </a:rPr>
-              <a:t>means</a:t>
-            </a:r>
-            <a:endParaRPr lang="en-US" sz="2400" dirty="0">
-              <a:solidFill>
-                <a:srgbClr val="000000"/>
-              </a:solidFill>
-              <a:latin typeface="Calibri" panose="020F0502020204030204" pitchFamily="34" charset="0"/>
-              <a:cs typeface="Calibri" panose="020F0502020204030204" pitchFamily="34" charset="0"/>
-              <a:sym typeface="EB Garamond"/>
-            </a:endParaRPr>
           </a:p>
         </p:txBody>
       </p:sp>
@@ -32100,13 +30640,6 @@
   <p:clrMapOvr>
     <a:masterClrMapping/>
   </p:clrMapOvr>
-  <p:timing>
-    <p:tnLst>
-      <p:par>
-        <p:cTn id="1" dur="indefinite" restart="never" nodeType="tmRoot"/>
-      </p:par>
-    </p:tnLst>
-  </p:timing>
 </p:sld>
 </file>
 
@@ -32145,7 +30678,7 @@
           <a:lstStyle/>
           <a:p>
             <a:r>
-              <a:rPr lang="en-US" sz="3200" spc="0" dirty="0" smtClean="0">
+              <a:rPr lang="en-US" sz="3200" spc="0" dirty="0">
                 <a:solidFill>
                   <a:srgbClr val="0070C0"/>
                 </a:solidFill>
@@ -32210,40 +30743,7 @@
                 <a:cs typeface="Calibri" panose="020F0502020204030204" pitchFamily="34" charset="0"/>
                 <a:sym typeface="EB Garamond"/>
               </a:rPr>
-              <a:t>Model: y (DV) </a:t>
-            </a:r>
-            <a:r>
-              <a:rPr lang="en-US" sz="2400" dirty="0" smtClean="0">
-                <a:solidFill>
-                  <a:srgbClr val="000000"/>
-                </a:solidFill>
-                <a:latin typeface="Calibri" panose="020F0502020204030204" pitchFamily="34" charset="0"/>
-                <a:cs typeface="Calibri" panose="020F0502020204030204" pitchFamily="34" charset="0"/>
-                <a:sym typeface="EB Garamond"/>
-              </a:rPr>
-              <a:t>with k </a:t>
-            </a:r>
-            <a:r>
-              <a:rPr lang="en-US" sz="2400" dirty="0">
-                <a:solidFill>
-                  <a:srgbClr val="000000"/>
-                </a:solidFill>
-                <a:latin typeface="Calibri" panose="020F0502020204030204" pitchFamily="34" charset="0"/>
-                <a:cs typeface="Calibri" panose="020F0502020204030204" pitchFamily="34" charset="0"/>
-                <a:sym typeface="EB Garamond"/>
-              </a:rPr>
-              <a:t>coded vectors (k = number of groups minus one) </a:t>
-            </a:r>
-            <a:r>
-              <a:rPr lang="en-US" sz="2400" dirty="0" smtClean="0">
-                <a:solidFill>
-                  <a:srgbClr val="000000"/>
-                </a:solidFill>
-                <a:latin typeface="Calibri" panose="020F0502020204030204" pitchFamily="34" charset="0"/>
-                <a:cs typeface="Calibri" panose="020F0502020204030204" pitchFamily="34" charset="0"/>
-                <a:sym typeface="EB Garamond"/>
-              </a:rPr>
-              <a:t>reflect </a:t>
+              <a:t>Model: y (DV) with k coded vectors (k = number of groups minus one) reflect </a:t>
             </a:r>
             <a:r>
               <a:rPr lang="en-US" sz="2400" b="1" dirty="0">
@@ -32407,7 +30907,7 @@
               <a:t>Predictions based on the regression equations resulting from the different coding methods are also </a:t>
             </a:r>
             <a:r>
-              <a:rPr lang="en-US" sz="2400" b="1" dirty="0" smtClean="0">
+              <a:rPr lang="en-US" sz="2400" b="1" dirty="0">
                 <a:solidFill>
                   <a:srgbClr val="000000"/>
                 </a:solidFill>
@@ -32417,14 +30917,6 @@
               </a:rPr>
               <a:t>identical</a:t>
             </a:r>
-            <a:endParaRPr lang="en-US" sz="2400" b="1" dirty="0">
-              <a:solidFill>
-                <a:srgbClr val="000000"/>
-              </a:solidFill>
-              <a:latin typeface="Calibri" panose="020F0502020204030204" pitchFamily="34" charset="0"/>
-              <a:cs typeface="Calibri" panose="020F0502020204030204" pitchFamily="34" charset="0"/>
-              <a:sym typeface="EB Garamond"/>
-            </a:endParaRPr>
           </a:p>
         </p:txBody>
       </p:sp>
@@ -32438,13 +30930,6 @@
   <p:clrMapOvr>
     <a:masterClrMapping/>
   </p:clrMapOvr>
-  <p:timing>
-    <p:tnLst>
-      <p:par>
-        <p:cTn id="1" dur="indefinite" restart="never" nodeType="tmRoot"/>
-      </p:par>
-    </p:tnLst>
-  </p:timing>
 </p:sld>
 </file>
 
@@ -32483,7 +30968,7 @@
           <a:lstStyle/>
           <a:p>
             <a:r>
-              <a:rPr lang="en-US" sz="3200" spc="0" dirty="0" smtClean="0">
+              <a:rPr lang="en-US" sz="3200" spc="0" dirty="0">
                 <a:solidFill>
                   <a:srgbClr val="0070C0"/>
                 </a:solidFill>
@@ -32666,13 +31151,6 @@
   <p:clrMapOvr>
     <a:masterClrMapping/>
   </p:clrMapOvr>
-  <p:timing>
-    <p:tnLst>
-      <p:par>
-        <p:cTn id="1" dur="indefinite" restart="never" nodeType="tmRoot"/>
-      </p:par>
-    </p:tnLst>
-  </p:timing>
 </p:sld>
 </file>
 
@@ -32711,7 +31189,7 @@
           <a:lstStyle/>
           <a:p>
             <a:r>
-              <a:rPr lang="en" sz="3200" spc="0" dirty="0" smtClean="0">
+              <a:rPr lang="en" sz="3200" spc="0" dirty="0">
                 <a:solidFill>
                   <a:srgbClr val="0070C0"/>
                 </a:solidFill>
@@ -32780,56 +31258,7 @@
                 <a:cs typeface="Calibri" panose="020F0502020204030204" pitchFamily="34" charset="0"/>
                 <a:sym typeface="EB Garamond"/>
               </a:rPr>
-              <a:t>Core Guide: Dummy and Effect Coding in the </a:t>
-            </a:r>
-            <a:r>
-              <a:rPr lang="en-US" sz="1800" dirty="0" smtClean="0">
-                <a:solidFill>
-                  <a:schemeClr val="tx1"/>
-                </a:solidFill>
-                <a:latin typeface="Calibri" panose="020F0502020204030204" pitchFamily="34" charset="0"/>
-                <a:ea typeface="EB Garamond"/>
-                <a:cs typeface="Calibri" panose="020F0502020204030204" pitchFamily="34" charset="0"/>
-                <a:sym typeface="EB Garamond"/>
-              </a:rPr>
-              <a:t>Analysis </a:t>
-            </a:r>
-            <a:r>
-              <a:rPr lang="en-US" sz="1800" dirty="0">
-                <a:solidFill>
-                  <a:schemeClr val="tx1"/>
-                </a:solidFill>
-                <a:latin typeface="Calibri" panose="020F0502020204030204" pitchFamily="34" charset="0"/>
-                <a:ea typeface="EB Garamond"/>
-                <a:cs typeface="Calibri" panose="020F0502020204030204" pitchFamily="34" charset="0"/>
-                <a:sym typeface="EB Garamond"/>
-              </a:rPr>
-              <a:t>of Factorial Designs. Retrieved </a:t>
-            </a:r>
-            <a:r>
-              <a:rPr lang="en-US" sz="1800" dirty="0" smtClean="0">
-                <a:solidFill>
-                  <a:schemeClr val="tx1"/>
-                </a:solidFill>
-                <a:latin typeface="Calibri" panose="020F0502020204030204" pitchFamily="34" charset="0"/>
-                <a:ea typeface="EB Garamond"/>
-                <a:cs typeface="Calibri" panose="020F0502020204030204" pitchFamily="34" charset="0"/>
-                <a:sym typeface="EB Garamond"/>
-              </a:rPr>
-              <a:t>from </a:t>
-            </a:r>
-            <a:r>
-              <a:rPr lang="en-US" sz="1800" dirty="0" smtClean="0">
-                <a:solidFill>
-                  <a:schemeClr val="tx1"/>
-                </a:solidFill>
-                <a:latin typeface="Calibri" panose="020F0502020204030204" pitchFamily="34" charset="0"/>
-                <a:ea typeface="EB Garamond"/>
-                <a:cs typeface="Calibri" panose="020F0502020204030204" pitchFamily="34" charset="0"/>
-                <a:sym typeface="EB Garamond"/>
-                <a:hlinkClick r:id="rId2"/>
-              </a:rPr>
-              <a:t>https</a:t>
+              <a:t>Core Guide: Dummy and Effect Coding in the Analysis of Factorial Designs. Retrieved from </a:t>
             </a:r>
             <a:r>
               <a:rPr lang="en-US" sz="1800" dirty="0">
@@ -32842,23 +31271,10 @@
                 <a:sym typeface="EB Garamond"/>
                 <a:hlinkClick r:id="rId2"/>
               </a:rPr>
-              <a:t>://</a:t>
+              <a:t>https://sites.globalhealth.duke.edu/rdac/wp-content/uploads/sites/27/2020/08/Core-Guide_Dummy-and-Effect-Coding_16-03-20.pdf</a:t>
             </a:r>
             <a:r>
-              <a:rPr lang="en-US" sz="1800" dirty="0" smtClean="0">
-                <a:solidFill>
-                  <a:schemeClr val="tx1"/>
-                </a:solidFill>
-                <a:latin typeface="Calibri" panose="020F0502020204030204" pitchFamily="34" charset="0"/>
-                <a:ea typeface="EB Garamond"/>
-                <a:cs typeface="Calibri" panose="020F0502020204030204" pitchFamily="34" charset="0"/>
-                <a:sym typeface="EB Garamond"/>
-                <a:hlinkClick r:id="rId2"/>
-              </a:rPr>
-              <a:t>sites.globalhealth.duke.edu/rdac/wp-content/uploads/sites/27/2020/08/Core-Guide_Dummy-and-Effect-Coding_16-03-20.pdf</a:t>
-            </a:r>
-            <a:r>
-              <a:rPr lang="en-US" sz="1800" dirty="0" smtClean="0">
+              <a:rPr lang="en-US" sz="1800" dirty="0">
                 <a:solidFill>
                   <a:schemeClr val="tx1"/>
                 </a:solidFill>
@@ -32869,15 +31285,6 @@
               </a:rPr>
               <a:t> </a:t>
             </a:r>
-            <a:endParaRPr lang="en-US" sz="1800" dirty="0">
-              <a:solidFill>
-                <a:schemeClr val="tx1"/>
-              </a:solidFill>
-              <a:latin typeface="Calibri" panose="020F0502020204030204" pitchFamily="34" charset="0"/>
-              <a:ea typeface="EB Garamond"/>
-              <a:cs typeface="Calibri" panose="020F0502020204030204" pitchFamily="34" charset="0"/>
-              <a:sym typeface="EB Garamond"/>
-            </a:endParaRPr>
           </a:p>
           <a:p>
             <a:pPr marL="400050" lvl="0" indent="-285750">
@@ -32935,32 +31342,7 @@
                 <a:cs typeface="Calibri" panose="020F0502020204030204" pitchFamily="34" charset="0"/>
                 <a:sym typeface="EB Garamond"/>
               </a:rPr>
-              <a:t>Coding Systems for Categorical Variables in Regression Analysis. Retrieved </a:t>
-            </a:r>
-            <a:r>
-              <a:rPr lang="en-US" sz="1800" dirty="0" smtClean="0">
-                <a:solidFill>
-                  <a:schemeClr val="tx1"/>
-                </a:solidFill>
-                <a:latin typeface="Calibri" panose="020F0502020204030204" pitchFamily="34" charset="0"/>
-                <a:ea typeface="EB Garamond"/>
-                <a:cs typeface="Calibri" panose="020F0502020204030204" pitchFamily="34" charset="0"/>
-                <a:sym typeface="EB Garamond"/>
-              </a:rPr>
-              <a:t>from </a:t>
-            </a:r>
-            <a:r>
-              <a:rPr lang="en-US" sz="1800" dirty="0" smtClean="0">
-                <a:solidFill>
-                  <a:schemeClr val="tx1"/>
-                </a:solidFill>
-                <a:latin typeface="Calibri" panose="020F0502020204030204" pitchFamily="34" charset="0"/>
-                <a:ea typeface="EB Garamond"/>
-                <a:cs typeface="Calibri" panose="020F0502020204030204" pitchFamily="34" charset="0"/>
-                <a:sym typeface="EB Garamond"/>
-                <a:hlinkClick r:id="rId3"/>
-              </a:rPr>
-              <a:t>https</a:t>
+              <a:t>Coding Systems for Categorical Variables in Regression Analysis. Retrieved from </a:t>
             </a:r>
             <a:r>
               <a:rPr lang="en-US" sz="1800" dirty="0">
@@ -32973,23 +31355,10 @@
                 <a:sym typeface="EB Garamond"/>
                 <a:hlinkClick r:id="rId3"/>
               </a:rPr>
-              <a:t>://stats.idre.ucla.edu/spss/faq/coding-systems-for-categorical-variables-in-regression-analysis</a:t>
+              <a:t>https://stats.idre.ucla.edu/spss/faq/coding-systems-for-categorical-variables-in-regression-analysis/</a:t>
             </a:r>
             <a:r>
-              <a:rPr lang="en-US" sz="1800" dirty="0" smtClean="0">
-                <a:solidFill>
-                  <a:schemeClr val="tx1"/>
-                </a:solidFill>
-                <a:latin typeface="Calibri" panose="020F0502020204030204" pitchFamily="34" charset="0"/>
-                <a:ea typeface="EB Garamond"/>
-                <a:cs typeface="Calibri" panose="020F0502020204030204" pitchFamily="34" charset="0"/>
-                <a:sym typeface="EB Garamond"/>
-                <a:hlinkClick r:id="rId3"/>
-              </a:rPr>
-              <a:t>/</a:t>
-            </a:r>
-            <a:r>
-              <a:rPr lang="en-US" sz="1800" dirty="0" smtClean="0">
+              <a:rPr lang="en-US" sz="1800" dirty="0">
                 <a:solidFill>
                   <a:schemeClr val="tx1"/>
                 </a:solidFill>
@@ -33000,6 +31369,25 @@
               </a:rPr>
               <a:t> </a:t>
             </a:r>
+          </a:p>
+          <a:p>
+            <a:pPr marL="400050" lvl="0" indent="-285750">
+              <a:lnSpc>
+                <a:spcPct val="100000"/>
+              </a:lnSpc>
+              <a:spcBef>
+                <a:spcPts val="0"/>
+              </a:spcBef>
+              <a:spcAft>
+                <a:spcPts val="0"/>
+              </a:spcAft>
+              <a:buClr>
+                <a:srgbClr val="000000"/>
+              </a:buClr>
+              <a:buSzPts val="1800"/>
+              <a:buFont typeface="Arial" panose="020B0604020202020204" pitchFamily="34" charset="0"/>
+              <a:buChar char="•"/>
+            </a:pPr>
             <a:endParaRPr lang="en-US" sz="1800" dirty="0">
               <a:solidFill>
                 <a:schemeClr val="tx1"/>
@@ -33028,35 +31416,7 @@
               <a:buFont typeface="Arial" panose="020B0604020202020204" pitchFamily="34" charset="0"/>
               <a:buChar char="•"/>
             </a:pPr>
-            <a:endParaRPr lang="en-US" sz="1800" dirty="0" smtClean="0">
-              <a:solidFill>
-                <a:schemeClr val="tx1"/>
-              </a:solidFill>
-              <a:latin typeface="Calibri" panose="020F0502020204030204" pitchFamily="34" charset="0"/>
-              <a:ea typeface="EB Garamond"/>
-              <a:cs typeface="Calibri" panose="020F0502020204030204" pitchFamily="34" charset="0"/>
-              <a:sym typeface="EB Garamond"/>
-            </a:endParaRPr>
-          </a:p>
-          <a:p>
-            <a:pPr marL="400050" lvl="0" indent="-285750">
-              <a:lnSpc>
-                <a:spcPct val="100000"/>
-              </a:lnSpc>
-              <a:spcBef>
-                <a:spcPts val="0"/>
-              </a:spcBef>
-              <a:spcAft>
-                <a:spcPts val="0"/>
-              </a:spcAft>
-              <a:buClr>
-                <a:srgbClr val="000000"/>
-              </a:buClr>
-              <a:buSzPts val="1800"/>
-              <a:buFont typeface="Arial" panose="020B0604020202020204" pitchFamily="34" charset="0"/>
-              <a:buChar char="•"/>
-            </a:pPr>
-            <a:endParaRPr lang="en-US" sz="1800" dirty="0" smtClean="0">
+            <a:endParaRPr lang="en-US" sz="1800" dirty="0">
               <a:solidFill>
                 <a:schemeClr val="tx1"/>
               </a:solidFill>
@@ -33078,13 +31438,6 @@
   <p:clrMapOvr>
     <a:masterClrMapping/>
   </p:clrMapOvr>
-  <p:timing>
-    <p:tnLst>
-      <p:par>
-        <p:cTn id="1" dur="indefinite" restart="never" nodeType="tmRoot"/>
-      </p:par>
-    </p:tnLst>
-  </p:timing>
 </p:sld>
 </file>
 
@@ -33129,7 +31482,7 @@
           <a:p>
             <a:pPr algn="ctr"/>
             <a:r>
-              <a:rPr lang="en-US" sz="3200" spc="0" dirty="0" smtClean="0">
+              <a:rPr lang="en-US" sz="3200" spc="0" dirty="0">
                 <a:solidFill>
                   <a:srgbClr val="0070C0"/>
                 </a:solidFill>
@@ -33138,13 +31491,6 @@
               </a:rPr>
               <a:t>Next Session</a:t>
             </a:r>
-            <a:endParaRPr lang="en-US" sz="3200" spc="0" dirty="0">
-              <a:solidFill>
-                <a:srgbClr val="0070C0"/>
-              </a:solidFill>
-              <a:latin typeface="Calibri" panose="020F0502020204030204" pitchFamily="34" charset="0"/>
-              <a:cs typeface="Calibri" panose="020F0502020204030204" pitchFamily="34" charset="0"/>
-            </a:endParaRPr>
           </a:p>
         </p:txBody>
       </p:sp>
@@ -33158,13 +31504,6 @@
   <p:clrMapOvr>
     <a:masterClrMapping/>
   </p:clrMapOvr>
-  <p:timing>
-    <p:tnLst>
-      <p:par>
-        <p:cTn id="1" dur="indefinite" restart="never" nodeType="tmRoot"/>
-      </p:par>
-    </p:tnLst>
-  </p:timing>
 </p:sld>
 </file>
 
@@ -33209,7 +31548,7 @@
           <a:p>
             <a:pPr algn="ctr"/>
             <a:r>
-              <a:rPr lang="en-US" sz="3200" spc="0" dirty="0" smtClean="0">
+              <a:rPr lang="en-US" sz="3200" spc="0" dirty="0">
                 <a:solidFill>
                   <a:srgbClr val="0070C0"/>
                 </a:solidFill>
@@ -33218,13 +31557,6 @@
               </a:rPr>
               <a:t>Categorical vs Continuous Variables</a:t>
             </a:r>
-            <a:endParaRPr lang="en-US" sz="3200" spc="0" dirty="0">
-              <a:solidFill>
-                <a:srgbClr val="0070C0"/>
-              </a:solidFill>
-              <a:latin typeface="Calibri" panose="020F0502020204030204" pitchFamily="34" charset="0"/>
-              <a:cs typeface="Calibri" panose="020F0502020204030204" pitchFamily="34" charset="0"/>
-            </a:endParaRPr>
           </a:p>
         </p:txBody>
       </p:sp>
@@ -33238,13 +31570,6 @@
   <p:clrMapOvr>
     <a:masterClrMapping/>
   </p:clrMapOvr>
-  <p:timing>
-    <p:tnLst>
-      <p:par>
-        <p:cTn id="1" dur="indefinite" restart="never" nodeType="tmRoot"/>
-      </p:par>
-    </p:tnLst>
-  </p:timing>
 </p:sld>
 </file>
 
@@ -33290,25 +31615,8 @@
                 <a:latin typeface="Calibri" panose="020F0502020204030204" pitchFamily="34" charset="0"/>
                 <a:cs typeface="Calibri" panose="020F0502020204030204" pitchFamily="34" charset="0"/>
               </a:rPr>
-              <a:t>Categorical vs Continuous </a:t>
+              <a:t>Categorical vs Continuous Variables</a:t>
             </a:r>
-            <a:r>
-              <a:rPr lang="en-US" sz="3200" spc="0" dirty="0" smtClean="0">
-                <a:solidFill>
-                  <a:srgbClr val="0070C0"/>
-                </a:solidFill>
-                <a:latin typeface="Calibri" panose="020F0502020204030204" pitchFamily="34" charset="0"/>
-                <a:cs typeface="Calibri" panose="020F0502020204030204" pitchFamily="34" charset="0"/>
-              </a:rPr>
-              <a:t>Variables</a:t>
-            </a:r>
-            <a:endParaRPr lang="en-US" sz="3200" spc="0" dirty="0">
-              <a:solidFill>
-                <a:srgbClr val="0070C0"/>
-              </a:solidFill>
-              <a:latin typeface="Calibri" panose="020F0502020204030204" pitchFamily="34" charset="0"/>
-              <a:cs typeface="Calibri" panose="020F0502020204030204" pitchFamily="34" charset="0"/>
-            </a:endParaRPr>
           </a:p>
         </p:txBody>
       </p:sp>
@@ -33587,13 +31895,6 @@
   <p:clrMapOvr>
     <a:masterClrMapping/>
   </p:clrMapOvr>
-  <p:timing>
-    <p:tnLst>
-      <p:par>
-        <p:cTn id="1" dur="indefinite" restart="never" nodeType="tmRoot"/>
-      </p:par>
-    </p:tnLst>
-  </p:timing>
 </p:sld>
 </file>
 
@@ -33632,7 +31933,7 @@
           <a:lstStyle/>
           <a:p>
             <a:r>
-              <a:rPr lang="en-US" sz="3200" spc="0" dirty="0" smtClean="0">
+              <a:rPr lang="en-US" sz="3200" spc="0" dirty="0">
                 <a:solidFill>
                   <a:srgbClr val="0070C0"/>
                 </a:solidFill>
@@ -33641,13 +31942,6 @@
               </a:rPr>
               <a:t>Types of Categorical Variables</a:t>
             </a:r>
-            <a:endParaRPr lang="en-US" sz="3200" spc="0" dirty="0">
-              <a:solidFill>
-                <a:srgbClr val="0070C0"/>
-              </a:solidFill>
-              <a:latin typeface="Calibri" panose="020F0502020204030204" pitchFamily="34" charset="0"/>
-              <a:cs typeface="Calibri" panose="020F0502020204030204" pitchFamily="34" charset="0"/>
-            </a:endParaRPr>
           </a:p>
         </p:txBody>
       </p:sp>
@@ -33720,25 +32014,8 @@
                 <a:latin typeface="Calibri" panose="020F0502020204030204" pitchFamily="34" charset="0"/>
                 <a:cs typeface="Calibri" panose="020F0502020204030204" pitchFamily="34" charset="0"/>
               </a:rPr>
-              <a:t>categories of credit </a:t>
+              <a:t>categories of credit scores (low: &lt;500, medium: 500-700, high: 700+) </a:t>
             </a:r>
-            <a:r>
-              <a:rPr lang="en-US" sz="1800" dirty="0" smtClean="0">
-                <a:solidFill>
-                  <a:schemeClr val="tx1"/>
-                </a:solidFill>
-                <a:latin typeface="Calibri" panose="020F0502020204030204" pitchFamily="34" charset="0"/>
-                <a:cs typeface="Calibri" panose="020F0502020204030204" pitchFamily="34" charset="0"/>
-              </a:rPr>
-              <a:t>scores (low: &lt;500, medium: 500-700, high: 700+) </a:t>
-            </a:r>
-            <a:endParaRPr lang="en-US" sz="1800" dirty="0">
-              <a:solidFill>
-                <a:schemeClr val="tx1"/>
-              </a:solidFill>
-              <a:latin typeface="Calibri" panose="020F0502020204030204" pitchFamily="34" charset="0"/>
-              <a:cs typeface="Calibri" panose="020F0502020204030204" pitchFamily="34" charset="0"/>
-            </a:endParaRPr>
           </a:p>
           <a:p>
             <a:pPr marL="1706865" lvl="3" indent="-365760">
@@ -33761,25 +32038,8 @@
                 <a:latin typeface="Calibri" panose="020F0502020204030204" pitchFamily="34" charset="0"/>
                 <a:cs typeface="Calibri" panose="020F0502020204030204" pitchFamily="34" charset="0"/>
               </a:rPr>
-              <a:t>loyalty to a store/ service </a:t>
+              <a:t>loyalty to a store/ service provider </a:t>
             </a:r>
-            <a:r>
-              <a:rPr lang="en-US" sz="1800" dirty="0" smtClean="0">
-                <a:solidFill>
-                  <a:schemeClr val="tx1"/>
-                </a:solidFill>
-                <a:latin typeface="Calibri" panose="020F0502020204030204" pitchFamily="34" charset="0"/>
-                <a:cs typeface="Calibri" panose="020F0502020204030204" pitchFamily="34" charset="0"/>
-              </a:rPr>
-              <a:t>provider </a:t>
-            </a:r>
-            <a:endParaRPr lang="en-US" sz="1800" dirty="0">
-              <a:solidFill>
-                <a:schemeClr val="tx1"/>
-              </a:solidFill>
-              <a:latin typeface="Calibri" panose="020F0502020204030204" pitchFamily="34" charset="0"/>
-              <a:cs typeface="Calibri" panose="020F0502020204030204" pitchFamily="34" charset="0"/>
-            </a:endParaRPr>
           </a:p>
           <a:p>
             <a:pPr marL="1706865" lvl="3" indent="-365760">
@@ -33853,25 +32113,8 @@
                 <a:latin typeface="Calibri" panose="020F0502020204030204" pitchFamily="34" charset="0"/>
                 <a:cs typeface="Calibri" panose="020F0502020204030204" pitchFamily="34" charset="0"/>
               </a:rPr>
-              <a:t>Non </a:t>
+              <a:t>Non manipulated</a:t>
             </a:r>
-            <a:r>
-              <a:rPr lang="en-US" sz="2400" dirty="0" smtClean="0">
-                <a:solidFill>
-                  <a:schemeClr val="tx1"/>
-                </a:solidFill>
-                <a:latin typeface="Calibri" panose="020F0502020204030204" pitchFamily="34" charset="0"/>
-                <a:cs typeface="Calibri" panose="020F0502020204030204" pitchFamily="34" charset="0"/>
-              </a:rPr>
-              <a:t>manipulated</a:t>
-            </a:r>
-            <a:endParaRPr lang="en-US" sz="2400" dirty="0">
-              <a:solidFill>
-                <a:schemeClr val="tx1"/>
-              </a:solidFill>
-              <a:latin typeface="Calibri" panose="020F0502020204030204" pitchFamily="34" charset="0"/>
-              <a:cs typeface="Calibri" panose="020F0502020204030204" pitchFamily="34" charset="0"/>
-            </a:endParaRPr>
           </a:p>
           <a:p>
             <a:pPr marL="1706865" lvl="3" indent="-365760">
@@ -33918,25 +32161,8 @@
                 <a:latin typeface="Calibri" panose="020F0502020204030204" pitchFamily="34" charset="0"/>
                 <a:cs typeface="Calibri" panose="020F0502020204030204" pitchFamily="34" charset="0"/>
               </a:rPr>
-              <a:t>colours of </a:t>
+              <a:t>colours of cars (red, white, green, etc.)</a:t>
             </a:r>
-            <a:r>
-              <a:rPr lang="en-US" sz="1800" dirty="0" smtClean="0">
-                <a:solidFill>
-                  <a:schemeClr val="tx1"/>
-                </a:solidFill>
-                <a:latin typeface="Calibri" panose="020F0502020204030204" pitchFamily="34" charset="0"/>
-                <a:cs typeface="Calibri" panose="020F0502020204030204" pitchFamily="34" charset="0"/>
-              </a:rPr>
-              <a:t>cars (red, white, green, etc.)</a:t>
-            </a:r>
-            <a:endParaRPr lang="en-US" sz="1800" dirty="0">
-              <a:solidFill>
-                <a:schemeClr val="tx1"/>
-              </a:solidFill>
-              <a:latin typeface="Calibri" panose="020F0502020204030204" pitchFamily="34" charset="0"/>
-              <a:cs typeface="Calibri" panose="020F0502020204030204" pitchFamily="34" charset="0"/>
-            </a:endParaRPr>
           </a:p>
           <a:p>
             <a:pPr marL="914400" lvl="1" indent="-365760">
@@ -33979,16 +32205,6 @@
               <a:buChar char="•"/>
             </a:pPr>
             <a:r>
-              <a:rPr lang="en-US" sz="2400" dirty="0" smtClean="0">
-                <a:solidFill>
-                  <a:schemeClr val="tx1"/>
-                </a:solidFill>
-                <a:latin typeface="Calibri" panose="020F0502020204030204" pitchFamily="34" charset="0"/>
-                <a:cs typeface="Calibri" panose="020F0502020204030204" pitchFamily="34" charset="0"/>
-              </a:rPr>
-              <a:t>In </a:t>
-            </a:r>
-            <a:r>
               <a:rPr lang="en-US" sz="2400" dirty="0">
                 <a:solidFill>
                   <a:schemeClr val="tx1"/>
@@ -33996,17 +32212,7 @@
                 <a:latin typeface="Calibri" panose="020F0502020204030204" pitchFamily="34" charset="0"/>
                 <a:cs typeface="Calibri" panose="020F0502020204030204" pitchFamily="34" charset="0"/>
               </a:rPr>
-              <a:t>categorical variables, subjects classified in a given category are treated as being alike on </a:t>
-            </a:r>
-            <a:r>
-              <a:rPr lang="en-US" sz="2400" dirty="0" smtClean="0">
-                <a:solidFill>
-                  <a:schemeClr val="tx1"/>
-                </a:solidFill>
-                <a:latin typeface="Calibri" panose="020F0502020204030204" pitchFamily="34" charset="0"/>
-                <a:cs typeface="Calibri" panose="020F0502020204030204" pitchFamily="34" charset="0"/>
-              </a:rPr>
-              <a:t>it</a:t>
+              <a:t>In categorical variables, subjects classified in a given category are treated as being alike on it</a:t>
             </a:r>
           </a:p>
           <a:p>
@@ -34030,37 +32236,7 @@
                 <a:latin typeface="Calibri" panose="020F0502020204030204" pitchFamily="34" charset="0"/>
                 <a:cs typeface="Calibri" panose="020F0502020204030204" pitchFamily="34" charset="0"/>
               </a:rPr>
-              <a:t>Example</a:t>
-            </a:r>
-            <a:r>
-              <a:rPr lang="en-US" sz="1800" dirty="0">
-                <a:solidFill>
-                  <a:schemeClr val="tx1"/>
-                </a:solidFill>
-                <a:latin typeface="Calibri" panose="020F0502020204030204" pitchFamily="34" charset="0"/>
-                <a:cs typeface="Calibri" panose="020F0502020204030204" pitchFamily="34" charset="0"/>
-              </a:rPr>
-              <a:t>: all conservatives or greens or liberals are treated the same within their respective group for </a:t>
-            </a:r>
-            <a:r>
-              <a:rPr lang="en-US" sz="1800" dirty="0" smtClean="0">
-                <a:solidFill>
-                  <a:schemeClr val="tx1"/>
-                </a:solidFill>
-                <a:latin typeface="Calibri" panose="020F0502020204030204" pitchFamily="34" charset="0"/>
-                <a:cs typeface="Calibri" panose="020F0502020204030204" pitchFamily="34" charset="0"/>
-              </a:rPr>
-              <a:t>analytics and research </a:t>
-            </a:r>
-            <a:r>
-              <a:rPr lang="en-US" sz="1800" dirty="0">
-                <a:solidFill>
-                  <a:schemeClr val="tx1"/>
-                </a:solidFill>
-                <a:latin typeface="Calibri" panose="020F0502020204030204" pitchFamily="34" charset="0"/>
-                <a:cs typeface="Calibri" panose="020F0502020204030204" pitchFamily="34" charset="0"/>
-              </a:rPr>
-              <a:t>purpose</a:t>
+              <a:t>Example: all conservatives or greens or liberals are treated the same within their respective group for analytics and research purpose</a:t>
             </a:r>
           </a:p>
           <a:p>
@@ -34079,7 +32255,7 @@
               <a:buFont typeface="Arial" panose="020B0604020202020204" pitchFamily="34" charset="0"/>
               <a:buChar char="•"/>
             </a:pPr>
-            <a:endParaRPr lang="en-US" dirty="0" smtClean="0">
+            <a:endParaRPr lang="en-US" dirty="0">
               <a:solidFill>
                 <a:srgbClr val="000000"/>
               </a:solidFill>
@@ -34099,13 +32275,6 @@
   <p:clrMapOvr>
     <a:masterClrMapping/>
   </p:clrMapOvr>
-  <p:timing>
-    <p:tnLst>
-      <p:par>
-        <p:cTn id="1" dur="indefinite" restart="never" nodeType="tmRoot"/>
-      </p:par>
-    </p:tnLst>
-  </p:timing>
 </p:sld>
 </file>
 
@@ -34144,7 +32313,7 @@
           <a:lstStyle/>
           <a:p>
             <a:r>
-              <a:rPr lang="en-US" sz="3200" spc="0" dirty="0" smtClean="0">
+              <a:rPr lang="en-US" sz="3200" spc="0" dirty="0">
                 <a:solidFill>
                   <a:srgbClr val="0070C0"/>
                 </a:solidFill>
@@ -34153,13 +32322,6 @@
               </a:rPr>
               <a:t>Are Categorical Variables suitable for Analytics?</a:t>
             </a:r>
-            <a:endParaRPr lang="en-US" sz="3200" spc="0" dirty="0">
-              <a:solidFill>
-                <a:srgbClr val="0070C0"/>
-              </a:solidFill>
-              <a:latin typeface="Calibri" panose="020F0502020204030204" pitchFamily="34" charset="0"/>
-              <a:cs typeface="Calibri" panose="020F0502020204030204" pitchFamily="34" charset="0"/>
-            </a:endParaRPr>
           </a:p>
         </p:txBody>
       </p:sp>
@@ -34232,25 +32394,8 @@
                 <a:latin typeface="Calibri" panose="020F0502020204030204" pitchFamily="34" charset="0"/>
                 <a:cs typeface="Calibri" panose="020F0502020204030204" pitchFamily="34" charset="0"/>
               </a:rPr>
-              <a:t>Change in y with a unit change in </a:t>
+              <a:t>Change in y with a unit change in x (linear regression)</a:t>
             </a:r>
-            <a:r>
-              <a:rPr lang="en-US" sz="1800" dirty="0" smtClean="0">
-                <a:solidFill>
-                  <a:schemeClr val="tx1"/>
-                </a:solidFill>
-                <a:latin typeface="Calibri" panose="020F0502020204030204" pitchFamily="34" charset="0"/>
-                <a:cs typeface="Calibri" panose="020F0502020204030204" pitchFamily="34" charset="0"/>
-              </a:rPr>
-              <a:t>x (linear regression)</a:t>
-            </a:r>
-            <a:endParaRPr lang="en-US" sz="1800" dirty="0">
-              <a:solidFill>
-                <a:schemeClr val="tx1"/>
-              </a:solidFill>
-              <a:latin typeface="Calibri" panose="020F0502020204030204" pitchFamily="34" charset="0"/>
-              <a:cs typeface="Calibri" panose="020F0502020204030204" pitchFamily="34" charset="0"/>
-            </a:endParaRPr>
           </a:p>
           <a:p>
             <a:pPr marL="1706865" lvl="3" indent="-365760">
@@ -34273,45 +32418,8 @@
                 <a:latin typeface="Calibri" panose="020F0502020204030204" pitchFamily="34" charset="0"/>
                 <a:cs typeface="Calibri" panose="020F0502020204030204" pitchFamily="34" charset="0"/>
               </a:rPr>
-              <a:t>Probability of </a:t>
+              <a:t>Probability of change in y with a unit change in x (logistics regression)</a:t>
             </a:r>
-            <a:r>
-              <a:rPr lang="en-US" sz="1800" dirty="0" smtClean="0">
-                <a:solidFill>
-                  <a:schemeClr val="tx1"/>
-                </a:solidFill>
-                <a:latin typeface="Calibri" panose="020F0502020204030204" pitchFamily="34" charset="0"/>
-                <a:cs typeface="Calibri" panose="020F0502020204030204" pitchFamily="34" charset="0"/>
-              </a:rPr>
-              <a:t>change in </a:t>
-            </a:r>
-            <a:r>
-              <a:rPr lang="en-US" sz="1800" dirty="0">
-                <a:solidFill>
-                  <a:schemeClr val="tx1"/>
-                </a:solidFill>
-                <a:latin typeface="Calibri" panose="020F0502020204030204" pitchFamily="34" charset="0"/>
-                <a:cs typeface="Calibri" panose="020F0502020204030204" pitchFamily="34" charset="0"/>
-              </a:rPr>
-              <a:t>y with a unit change in x </a:t>
-            </a:r>
-            <a:r>
-              <a:rPr lang="en-US" sz="1800" dirty="0" smtClean="0">
-                <a:solidFill>
-                  <a:schemeClr val="tx1"/>
-                </a:solidFill>
-                <a:latin typeface="Calibri" panose="020F0502020204030204" pitchFamily="34" charset="0"/>
-                <a:cs typeface="Calibri" panose="020F0502020204030204" pitchFamily="34" charset="0"/>
-              </a:rPr>
-              <a:t>(logistics regression)</a:t>
-            </a:r>
-            <a:endParaRPr lang="en-US" sz="1800" dirty="0">
-              <a:solidFill>
-                <a:schemeClr val="tx1"/>
-              </a:solidFill>
-              <a:latin typeface="Calibri" panose="020F0502020204030204" pitchFamily="34" charset="0"/>
-              <a:cs typeface="Calibri" panose="020F0502020204030204" pitchFamily="34" charset="0"/>
-            </a:endParaRPr>
           </a:p>
           <a:p>
             <a:pPr marL="914400" lvl="1" indent="-365760">
@@ -34385,27 +32493,7 @@
                 <a:latin typeface="Calibri" panose="020F0502020204030204" pitchFamily="34" charset="0"/>
                 <a:cs typeface="Calibri" panose="020F0502020204030204" pitchFamily="34" charset="0"/>
               </a:rPr>
-              <a:t>Similarity of observation based on </a:t>
-            </a:r>
-            <a:r>
-              <a:rPr lang="en-US" sz="1800" dirty="0" smtClean="0">
-                <a:solidFill>
-                  <a:schemeClr val="tx1"/>
-                </a:solidFill>
-                <a:latin typeface="Calibri" panose="020F0502020204030204" pitchFamily="34" charset="0"/>
-                <a:cs typeface="Calibri" panose="020F0502020204030204" pitchFamily="34" charset="0"/>
-              </a:rPr>
-              <a:t>selected distance </a:t>
-            </a:r>
-            <a:r>
-              <a:rPr lang="en-US" sz="1800" dirty="0">
-                <a:solidFill>
-                  <a:schemeClr val="tx1"/>
-                </a:solidFill>
-                <a:latin typeface="Calibri" panose="020F0502020204030204" pitchFamily="34" charset="0"/>
-                <a:cs typeface="Calibri" panose="020F0502020204030204" pitchFamily="34" charset="0"/>
-              </a:rPr>
-              <a:t>measures</a:t>
+              <a:t>Similarity of observation based on selected distance measures</a:t>
             </a:r>
           </a:p>
           <a:p>
@@ -34528,25 +32616,8 @@
                 <a:latin typeface="Calibri" panose="020F0502020204030204" pitchFamily="34" charset="0"/>
                 <a:cs typeface="Calibri" panose="020F0502020204030204" pitchFamily="34" charset="0"/>
               </a:rPr>
-              <a:t>Gender influencing purchase decisions for fashion </a:t>
+              <a:t>Gender influencing purchase decisions for fashion goods</a:t>
             </a:r>
-            <a:r>
-              <a:rPr lang="en-US" sz="1800" dirty="0" smtClean="0">
-                <a:solidFill>
-                  <a:schemeClr val="tx1"/>
-                </a:solidFill>
-                <a:latin typeface="Calibri" panose="020F0502020204030204" pitchFamily="34" charset="0"/>
-                <a:cs typeface="Calibri" panose="020F0502020204030204" pitchFamily="34" charset="0"/>
-              </a:rPr>
-              <a:t>goods</a:t>
-            </a:r>
-            <a:endParaRPr lang="en-US" sz="1800" dirty="0">
-              <a:solidFill>
-                <a:schemeClr val="tx1"/>
-              </a:solidFill>
-              <a:latin typeface="Calibri" panose="020F0502020204030204" pitchFamily="34" charset="0"/>
-              <a:cs typeface="Calibri" panose="020F0502020204030204" pitchFamily="34" charset="0"/>
-            </a:endParaRPr>
           </a:p>
         </p:txBody>
       </p:sp>
@@ -34560,13 +32631,6 @@
   <p:clrMapOvr>
     <a:masterClrMapping/>
   </p:clrMapOvr>
-  <p:timing>
-    <p:tnLst>
-      <p:par>
-        <p:cTn id="1" dur="indefinite" restart="never" nodeType="tmRoot"/>
-      </p:par>
-    </p:tnLst>
-  </p:timing>
 </p:sld>
 </file>
 
@@ -34605,7 +32669,7 @@
           <a:lstStyle/>
           <a:p>
             <a:r>
-              <a:rPr lang="en-US" sz="3200" spc="0" dirty="0" smtClean="0">
+              <a:rPr lang="en-US" sz="3200" spc="0" dirty="0">
                 <a:solidFill>
                   <a:srgbClr val="0070C0"/>
                 </a:solidFill>
@@ -34614,13 +32678,6 @@
               </a:rPr>
               <a:t>Are Categorical Variables suitable for Analytics?</a:t>
             </a:r>
-            <a:endParaRPr lang="en-US" sz="3200" spc="0" dirty="0">
-              <a:solidFill>
-                <a:srgbClr val="0070C0"/>
-              </a:solidFill>
-              <a:latin typeface="Calibri" panose="020F0502020204030204" pitchFamily="34" charset="0"/>
-              <a:cs typeface="Calibri" panose="020F0502020204030204" pitchFamily="34" charset="0"/>
-            </a:endParaRPr>
           </a:p>
         </p:txBody>
       </p:sp>
@@ -34669,47 +32726,7 @@
                 <a:latin typeface="Calibri" panose="020F0502020204030204" pitchFamily="34" charset="0"/>
                 <a:cs typeface="Calibri" panose="020F0502020204030204" pitchFamily="34" charset="0"/>
               </a:rPr>
-              <a:t>For </a:t>
-            </a:r>
-            <a:r>
-              <a:rPr lang="en-US" sz="2400" dirty="0" smtClean="0">
-                <a:solidFill>
-                  <a:srgbClr val="000000"/>
-                </a:solidFill>
-                <a:latin typeface="Calibri" panose="020F0502020204030204" pitchFamily="34" charset="0"/>
-                <a:cs typeface="Calibri" panose="020F0502020204030204" pitchFamily="34" charset="0"/>
-              </a:rPr>
-              <a:t>both explanatory and predictive analytics </a:t>
-            </a:r>
-            <a:r>
-              <a:rPr lang="en-US" sz="2400" dirty="0">
-                <a:solidFill>
-                  <a:srgbClr val="000000"/>
-                </a:solidFill>
-                <a:latin typeface="Calibri" panose="020F0502020204030204" pitchFamily="34" charset="0"/>
-                <a:cs typeface="Calibri" panose="020F0502020204030204" pitchFamily="34" charset="0"/>
-              </a:rPr>
-              <a:t>(e.g., regression, clustering, etc</a:t>
-            </a:r>
-            <a:r>
-              <a:rPr lang="en-US" sz="2400" dirty="0" smtClean="0">
-                <a:solidFill>
-                  <a:srgbClr val="000000"/>
-                </a:solidFill>
-                <a:latin typeface="Calibri" panose="020F0502020204030204" pitchFamily="34" charset="0"/>
-                <a:cs typeface="Calibri" panose="020F0502020204030204" pitchFamily="34" charset="0"/>
-              </a:rPr>
-              <a:t>.) – a key requirement is, </a:t>
-            </a:r>
-            <a:r>
-              <a:rPr lang="en-US" sz="2400" dirty="0">
-                <a:solidFill>
-                  <a:srgbClr val="000000"/>
-                </a:solidFill>
-                <a:latin typeface="Calibri" panose="020F0502020204030204" pitchFamily="34" charset="0"/>
-                <a:cs typeface="Calibri" panose="020F0502020204030204" pitchFamily="34" charset="0"/>
-              </a:rPr>
-              <a:t>variables MUST be AT LEAST on </a:t>
+              <a:t>For both explanatory and predictive analytics (e.g., regression, clustering, etc.) – a key requirement is, variables MUST be AT LEAST on </a:t>
             </a:r>
             <a:r>
               <a:rPr lang="en-US" sz="2400" b="1" dirty="0">
@@ -34738,7 +32755,7 @@
               <a:buFont typeface="Arial" panose="020B0604020202020204" pitchFamily="34" charset="0"/>
               <a:buChar char="•"/>
             </a:pPr>
-            <a:endParaRPr lang="en-US" sz="2400" dirty="0" smtClean="0">
+            <a:endParaRPr lang="en-US" sz="2400" dirty="0">
               <a:solidFill>
                 <a:srgbClr val="000000"/>
               </a:solidFill>
@@ -34763,16 +32780,6 @@
               <a:buChar char="•"/>
             </a:pPr>
             <a:r>
-              <a:rPr lang="en-US" sz="2400" dirty="0" smtClean="0">
-                <a:solidFill>
-                  <a:srgbClr val="000000"/>
-                </a:solidFill>
-                <a:latin typeface="Calibri" panose="020F0502020204030204" pitchFamily="34" charset="0"/>
-                <a:cs typeface="Calibri" panose="020F0502020204030204" pitchFamily="34" charset="0"/>
-              </a:rPr>
-              <a:t>We need </a:t>
-            </a:r>
-            <a:r>
               <a:rPr lang="en-US" sz="2400" dirty="0">
                 <a:solidFill>
                   <a:srgbClr val="000000"/>
@@ -34780,7 +32787,7 @@
                 <a:latin typeface="Calibri" panose="020F0502020204030204" pitchFamily="34" charset="0"/>
                 <a:cs typeface="Calibri" panose="020F0502020204030204" pitchFamily="34" charset="0"/>
               </a:rPr>
-              <a:t>to </a:t>
+              <a:t>We need to </a:t>
             </a:r>
             <a:r>
               <a:rPr lang="en-US" sz="2400" b="1" dirty="0">
@@ -34800,25 +32807,8 @@
                 <a:latin typeface="Calibri" panose="020F0502020204030204" pitchFamily="34" charset="0"/>
                 <a:cs typeface="Calibri" panose="020F0502020204030204" pitchFamily="34" charset="0"/>
               </a:rPr>
-              <a:t> categorical </a:t>
+              <a:t> categorical variables using appropriate techniques (e.g., dummy, effect, etc.) to make it suitable for different analytical techniques</a:t>
             </a:r>
-            <a:r>
-              <a:rPr lang="en-US" sz="2400" dirty="0" smtClean="0">
-                <a:solidFill>
-                  <a:srgbClr val="000000"/>
-                </a:solidFill>
-                <a:latin typeface="Calibri" panose="020F0502020204030204" pitchFamily="34" charset="0"/>
-                <a:cs typeface="Calibri" panose="020F0502020204030204" pitchFamily="34" charset="0"/>
-              </a:rPr>
-              <a:t>variables using appropriate techniques (e.g., dummy, effect, etc.) to make it suitable for different analytical techniques</a:t>
-            </a:r>
-            <a:endParaRPr lang="en-US" sz="2400" dirty="0">
-              <a:solidFill>
-                <a:srgbClr val="000000"/>
-              </a:solidFill>
-              <a:latin typeface="Calibri" panose="020F0502020204030204" pitchFamily="34" charset="0"/>
-              <a:cs typeface="Calibri" panose="020F0502020204030204" pitchFamily="34" charset="0"/>
-            </a:endParaRPr>
           </a:p>
           <a:p>
             <a:pPr marL="914400" lvl="1" indent="-365760">
@@ -34856,13 +32846,6 @@
   <p:clrMapOvr>
     <a:masterClrMapping/>
   </p:clrMapOvr>
-  <p:timing>
-    <p:tnLst>
-      <p:par>
-        <p:cTn id="1" dur="indefinite" restart="never" nodeType="tmRoot"/>
-      </p:par>
-    </p:tnLst>
-  </p:timing>
 </p:sld>
 </file>
 
@@ -34901,7 +32884,7 @@
           <a:lstStyle/>
           <a:p>
             <a:r>
-              <a:rPr lang="en-US" sz="3200" spc="0" dirty="0" smtClean="0">
+              <a:rPr lang="en-US" sz="3200" spc="0" dirty="0">
                 <a:solidFill>
                   <a:srgbClr val="0070C0"/>
                 </a:solidFill>
@@ -34910,13 +32893,6 @@
               </a:rPr>
               <a:t>What is variable coding?</a:t>
             </a:r>
-            <a:endParaRPr lang="en-US" sz="3200" spc="0" dirty="0">
-              <a:solidFill>
-                <a:srgbClr val="0070C0"/>
-              </a:solidFill>
-              <a:latin typeface="Calibri" panose="020F0502020204030204" pitchFamily="34" charset="0"/>
-              <a:cs typeface="Calibri" panose="020F0502020204030204" pitchFamily="34" charset="0"/>
-            </a:endParaRPr>
           </a:p>
         </p:txBody>
       </p:sp>
@@ -34985,16 +32961,6 @@
               <a:buChar char="•"/>
             </a:pPr>
             <a:r>
-              <a:rPr lang="en-US" sz="2400" dirty="0" smtClean="0">
-                <a:solidFill>
-                  <a:srgbClr val="000000"/>
-                </a:solidFill>
-                <a:latin typeface="Calibri" panose="020F0502020204030204" pitchFamily="34" charset="0"/>
-                <a:cs typeface="Calibri" panose="020F0502020204030204" pitchFamily="34" charset="0"/>
-              </a:rPr>
-              <a:t>Assignment </a:t>
-            </a:r>
-            <a:r>
               <a:rPr lang="en-US" sz="2400" dirty="0">
                 <a:solidFill>
                   <a:srgbClr val="000000"/>
@@ -35002,7 +32968,7 @@
                 <a:latin typeface="Calibri" panose="020F0502020204030204" pitchFamily="34" charset="0"/>
                 <a:cs typeface="Calibri" panose="020F0502020204030204" pitchFamily="34" charset="0"/>
               </a:rPr>
-              <a:t>of meanings has to follow some rules</a:t>
+              <a:t>Assignment of meanings has to follow some rules</a:t>
             </a:r>
           </a:p>
           <a:p>
@@ -35026,17 +32992,7 @@
                 <a:latin typeface="Calibri" panose="020F0502020204030204" pitchFamily="34" charset="0"/>
                 <a:cs typeface="Calibri" panose="020F0502020204030204" pitchFamily="34" charset="0"/>
               </a:rPr>
-              <a:t>Simple </a:t>
-            </a:r>
-            <a:r>
-              <a:rPr lang="en-US" sz="1800" dirty="0">
-                <a:solidFill>
-                  <a:schemeClr val="tx1"/>
-                </a:solidFill>
-                <a:latin typeface="Calibri" panose="020F0502020204030204" pitchFamily="34" charset="0"/>
-                <a:cs typeface="Calibri" panose="020F0502020204030204" pitchFamily="34" charset="0"/>
-              </a:rPr>
-              <a:t>rules: male / female : 0/1 coding</a:t>
+              <a:t>Simple rules: male / female : 0/1 coding</a:t>
             </a:r>
           </a:p>
           <a:p>
@@ -35060,25 +33016,8 @@
                 <a:latin typeface="Calibri" panose="020F0502020204030204" pitchFamily="34" charset="0"/>
                 <a:cs typeface="Calibri" panose="020F0502020204030204" pitchFamily="34" charset="0"/>
               </a:rPr>
-              <a:t>Complex </a:t>
+              <a:t>Complex rules: occupations, patients, etc. </a:t>
             </a:r>
-            <a:r>
-              <a:rPr lang="en-US" sz="1800" dirty="0">
-                <a:solidFill>
-                  <a:schemeClr val="tx1"/>
-                </a:solidFill>
-                <a:latin typeface="Calibri" panose="020F0502020204030204" pitchFamily="34" charset="0"/>
-                <a:cs typeface="Calibri" panose="020F0502020204030204" pitchFamily="34" charset="0"/>
-              </a:rPr>
-              <a:t>rules: occupations, patients, etc. </a:t>
-            </a:r>
-            <a:endParaRPr lang="en-US" sz="1800" dirty="0" smtClean="0">
-              <a:solidFill>
-                <a:schemeClr val="tx1"/>
-              </a:solidFill>
-              <a:latin typeface="Calibri" panose="020F0502020204030204" pitchFamily="34" charset="0"/>
-              <a:cs typeface="Calibri" panose="020F0502020204030204" pitchFamily="34" charset="0"/>
-            </a:endParaRPr>
           </a:p>
           <a:p>
             <a:pPr marL="2057057" lvl="5" indent="-365760">
@@ -35166,7 +33105,7 @@
               <a:buChar char="•"/>
             </a:pPr>
             <a:r>
-              <a:rPr lang="en-US" sz="2400" dirty="0" smtClean="0">
+              <a:rPr lang="en-US" sz="2400" dirty="0">
                 <a:solidFill>
                   <a:srgbClr val="000000"/>
                 </a:solidFill>
@@ -35197,27 +33136,7 @@
                 <a:latin typeface="Calibri" panose="020F0502020204030204" pitchFamily="34" charset="0"/>
                 <a:cs typeface="Calibri" panose="020F0502020204030204" pitchFamily="34" charset="0"/>
               </a:rPr>
-              <a:t>No </a:t>
-            </a:r>
-            <a:r>
-              <a:rPr lang="en-US" sz="1800" dirty="0">
-                <a:solidFill>
-                  <a:schemeClr val="tx1"/>
-                </a:solidFill>
-                <a:latin typeface="Calibri" panose="020F0502020204030204" pitchFamily="34" charset="0"/>
-                <a:cs typeface="Calibri" panose="020F0502020204030204" pitchFamily="34" charset="0"/>
-              </a:rPr>
-              <a:t>perfect agreement among researchers for these </a:t>
-            </a:r>
-            <a:r>
-              <a:rPr lang="en-US" sz="1800" dirty="0" smtClean="0">
-                <a:solidFill>
-                  <a:schemeClr val="tx1"/>
-                </a:solidFill>
-                <a:latin typeface="Calibri" panose="020F0502020204030204" pitchFamily="34" charset="0"/>
-                <a:cs typeface="Calibri" panose="020F0502020204030204" pitchFamily="34" charset="0"/>
-              </a:rPr>
-              <a:t>rules</a:t>
+              <a:t>No perfect agreement among researchers for these rules</a:t>
             </a:r>
           </a:p>
           <a:p>
@@ -35241,17 +33160,7 @@
                 <a:latin typeface="Calibri" panose="020F0502020204030204" pitchFamily="34" charset="0"/>
                 <a:cs typeface="Calibri" panose="020F0502020204030204" pitchFamily="34" charset="0"/>
               </a:rPr>
-              <a:t>Do </a:t>
-            </a:r>
-            <a:r>
-              <a:rPr lang="en-US" sz="1800" dirty="0">
-                <a:solidFill>
-                  <a:schemeClr val="tx1"/>
-                </a:solidFill>
-                <a:latin typeface="Calibri" panose="020F0502020204030204" pitchFamily="34" charset="0"/>
-                <a:cs typeface="Calibri" panose="020F0502020204030204" pitchFamily="34" charset="0"/>
-              </a:rPr>
-              <a:t>disagreements over coding rules affect quality of results?</a:t>
+              <a:t>Do disagreements over coding rules affect quality of results?</a:t>
             </a:r>
           </a:p>
           <a:p>
@@ -35290,13 +33199,6 @@
   <p:clrMapOvr>
     <a:masterClrMapping/>
   </p:clrMapOvr>
-  <p:timing>
-    <p:tnLst>
-      <p:par>
-        <p:cTn id="1" dur="indefinite" restart="never" nodeType="tmRoot"/>
-      </p:par>
-    </p:tnLst>
-  </p:timing>
 </p:sld>
 </file>
 
@@ -35335,7 +33237,7 @@
           <a:lstStyle/>
           <a:p>
             <a:r>
-              <a:rPr lang="en-US" sz="3200" spc="0" dirty="0" smtClean="0">
+              <a:rPr lang="en-US" sz="3200" spc="0" dirty="0">
                 <a:solidFill>
                   <a:srgbClr val="0070C0"/>
                 </a:solidFill>
@@ -35344,13 +33246,6 @@
               </a:rPr>
               <a:t>Dummy coding (easiest of all) </a:t>
             </a:r>
-            <a:endParaRPr lang="en-US" sz="3200" spc="0" dirty="0">
-              <a:solidFill>
-                <a:srgbClr val="0070C0"/>
-              </a:solidFill>
-              <a:latin typeface="Calibri" panose="020F0502020204030204" pitchFamily="34" charset="0"/>
-              <a:cs typeface="Calibri" panose="020F0502020204030204" pitchFamily="34" charset="0"/>
-            </a:endParaRPr>
           </a:p>
         </p:txBody>
       </p:sp>
@@ -35409,27 +33304,7 @@
                 <a:latin typeface="Calibri" panose="020F0502020204030204" pitchFamily="34" charset="0"/>
                 <a:cs typeface="Calibri" panose="020F0502020204030204" pitchFamily="34" charset="0"/>
               </a:rPr>
-              <a:t> representation of </a:t>
-            </a:r>
-            <a:r>
-              <a:rPr lang="en-US" sz="2400" dirty="0" smtClean="0">
-                <a:solidFill>
-                  <a:srgbClr val="000000"/>
-                </a:solidFill>
-                <a:latin typeface="Calibri" panose="020F0502020204030204" pitchFamily="34" charset="0"/>
-                <a:cs typeface="Calibri" panose="020F0502020204030204" pitchFamily="34" charset="0"/>
-              </a:rPr>
-              <a:t>categorical (nominal) and </a:t>
-            </a:r>
-            <a:r>
-              <a:rPr lang="en-US" sz="2400" dirty="0">
-                <a:solidFill>
-                  <a:srgbClr val="000000"/>
-                </a:solidFill>
-                <a:latin typeface="Calibri" panose="020F0502020204030204" pitchFamily="34" charset="0"/>
-                <a:cs typeface="Calibri" panose="020F0502020204030204" pitchFamily="34" charset="0"/>
-              </a:rPr>
-              <a:t>ordinal variables</a:t>
+              <a:t> representation of categorical (nominal) and ordinal variables</a:t>
             </a:r>
           </a:p>
           <a:p>
@@ -35477,35 +33352,8 @@
                 <a:latin typeface="Calibri" panose="020F0502020204030204" pitchFamily="34" charset="0"/>
                 <a:cs typeface="Calibri" panose="020F0502020204030204" pitchFamily="34" charset="0"/>
               </a:rPr>
-              <a:t>g categories, g-1 dummy variables. </a:t>
+              <a:t>g categories, g-1 dummy variables. g=3 for x2 variable</a:t>
             </a:r>
-            <a:r>
-              <a:rPr lang="en-US" sz="1800" dirty="0">
-                <a:solidFill>
-                  <a:schemeClr val="tx1"/>
-                </a:solidFill>
-                <a:latin typeface="Calibri" panose="020F0502020204030204" pitchFamily="34" charset="0"/>
-                <a:cs typeface="Calibri" panose="020F0502020204030204" pitchFamily="34" charset="0"/>
-              </a:rPr>
-              <a:t>g=3 for </a:t>
-            </a:r>
-            <a:r>
-              <a:rPr lang="en-US" sz="1800" dirty="0" smtClean="0">
-                <a:solidFill>
-                  <a:schemeClr val="tx1"/>
-                </a:solidFill>
-                <a:latin typeface="Calibri" panose="020F0502020204030204" pitchFamily="34" charset="0"/>
-                <a:cs typeface="Calibri" panose="020F0502020204030204" pitchFamily="34" charset="0"/>
-              </a:rPr>
-              <a:t>x2 variable</a:t>
-            </a:r>
-            <a:endParaRPr lang="en-US" sz="1800" dirty="0">
-              <a:solidFill>
-                <a:schemeClr val="tx1"/>
-              </a:solidFill>
-              <a:latin typeface="Calibri" panose="020F0502020204030204" pitchFamily="34" charset="0"/>
-              <a:cs typeface="Calibri" panose="020F0502020204030204" pitchFamily="34" charset="0"/>
-            </a:endParaRPr>
           </a:p>
         </p:txBody>
       </p:sp>
@@ -35523,7 +33371,7 @@
         </p:nvGraphicFramePr>
         <p:xfrm>
           <a:off x="2758440" y="3444073"/>
-          <a:ext cx="5806500" cy="2049932"/>
+          <a:ext cx="5806500" cy="2033486"/>
         </p:xfrm>
         <a:graphic>
           <a:graphicData uri="http://schemas.openxmlformats.org/drawingml/2006/table">
@@ -37930,13 +35778,6 @@
   <p:clrMapOvr>
     <a:masterClrMapping/>
   </p:clrMapOvr>
-  <p:timing>
-    <p:tnLst>
-      <p:par>
-        <p:cTn id="1" dur="indefinite" restart="never" nodeType="tmRoot"/>
-      </p:par>
-    </p:tnLst>
-  </p:timing>
 </p:sld>
 </file>
 
